--- a/L_lex/Vortrag.pptx
+++ b/L_lex/Vortrag.pptx
@@ -5,14 +5,21 @@
     <p:sldMasterId id="2147483660" r:id="rId1"/>
   </p:sldMasterIdLst>
   <p:notesMasterIdLst>
-    <p:notesMasterId r:id="rId4"/>
+    <p:notesMasterId r:id="rId11"/>
   </p:notesMasterIdLst>
   <p:handoutMasterIdLst>
-    <p:handoutMasterId r:id="rId5"/>
+    <p:handoutMasterId r:id="rId12"/>
   </p:handoutMasterIdLst>
   <p:sldIdLst>
     <p:sldId id="256" r:id="rId2"/>
     <p:sldId id="257" r:id="rId3"/>
+    <p:sldId id="258" r:id="rId4"/>
+    <p:sldId id="260" r:id="rId5"/>
+    <p:sldId id="259" r:id="rId6"/>
+    <p:sldId id="261" r:id="rId7"/>
+    <p:sldId id="262" r:id="rId8"/>
+    <p:sldId id="263" r:id="rId9"/>
+    <p:sldId id="264" r:id="rId10"/>
   </p:sldIdLst>
   <p:sldSz cx="9144000" cy="6858000" type="screen4x3"/>
   <p:notesSz cx="6797675" cy="9926638"/>
@@ -212,7 +219,7 @@
           <a:p>
             <a:fld id="{EE57F349-D566-45B1-85EE-31331873AB97}" type="datetime1">
               <a:rPr lang="de-DE" smtClean="0"/>
-              <a:t>22.02.2019</a:t>
+              <a:t>24.02.2019</a:t>
             </a:fld>
             <a:endParaRPr lang="de-DE"/>
           </a:p>
@@ -378,7 +385,7 @@
           <a:p>
             <a:fld id="{694979C1-8BE8-46B2-A594-29912848ADCD}" type="datetime1">
               <a:rPr lang="de-DE" smtClean="0"/>
-              <a:t>22.02.2019</a:t>
+              <a:t>24.02.2019</a:t>
             </a:fld>
             <a:endParaRPr lang="de-DE"/>
           </a:p>
@@ -12585,7 +12592,7 @@
           <a:graphicData uri="http://schemas.openxmlformats.org/presentationml/2006/ole">
             <mc:AlternateContent xmlns:mc="http://schemas.openxmlformats.org/markup-compatibility/2006">
               <mc:Choice xmlns:v="urn:schemas-microsoft-com:vml" Requires="v">
-                <p:oleObj spid="_x0000_s1059" name="think-cell Folie" r:id="rId8" imgW="270" imgH="270" progId="TCLayout.ActiveDocument.1">
+                <p:oleObj spid="_x0000_s1067" name="think-cell Folie" r:id="rId8" imgW="270" imgH="270" progId="TCLayout.ActiveDocument.1">
                   <p:embed/>
                 </p:oleObj>
               </mc:Choice>
@@ -24052,6 +24059,21 @@
           <a:bodyPr/>
           <a:lstStyle/>
           <a:p>
+            <a:r>
+              <a:rPr lang="de-DE" dirty="0"/>
+              <a:t>	    Erstellung des Brieflexikons </a:t>
+            </a:r>
+            <a:br>
+              <a:rPr lang="de-DE" dirty="0"/>
+            </a:br>
+            <a:r>
+              <a:rPr lang="de-DE" dirty="0"/>
+              <a:t>                        für </a:t>
+            </a:r>
+            <a:r>
+              <a:rPr lang="de-DE" dirty="0" err="1"/>
+              <a:t>WiTTFind</a:t>
+            </a:r>
             <a:endParaRPr lang="de-DE" dirty="0"/>
           </a:p>
         </p:txBody>
@@ -24071,7 +24093,32 @@
           <a:bodyPr/>
           <a:lstStyle/>
           <a:p>
-            <a:endParaRPr lang="de-DE"/>
+            <a:r>
+              <a:rPr lang="de-DE" dirty="0" err="1"/>
+              <a:t>Linguistikteam</a:t>
+            </a:r>
+            <a:endParaRPr lang="de-DE" dirty="0"/>
+          </a:p>
+          <a:p>
+            <a:endParaRPr lang="de-DE" dirty="0"/>
+          </a:p>
+          <a:p>
+            <a:r>
+              <a:rPr lang="de-DE" dirty="0"/>
+              <a:t>Ines Röhrer</a:t>
+            </a:r>
+          </a:p>
+          <a:p>
+            <a:r>
+              <a:rPr lang="de-DE" dirty="0"/>
+              <a:t>Alexander Vordermaier</a:t>
+            </a:r>
+          </a:p>
+          <a:p>
+            <a:r>
+              <a:rPr lang="de-DE" dirty="0"/>
+              <a:t>Di Wu</a:t>
+            </a:r>
           </a:p>
         </p:txBody>
       </p:sp>
@@ -24123,13 +24170,146 @@
           <a:bodyPr/>
           <a:lstStyle/>
           <a:p>
-            <a:endParaRPr lang="de-DE" dirty="0"/>
+            <a:r>
+              <a:rPr lang="de-DE" dirty="0"/>
+              <a:t>Gliederung</a:t>
+            </a:r>
           </a:p>
         </p:txBody>
       </p:sp>
       <p:sp>
         <p:nvSpPr>
           <p:cNvPr id="6" name="Inhaltsplatzhalter 5"/>
+          <p:cNvSpPr>
+            <a:spLocks noGrp="1"/>
+          </p:cNvSpPr>
+          <p:nvPr>
+            <p:ph sz="quarter" idx="13"/>
+          </p:nvPr>
+        </p:nvSpPr>
+        <p:spPr>
+          <a:xfrm>
+            <a:off x="3131840" y="2564904"/>
+            <a:ext cx="5761334" cy="3744416"/>
+          </a:xfrm>
+        </p:spPr>
+        <p:txBody>
+          <a:bodyPr/>
+          <a:lstStyle/>
+          <a:p>
+            <a:pPr marL="457200" indent="-457200">
+              <a:buAutoNum type="arabicPeriod"/>
+            </a:pPr>
+            <a:r>
+              <a:rPr lang="de-DE" dirty="0"/>
+              <a:t>Einführung</a:t>
+            </a:r>
+          </a:p>
+          <a:p>
+            <a:pPr marL="457200" indent="-457200">
+              <a:buAutoNum type="arabicPeriod"/>
+            </a:pPr>
+            <a:r>
+              <a:rPr lang="de-DE" dirty="0"/>
+              <a:t>Ablauf</a:t>
+            </a:r>
+          </a:p>
+          <a:p>
+            <a:pPr marL="457200" indent="-457200">
+              <a:buAutoNum type="arabicPeriod"/>
+            </a:pPr>
+            <a:r>
+              <a:rPr lang="de-DE" dirty="0"/>
+              <a:t>Ergebnisse</a:t>
+            </a:r>
+          </a:p>
+          <a:p>
+            <a:pPr marL="457200" indent="-457200">
+              <a:buAutoNum type="arabicPeriod"/>
+            </a:pPr>
+            <a:r>
+              <a:rPr lang="de-DE" dirty="0"/>
+              <a:t>Probleme</a:t>
+            </a:r>
+          </a:p>
+          <a:p>
+            <a:pPr marL="457200" indent="-457200">
+              <a:buAutoNum type="arabicPeriod"/>
+            </a:pPr>
+            <a:endParaRPr lang="de-DE" dirty="0"/>
+          </a:p>
+        </p:txBody>
+      </p:sp>
+    </p:spTree>
+    <p:extLst>
+      <p:ext uri="{BB962C8B-B14F-4D97-AF65-F5344CB8AC3E}">
+        <p14:creationId xmlns:p14="http://schemas.microsoft.com/office/powerpoint/2010/main" val="137171920"/>
+      </p:ext>
+    </p:extLst>
+  </p:cSld>
+  <p:clrMapOvr>
+    <a:masterClrMapping/>
+  </p:clrMapOvr>
+  <p:transition spd="med">
+    <p:fade/>
+  </p:transition>
+</p:sld>
+</file>
+
+<file path=ppt/slides/slide3.xml><?xml version="1.0" encoding="utf-8"?>
+<p:sld xmlns:a="http://schemas.openxmlformats.org/drawingml/2006/main" xmlns:r="http://schemas.openxmlformats.org/officeDocument/2006/relationships" xmlns:p="http://schemas.openxmlformats.org/presentationml/2006/main">
+  <p:cSld>
+    <p:spTree>
+      <p:nvGrpSpPr>
+        <p:cNvPr id="1" name=""/>
+        <p:cNvGrpSpPr/>
+        <p:nvPr/>
+      </p:nvGrpSpPr>
+      <p:grpSpPr>
+        <a:xfrm>
+          <a:off x="0" y="0"/>
+          <a:ext cx="0" cy="0"/>
+          <a:chOff x="0" y="0"/>
+          <a:chExt cx="0" cy="0"/>
+        </a:xfrm>
+      </p:grpSpPr>
+      <p:sp>
+        <p:nvSpPr>
+          <p:cNvPr id="2" name="Titel 1">
+            <a:extLst>
+              <a:ext uri="{FF2B5EF4-FFF2-40B4-BE49-F238E27FC236}">
+                <a16:creationId xmlns:a16="http://schemas.microsoft.com/office/drawing/2014/main" id="{B2364B7C-50FC-40DA-872A-7972E3712E04}"/>
+              </a:ext>
+            </a:extLst>
+          </p:cNvPr>
+          <p:cNvSpPr>
+            <a:spLocks noGrp="1"/>
+          </p:cNvSpPr>
+          <p:nvPr>
+            <p:ph type="title"/>
+          </p:nvPr>
+        </p:nvSpPr>
+        <p:spPr/>
+        <p:txBody>
+          <a:bodyPr/>
+          <a:lstStyle/>
+          <a:p>
+            <a:r>
+              <a:rPr lang="de-DE" dirty="0"/>
+              <a:t>Einführung</a:t>
+            </a:r>
+          </a:p>
+        </p:txBody>
+      </p:sp>
+      <p:sp>
+        <p:nvSpPr>
+          <p:cNvPr id="3" name="Inhaltsplatzhalter 2">
+            <a:extLst>
+              <a:ext uri="{FF2B5EF4-FFF2-40B4-BE49-F238E27FC236}">
+                <a16:creationId xmlns:a16="http://schemas.microsoft.com/office/drawing/2014/main" id="{1A2B099F-968D-4DA8-99BD-D31092F85FE4}"/>
+              </a:ext>
+            </a:extLst>
+          </p:cNvPr>
           <p:cNvSpPr>
             <a:spLocks noGrp="1"/>
           </p:cNvSpPr>
@@ -24144,12 +24324,1274 @@
           <a:p>
             <a:endParaRPr lang="de-DE" dirty="0"/>
           </a:p>
+          <a:p>
+            <a:pPr marL="457200" indent="-457200">
+              <a:buAutoNum type="arabicPeriod"/>
+            </a:pPr>
+            <a:r>
+              <a:rPr lang="de-DE" dirty="0"/>
+              <a:t>Lexikon aus dem Briefwechsel von Ludwig Wittgenstein</a:t>
+            </a:r>
+          </a:p>
+          <a:p>
+            <a:pPr marL="457200" indent="-457200">
+              <a:buAutoNum type="arabicPeriod"/>
+            </a:pPr>
+            <a:endParaRPr lang="de-DE" dirty="0"/>
+          </a:p>
+          <a:p>
+            <a:pPr marL="457200" indent="-457200">
+              <a:buAutoNum type="arabicPeriod"/>
+            </a:pPr>
+            <a:r>
+              <a:rPr lang="de-DE" dirty="0"/>
+              <a:t>Neues </a:t>
+            </a:r>
+            <a:r>
+              <a:rPr lang="de-DE" dirty="0" err="1"/>
+              <a:t>BriefLex</a:t>
+            </a:r>
+            <a:r>
+              <a:rPr lang="de-DE" dirty="0"/>
+              <a:t> wirkt ergänzend zum aktuellen </a:t>
+            </a:r>
+            <a:r>
+              <a:rPr lang="de-DE" dirty="0" err="1"/>
+              <a:t>WittLex</a:t>
+            </a:r>
+            <a:endParaRPr lang="de-DE" dirty="0"/>
+          </a:p>
+          <a:p>
+            <a:pPr marL="457200" indent="-457200">
+              <a:buAutoNum type="arabicPeriod"/>
+            </a:pPr>
+            <a:endParaRPr lang="de-DE" dirty="0"/>
+          </a:p>
+          <a:p>
+            <a:pPr marL="457200" indent="-457200">
+              <a:buAutoNum type="arabicPeriod"/>
+            </a:pPr>
+            <a:r>
+              <a:rPr lang="de-DE" dirty="0"/>
+              <a:t>Nur Rechte an Teil der Briefe (von Wittgenstein versendet?)</a:t>
+            </a:r>
+          </a:p>
+          <a:p>
+            <a:pPr marL="457200" indent="-457200">
+              <a:buAutoNum type="arabicPeriod"/>
+            </a:pPr>
+            <a:endParaRPr lang="de-DE" dirty="0"/>
+          </a:p>
+          <a:p>
+            <a:pPr marL="457200" indent="-457200">
+              <a:buAutoNum type="arabicPeriod"/>
+            </a:pPr>
+            <a:r>
+              <a:rPr lang="de-DE" dirty="0"/>
+              <a:t>Prozess beliebig wiederholbar mit neuen Briefen</a:t>
+            </a:r>
+          </a:p>
+          <a:p>
+            <a:endParaRPr lang="de-DE" dirty="0"/>
+          </a:p>
         </p:txBody>
       </p:sp>
     </p:spTree>
     <p:extLst>
       <p:ext uri="{BB962C8B-B14F-4D97-AF65-F5344CB8AC3E}">
-        <p14:creationId xmlns:p14="http://schemas.microsoft.com/office/powerpoint/2010/main" val="137171920"/>
+        <p14:creationId xmlns:p14="http://schemas.microsoft.com/office/powerpoint/2010/main" val="1233419760"/>
+      </p:ext>
+    </p:extLst>
+  </p:cSld>
+  <p:clrMapOvr>
+    <a:masterClrMapping/>
+  </p:clrMapOvr>
+  <p:transition spd="med">
+    <p:fade/>
+  </p:transition>
+</p:sld>
+</file>
+
+<file path=ppt/slides/slide4.xml><?xml version="1.0" encoding="utf-8"?>
+<p:sld xmlns:a="http://schemas.openxmlformats.org/drawingml/2006/main" xmlns:r="http://schemas.openxmlformats.org/officeDocument/2006/relationships" xmlns:p="http://schemas.openxmlformats.org/presentationml/2006/main">
+  <p:cSld>
+    <p:spTree>
+      <p:nvGrpSpPr>
+        <p:cNvPr id="1" name=""/>
+        <p:cNvGrpSpPr/>
+        <p:nvPr/>
+      </p:nvGrpSpPr>
+      <p:grpSpPr>
+        <a:xfrm>
+          <a:off x="0" y="0"/>
+          <a:ext cx="0" cy="0"/>
+          <a:chOff x="0" y="0"/>
+          <a:chExt cx="0" cy="0"/>
+        </a:xfrm>
+      </p:grpSpPr>
+      <p:sp>
+        <p:nvSpPr>
+          <p:cNvPr id="2" name="Titel 1">
+            <a:extLst>
+              <a:ext uri="{FF2B5EF4-FFF2-40B4-BE49-F238E27FC236}">
+                <a16:creationId xmlns:a16="http://schemas.microsoft.com/office/drawing/2014/main" id="{34A29A91-1CDD-4D91-9C87-9D9D463E0279}"/>
+              </a:ext>
+            </a:extLst>
+          </p:cNvPr>
+          <p:cNvSpPr>
+            <a:spLocks noGrp="1"/>
+          </p:cNvSpPr>
+          <p:nvPr>
+            <p:ph type="title"/>
+          </p:nvPr>
+        </p:nvSpPr>
+        <p:spPr/>
+        <p:txBody>
+          <a:bodyPr/>
+          <a:lstStyle/>
+          <a:p>
+            <a:r>
+              <a:rPr lang="de-DE" dirty="0"/>
+              <a:t>Einführung</a:t>
+            </a:r>
+          </a:p>
+        </p:txBody>
+      </p:sp>
+      <p:pic>
+        <p:nvPicPr>
+          <p:cNvPr id="9" name="Inhaltsplatzhalter 8">
+            <a:extLst>
+              <a:ext uri="{FF2B5EF4-FFF2-40B4-BE49-F238E27FC236}">
+                <a16:creationId xmlns:a16="http://schemas.microsoft.com/office/drawing/2014/main" id="{35929B44-B1B2-40CD-89AD-C0BD2C9F018F}"/>
+              </a:ext>
+            </a:extLst>
+          </p:cNvPr>
+          <p:cNvPicPr>
+            <a:picLocks noGrp="1" noChangeAspect="1"/>
+          </p:cNvPicPr>
+          <p:nvPr>
+            <p:ph sz="quarter" idx="13"/>
+          </p:nvPr>
+        </p:nvPicPr>
+        <p:blipFill>
+          <a:blip r:embed="rId2"/>
+          <a:stretch>
+            <a:fillRect/>
+          </a:stretch>
+        </p:blipFill>
+        <p:spPr>
+          <a:xfrm>
+            <a:off x="1951136" y="1268760"/>
+            <a:ext cx="5169447" cy="5040312"/>
+          </a:xfrm>
+          <a:prstGeom prst="rect">
+            <a:avLst/>
+          </a:prstGeom>
+        </p:spPr>
+      </p:pic>
+      <p:sp>
+        <p:nvSpPr>
+          <p:cNvPr id="4" name="Rechteck: abgerundete Ecken 3">
+            <a:extLst>
+              <a:ext uri="{FF2B5EF4-FFF2-40B4-BE49-F238E27FC236}">
+                <a16:creationId xmlns:a16="http://schemas.microsoft.com/office/drawing/2014/main" id="{0687F1C7-CDD9-4643-8477-4DE1B7743CF7}"/>
+              </a:ext>
+            </a:extLst>
+          </p:cNvPr>
+          <p:cNvSpPr/>
+          <p:nvPr/>
+        </p:nvSpPr>
+        <p:spPr bwMode="auto">
+          <a:xfrm>
+            <a:off x="827584" y="1916832"/>
+            <a:ext cx="914400" cy="914400"/>
+          </a:xfrm>
+          <a:prstGeom prst="roundRect">
+            <a:avLst/>
+          </a:prstGeom>
+          <a:noFill/>
+          <a:ln>
+            <a:noFill/>
+          </a:ln>
+          <a:effectLst/>
+          <a:extLst>
+            <a:ext uri="{909E8E84-426E-40DD-AFC4-6F175D3DCCD1}">
+              <a14:hiddenFill xmlns:a14="http://schemas.microsoft.com/office/drawing/2010/main">
+                <a:solidFill>
+                  <a:schemeClr val="accent1"/>
+                </a:solidFill>
+              </a14:hiddenFill>
+            </a:ext>
+            <a:ext uri="{91240B29-F687-4F45-9708-019B960494DF}">
+              <a14:hiddenLine xmlns:a14="http://schemas.microsoft.com/office/drawing/2010/main" w="9525" cap="flat" cmpd="sng" algn="ctr">
+                <a:solidFill>
+                  <a:schemeClr val="tx1"/>
+                </a:solidFill>
+                <a:prstDash val="solid"/>
+                <a:round/>
+                <a:headEnd type="none" w="med" len="med"/>
+                <a:tailEnd type="none" w="med" len="med"/>
+              </a14:hiddenLine>
+            </a:ext>
+            <a:ext uri="{AF507438-7753-43E0-B8FC-AC1667EBCBE1}">
+              <a14:hiddenEffects xmlns:a14="http://schemas.microsoft.com/office/drawing/2010/main">
+                <a:effectLst>
+                  <a:outerShdw blurRad="63500" dist="38099" dir="2700000" algn="ctr" rotWithShape="0">
+                    <a:schemeClr val="bg2">
+                      <a:alpha val="74998"/>
+                    </a:schemeClr>
+                  </a:outerShdw>
+                </a:effectLst>
+              </a14:hiddenEffects>
+            </a:ext>
+          </a:extLst>
+        </p:spPr>
+        <p:txBody>
+          <a:bodyPr vert="horz" wrap="square" lIns="91440" tIns="45720" rIns="91440" bIns="45720" numCol="1" rtlCol="0" anchor="t" anchorCtr="0" compatLnSpc="1">
+            <a:prstTxWarp prst="textNoShape">
+              <a:avLst/>
+            </a:prstTxWarp>
+          </a:bodyPr>
+          <a:lstStyle/>
+          <a:p>
+            <a:pPr marL="0" marR="0" indent="0" algn="l" defTabSz="914400" rtl="0" eaLnBrk="0" fontAlgn="base" latinLnBrk="0" hangingPunct="0">
+              <a:lnSpc>
+                <a:spcPct val="100000"/>
+              </a:lnSpc>
+              <a:spcBef>
+                <a:spcPct val="0"/>
+              </a:spcBef>
+              <a:spcAft>
+                <a:spcPct val="0"/>
+              </a:spcAft>
+              <a:buClrTx/>
+              <a:buSzTx/>
+              <a:buFontTx/>
+              <a:buNone/>
+              <a:tabLst/>
+            </a:pPr>
+            <a:endParaRPr kumimoji="0" lang="de-DE" sz="1400" b="0" i="0" u="none" strike="noStrike" cap="none" normalizeH="0" baseline="0">
+              <a:ln>
+                <a:noFill/>
+              </a:ln>
+              <a:solidFill>
+                <a:schemeClr val="tx1"/>
+              </a:solidFill>
+              <a:effectLst/>
+              <a:latin typeface="LMU CompatilFact" pitchFamily="2" charset="0"/>
+            </a:endParaRPr>
+          </a:p>
+        </p:txBody>
+      </p:sp>
+      <p:sp>
+        <p:nvSpPr>
+          <p:cNvPr id="5" name="Rechteck: abgerundete Ecken 4">
+            <a:extLst>
+              <a:ext uri="{FF2B5EF4-FFF2-40B4-BE49-F238E27FC236}">
+                <a16:creationId xmlns:a16="http://schemas.microsoft.com/office/drawing/2014/main" id="{A5F5E32E-0B51-474E-A6EE-D4FA0A4F56FB}"/>
+              </a:ext>
+            </a:extLst>
+          </p:cNvPr>
+          <p:cNvSpPr/>
+          <p:nvPr/>
+        </p:nvSpPr>
+        <p:spPr bwMode="auto">
+          <a:xfrm>
+            <a:off x="1475656" y="2204864"/>
+            <a:ext cx="864096" cy="504056"/>
+          </a:xfrm>
+          <a:prstGeom prst="roundRect">
+            <a:avLst/>
+          </a:prstGeom>
+          <a:noFill/>
+          <a:ln>
+            <a:noFill/>
+          </a:ln>
+          <a:effectLst/>
+          <a:extLst>
+            <a:ext uri="{909E8E84-426E-40DD-AFC4-6F175D3DCCD1}">
+              <a14:hiddenFill xmlns:a14="http://schemas.microsoft.com/office/drawing/2010/main">
+                <a:solidFill>
+                  <a:schemeClr val="accent1"/>
+                </a:solidFill>
+              </a14:hiddenFill>
+            </a:ext>
+            <a:ext uri="{91240B29-F687-4F45-9708-019B960494DF}">
+              <a14:hiddenLine xmlns:a14="http://schemas.microsoft.com/office/drawing/2010/main" w="9525" cap="flat" cmpd="sng" algn="ctr">
+                <a:solidFill>
+                  <a:schemeClr val="tx1"/>
+                </a:solidFill>
+                <a:prstDash val="solid"/>
+                <a:round/>
+                <a:headEnd type="none" w="med" len="med"/>
+                <a:tailEnd type="none" w="med" len="med"/>
+              </a14:hiddenLine>
+            </a:ext>
+            <a:ext uri="{AF507438-7753-43E0-B8FC-AC1667EBCBE1}">
+              <a14:hiddenEffects xmlns:a14="http://schemas.microsoft.com/office/drawing/2010/main">
+                <a:effectLst>
+                  <a:outerShdw blurRad="63500" dist="38099" dir="2700000" algn="ctr" rotWithShape="0">
+                    <a:schemeClr val="bg2">
+                      <a:alpha val="74998"/>
+                    </a:schemeClr>
+                  </a:outerShdw>
+                </a:effectLst>
+              </a14:hiddenEffects>
+            </a:ext>
+          </a:extLst>
+        </p:spPr>
+        <p:txBody>
+          <a:bodyPr vert="horz" wrap="square" lIns="91440" tIns="45720" rIns="91440" bIns="45720" numCol="1" rtlCol="0" anchor="t" anchorCtr="0" compatLnSpc="1">
+            <a:prstTxWarp prst="textNoShape">
+              <a:avLst/>
+            </a:prstTxWarp>
+          </a:bodyPr>
+          <a:lstStyle/>
+          <a:p>
+            <a:pPr marL="0" marR="0" indent="0" algn="l" defTabSz="914400" rtl="0" eaLnBrk="0" fontAlgn="base" latinLnBrk="0" hangingPunct="0">
+              <a:lnSpc>
+                <a:spcPct val="100000"/>
+              </a:lnSpc>
+              <a:spcBef>
+                <a:spcPct val="0"/>
+              </a:spcBef>
+              <a:spcAft>
+                <a:spcPct val="0"/>
+              </a:spcAft>
+              <a:buClrTx/>
+              <a:buSzTx/>
+              <a:buFontTx/>
+              <a:buNone/>
+              <a:tabLst/>
+            </a:pPr>
+            <a:endParaRPr kumimoji="0" lang="de-DE" sz="2000" b="0" i="0" u="none" strike="noStrike" cap="none" normalizeH="0" baseline="0" dirty="0">
+              <a:ln>
+                <a:noFill/>
+              </a:ln>
+              <a:solidFill>
+                <a:schemeClr val="tx1"/>
+              </a:solidFill>
+              <a:effectLst/>
+              <a:latin typeface="LMU CompatilFact" pitchFamily="2" charset="0"/>
+            </a:endParaRPr>
+          </a:p>
+        </p:txBody>
+      </p:sp>
+      <p:sp>
+        <p:nvSpPr>
+          <p:cNvPr id="6" name="Rechteck: abgerundete Ecken 5">
+            <a:extLst>
+              <a:ext uri="{FF2B5EF4-FFF2-40B4-BE49-F238E27FC236}">
+                <a16:creationId xmlns:a16="http://schemas.microsoft.com/office/drawing/2014/main" id="{3C5A1C7F-AE14-41E2-AD04-CF75DF62AE91}"/>
+              </a:ext>
+            </a:extLst>
+          </p:cNvPr>
+          <p:cNvSpPr/>
+          <p:nvPr/>
+        </p:nvSpPr>
+        <p:spPr bwMode="auto">
+          <a:xfrm>
+            <a:off x="1259632" y="3212976"/>
+            <a:ext cx="482352" cy="432395"/>
+          </a:xfrm>
+          <a:prstGeom prst="roundRect">
+            <a:avLst/>
+          </a:prstGeom>
+          <a:noFill/>
+          <a:ln>
+            <a:noFill/>
+          </a:ln>
+          <a:effectLst/>
+          <a:extLst>
+            <a:ext uri="{909E8E84-426E-40DD-AFC4-6F175D3DCCD1}">
+              <a14:hiddenFill xmlns:a14="http://schemas.microsoft.com/office/drawing/2010/main">
+                <a:solidFill>
+                  <a:schemeClr val="accent1"/>
+                </a:solidFill>
+              </a14:hiddenFill>
+            </a:ext>
+            <a:ext uri="{91240B29-F687-4F45-9708-019B960494DF}">
+              <a14:hiddenLine xmlns:a14="http://schemas.microsoft.com/office/drawing/2010/main" w="9525" cap="flat" cmpd="sng" algn="ctr">
+                <a:solidFill>
+                  <a:schemeClr val="tx1"/>
+                </a:solidFill>
+                <a:prstDash val="solid"/>
+                <a:round/>
+                <a:headEnd type="none" w="med" len="med"/>
+                <a:tailEnd type="none" w="med" len="med"/>
+              </a14:hiddenLine>
+            </a:ext>
+            <a:ext uri="{AF507438-7753-43E0-B8FC-AC1667EBCBE1}">
+              <a14:hiddenEffects xmlns:a14="http://schemas.microsoft.com/office/drawing/2010/main">
+                <a:effectLst>
+                  <a:outerShdw blurRad="63500" dist="38099" dir="2700000" algn="ctr" rotWithShape="0">
+                    <a:schemeClr val="bg2">
+                      <a:alpha val="74998"/>
+                    </a:schemeClr>
+                  </a:outerShdw>
+                </a:effectLst>
+              </a14:hiddenEffects>
+            </a:ext>
+          </a:extLst>
+        </p:spPr>
+        <p:txBody>
+          <a:bodyPr vert="horz" wrap="square" lIns="91440" tIns="45720" rIns="91440" bIns="45720" numCol="1" rtlCol="0" anchor="t" anchorCtr="0" compatLnSpc="1">
+            <a:prstTxWarp prst="textNoShape">
+              <a:avLst/>
+            </a:prstTxWarp>
+          </a:bodyPr>
+          <a:lstStyle/>
+          <a:p>
+            <a:pPr marL="0" marR="0" indent="0" algn="l" defTabSz="914400" rtl="0" eaLnBrk="0" fontAlgn="base" latinLnBrk="0" hangingPunct="0">
+              <a:lnSpc>
+                <a:spcPct val="100000"/>
+              </a:lnSpc>
+              <a:spcBef>
+                <a:spcPct val="0"/>
+              </a:spcBef>
+              <a:spcAft>
+                <a:spcPct val="0"/>
+              </a:spcAft>
+              <a:buClrTx/>
+              <a:buSzTx/>
+              <a:buFontTx/>
+              <a:buNone/>
+              <a:tabLst/>
+            </a:pPr>
+            <a:endParaRPr kumimoji="0" lang="de-DE" sz="1400" b="0" i="0" u="none" strike="noStrike" cap="none" normalizeH="0" baseline="0" dirty="0">
+              <a:ln>
+                <a:noFill/>
+              </a:ln>
+              <a:solidFill>
+                <a:schemeClr val="tx1"/>
+              </a:solidFill>
+              <a:effectLst/>
+              <a:latin typeface="LMU CompatilFact" pitchFamily="2" charset="0"/>
+            </a:endParaRPr>
+          </a:p>
+        </p:txBody>
+      </p:sp>
+      <p:sp>
+        <p:nvSpPr>
+          <p:cNvPr id="7" name="Rechteck: abgerundete Ecken 6">
+            <a:extLst>
+              <a:ext uri="{FF2B5EF4-FFF2-40B4-BE49-F238E27FC236}">
+                <a16:creationId xmlns:a16="http://schemas.microsoft.com/office/drawing/2014/main" id="{FF8EDE4C-D831-4698-9FAF-862B7F1FE026}"/>
+              </a:ext>
+            </a:extLst>
+          </p:cNvPr>
+          <p:cNvSpPr/>
+          <p:nvPr/>
+        </p:nvSpPr>
+        <p:spPr bwMode="auto">
+          <a:xfrm>
+            <a:off x="827584" y="2708920"/>
+            <a:ext cx="1584176" cy="648072"/>
+          </a:xfrm>
+          <a:prstGeom prst="roundRect">
+            <a:avLst/>
+          </a:prstGeom>
+          <a:noFill/>
+          <a:ln>
+            <a:noFill/>
+          </a:ln>
+          <a:effectLst/>
+          <a:extLst>
+            <a:ext uri="{909E8E84-426E-40DD-AFC4-6F175D3DCCD1}">
+              <a14:hiddenFill xmlns:a14="http://schemas.microsoft.com/office/drawing/2010/main">
+                <a:solidFill>
+                  <a:schemeClr val="accent1"/>
+                </a:solidFill>
+              </a14:hiddenFill>
+            </a:ext>
+            <a:ext uri="{91240B29-F687-4F45-9708-019B960494DF}">
+              <a14:hiddenLine xmlns:a14="http://schemas.microsoft.com/office/drawing/2010/main" w="9525" cap="flat" cmpd="sng" algn="ctr">
+                <a:solidFill>
+                  <a:schemeClr val="tx1"/>
+                </a:solidFill>
+                <a:prstDash val="solid"/>
+                <a:round/>
+                <a:headEnd type="none" w="med" len="med"/>
+                <a:tailEnd type="none" w="med" len="med"/>
+              </a14:hiddenLine>
+            </a:ext>
+            <a:ext uri="{AF507438-7753-43E0-B8FC-AC1667EBCBE1}">
+              <a14:hiddenEffects xmlns:a14="http://schemas.microsoft.com/office/drawing/2010/main">
+                <a:effectLst>
+                  <a:outerShdw blurRad="63500" dist="38099" dir="2700000" algn="ctr" rotWithShape="0">
+                    <a:schemeClr val="bg2">
+                      <a:alpha val="74998"/>
+                    </a:schemeClr>
+                  </a:outerShdw>
+                </a:effectLst>
+              </a14:hiddenEffects>
+            </a:ext>
+          </a:extLst>
+        </p:spPr>
+        <p:txBody>
+          <a:bodyPr vert="horz" wrap="square" lIns="91440" tIns="45720" rIns="91440" bIns="45720" numCol="1" rtlCol="0" anchor="t" anchorCtr="0" compatLnSpc="1">
+            <a:prstTxWarp prst="textNoShape">
+              <a:avLst/>
+            </a:prstTxWarp>
+          </a:bodyPr>
+          <a:lstStyle/>
+          <a:p>
+            <a:pPr marL="0" marR="0" indent="0" algn="l" defTabSz="914400" rtl="0" eaLnBrk="0" fontAlgn="base" latinLnBrk="0" hangingPunct="0">
+              <a:lnSpc>
+                <a:spcPct val="100000"/>
+              </a:lnSpc>
+              <a:spcBef>
+                <a:spcPct val="0"/>
+              </a:spcBef>
+              <a:spcAft>
+                <a:spcPct val="0"/>
+              </a:spcAft>
+              <a:buClrTx/>
+              <a:buSzTx/>
+              <a:buFontTx/>
+              <a:buNone/>
+              <a:tabLst/>
+            </a:pPr>
+            <a:endParaRPr kumimoji="0" lang="de-DE" sz="1400" b="0" i="0" u="none" strike="noStrike" cap="none" normalizeH="0" baseline="0">
+              <a:ln>
+                <a:noFill/>
+              </a:ln>
+              <a:solidFill>
+                <a:schemeClr val="tx1"/>
+              </a:solidFill>
+              <a:effectLst/>
+              <a:latin typeface="LMU CompatilFact" pitchFamily="2" charset="0"/>
+            </a:endParaRPr>
+          </a:p>
+        </p:txBody>
+      </p:sp>
+    </p:spTree>
+    <p:extLst>
+      <p:ext uri="{BB962C8B-B14F-4D97-AF65-F5344CB8AC3E}">
+        <p14:creationId xmlns:p14="http://schemas.microsoft.com/office/powerpoint/2010/main" val="1603230644"/>
+      </p:ext>
+    </p:extLst>
+  </p:cSld>
+  <p:clrMapOvr>
+    <a:masterClrMapping/>
+  </p:clrMapOvr>
+  <p:transition spd="med">
+    <p:fade/>
+  </p:transition>
+</p:sld>
+</file>
+
+<file path=ppt/slides/slide5.xml><?xml version="1.0" encoding="utf-8"?>
+<p:sld xmlns:a="http://schemas.openxmlformats.org/drawingml/2006/main" xmlns:r="http://schemas.openxmlformats.org/officeDocument/2006/relationships" xmlns:p="http://schemas.openxmlformats.org/presentationml/2006/main">
+  <p:cSld>
+    <p:spTree>
+      <p:nvGrpSpPr>
+        <p:cNvPr id="1" name=""/>
+        <p:cNvGrpSpPr/>
+        <p:nvPr/>
+      </p:nvGrpSpPr>
+      <p:grpSpPr>
+        <a:xfrm>
+          <a:off x="0" y="0"/>
+          <a:ext cx="0" cy="0"/>
+          <a:chOff x="0" y="0"/>
+          <a:chExt cx="0" cy="0"/>
+        </a:xfrm>
+      </p:grpSpPr>
+      <p:sp>
+        <p:nvSpPr>
+          <p:cNvPr id="2" name="Titel 1">
+            <a:extLst>
+              <a:ext uri="{FF2B5EF4-FFF2-40B4-BE49-F238E27FC236}">
+                <a16:creationId xmlns:a16="http://schemas.microsoft.com/office/drawing/2014/main" id="{1CEC69EA-8A45-43A7-B6D3-E7FB2451544D}"/>
+              </a:ext>
+            </a:extLst>
+          </p:cNvPr>
+          <p:cNvSpPr>
+            <a:spLocks noGrp="1"/>
+          </p:cNvSpPr>
+          <p:nvPr>
+            <p:ph type="title"/>
+          </p:nvPr>
+        </p:nvSpPr>
+        <p:spPr/>
+        <p:txBody>
+          <a:bodyPr/>
+          <a:lstStyle/>
+          <a:p>
+            <a:r>
+              <a:rPr lang="de-DE" dirty="0"/>
+              <a:t>Ablauf</a:t>
+            </a:r>
+          </a:p>
+        </p:txBody>
+      </p:sp>
+      <p:sp>
+        <p:nvSpPr>
+          <p:cNvPr id="3" name="Inhaltsplatzhalter 2">
+            <a:extLst>
+              <a:ext uri="{FF2B5EF4-FFF2-40B4-BE49-F238E27FC236}">
+                <a16:creationId xmlns:a16="http://schemas.microsoft.com/office/drawing/2014/main" id="{86C90E04-B28F-4A38-BD0B-F2749BFA8429}"/>
+              </a:ext>
+            </a:extLst>
+          </p:cNvPr>
+          <p:cNvSpPr>
+            <a:spLocks noGrp="1"/>
+          </p:cNvSpPr>
+          <p:nvPr>
+            <p:ph sz="quarter" idx="13"/>
+          </p:nvPr>
+        </p:nvSpPr>
+        <p:spPr/>
+        <p:txBody>
+          <a:bodyPr/>
+          <a:lstStyle/>
+          <a:p>
+            <a:r>
+              <a:rPr lang="de-DE" u="sng" dirty="0"/>
+              <a:t>Erstellung einer Wortliste</a:t>
+            </a:r>
+          </a:p>
+          <a:p>
+            <a:endParaRPr lang="de-DE" dirty="0"/>
+          </a:p>
+          <a:p>
+            <a:r>
+              <a:rPr lang="de-DE" dirty="0"/>
+              <a:t>Einlesen aller Briefe</a:t>
+            </a:r>
+          </a:p>
+          <a:p>
+            <a:r>
+              <a:rPr lang="de-DE" dirty="0"/>
+              <a:t>Erkennen der Sprache der Briefe mit </a:t>
+            </a:r>
+            <a:r>
+              <a:rPr lang="de-DE" dirty="0" err="1"/>
+              <a:t>langdetect</a:t>
+            </a:r>
+            <a:endParaRPr lang="de-DE" dirty="0"/>
+          </a:p>
+          <a:p>
+            <a:r>
+              <a:rPr lang="de-DE" dirty="0"/>
+              <a:t>Aufbau der Wortliste mit Sprachtags</a:t>
+            </a:r>
+          </a:p>
+          <a:p>
+            <a:endParaRPr lang="de-DE" dirty="0"/>
+          </a:p>
+        </p:txBody>
+      </p:sp>
+      <p:pic>
+        <p:nvPicPr>
+          <p:cNvPr id="4" name="Grafik 3">
+            <a:extLst>
+              <a:ext uri="{FF2B5EF4-FFF2-40B4-BE49-F238E27FC236}">
+                <a16:creationId xmlns:a16="http://schemas.microsoft.com/office/drawing/2014/main" id="{06877299-DA81-4035-B3D2-4884C01094DA}"/>
+              </a:ext>
+            </a:extLst>
+          </p:cNvPr>
+          <p:cNvPicPr>
+            <a:picLocks noChangeAspect="1"/>
+          </p:cNvPicPr>
+          <p:nvPr/>
+        </p:nvPicPr>
+        <p:blipFill>
+          <a:blip r:embed="rId2"/>
+          <a:stretch>
+            <a:fillRect/>
+          </a:stretch>
+        </p:blipFill>
+        <p:spPr>
+          <a:xfrm>
+            <a:off x="2915816" y="3789040"/>
+            <a:ext cx="2488664" cy="2156842"/>
+          </a:xfrm>
+          <a:prstGeom prst="rect">
+            <a:avLst/>
+          </a:prstGeom>
+        </p:spPr>
+      </p:pic>
+    </p:spTree>
+    <p:extLst>
+      <p:ext uri="{BB962C8B-B14F-4D97-AF65-F5344CB8AC3E}">
+        <p14:creationId xmlns:p14="http://schemas.microsoft.com/office/powerpoint/2010/main" val="21631110"/>
+      </p:ext>
+    </p:extLst>
+  </p:cSld>
+  <p:clrMapOvr>
+    <a:masterClrMapping/>
+  </p:clrMapOvr>
+  <p:transition spd="med">
+    <p:fade/>
+  </p:transition>
+</p:sld>
+</file>
+
+<file path=ppt/slides/slide6.xml><?xml version="1.0" encoding="utf-8"?>
+<p:sld xmlns:a="http://schemas.openxmlformats.org/drawingml/2006/main" xmlns:r="http://schemas.openxmlformats.org/officeDocument/2006/relationships" xmlns:p="http://schemas.openxmlformats.org/presentationml/2006/main">
+  <p:cSld>
+    <p:spTree>
+      <p:nvGrpSpPr>
+        <p:cNvPr id="1" name=""/>
+        <p:cNvGrpSpPr/>
+        <p:nvPr/>
+      </p:nvGrpSpPr>
+      <p:grpSpPr>
+        <a:xfrm>
+          <a:off x="0" y="0"/>
+          <a:ext cx="0" cy="0"/>
+          <a:chOff x="0" y="0"/>
+          <a:chExt cx="0" cy="0"/>
+        </a:xfrm>
+      </p:grpSpPr>
+      <p:sp>
+        <p:nvSpPr>
+          <p:cNvPr id="2" name="Titel 1">
+            <a:extLst>
+              <a:ext uri="{FF2B5EF4-FFF2-40B4-BE49-F238E27FC236}">
+                <a16:creationId xmlns:a16="http://schemas.microsoft.com/office/drawing/2014/main" id="{F2770444-1840-459C-BA2B-7AE3F4B4F440}"/>
+              </a:ext>
+            </a:extLst>
+          </p:cNvPr>
+          <p:cNvSpPr>
+            <a:spLocks noGrp="1"/>
+          </p:cNvSpPr>
+          <p:nvPr>
+            <p:ph type="title"/>
+          </p:nvPr>
+        </p:nvSpPr>
+        <p:spPr/>
+        <p:txBody>
+          <a:bodyPr/>
+          <a:lstStyle/>
+          <a:p>
+            <a:r>
+              <a:rPr lang="de-DE" dirty="0"/>
+              <a:t>Ablauf</a:t>
+            </a:r>
+          </a:p>
+        </p:txBody>
+      </p:sp>
+      <p:sp>
+        <p:nvSpPr>
+          <p:cNvPr id="3" name="Inhaltsplatzhalter 2">
+            <a:extLst>
+              <a:ext uri="{FF2B5EF4-FFF2-40B4-BE49-F238E27FC236}">
+                <a16:creationId xmlns:a16="http://schemas.microsoft.com/office/drawing/2014/main" id="{DEAB5434-0624-4E8C-B36B-54379CC3D7DC}"/>
+              </a:ext>
+            </a:extLst>
+          </p:cNvPr>
+          <p:cNvSpPr>
+            <a:spLocks noGrp="1"/>
+          </p:cNvSpPr>
+          <p:nvPr>
+            <p:ph sz="quarter" idx="13"/>
+          </p:nvPr>
+        </p:nvSpPr>
+        <p:spPr/>
+        <p:txBody>
+          <a:bodyPr/>
+          <a:lstStyle/>
+          <a:p>
+            <a:r>
+              <a:rPr lang="de-DE" u="sng" dirty="0"/>
+              <a:t>Lexikonvergleiche</a:t>
+            </a:r>
+          </a:p>
+          <a:p>
+            <a:endParaRPr lang="de-DE" u="sng" dirty="0"/>
+          </a:p>
+          <a:p>
+            <a:r>
+              <a:rPr lang="de-DE" dirty="0"/>
+              <a:t>Vergleich mit dem </a:t>
+            </a:r>
+            <a:r>
+              <a:rPr lang="de-DE" dirty="0" err="1"/>
+              <a:t>WittLex</a:t>
+            </a:r>
+            <a:r>
+              <a:rPr lang="de-DE" dirty="0"/>
+              <a:t> und dem </a:t>
+            </a:r>
+            <a:r>
+              <a:rPr lang="de-DE" dirty="0" err="1"/>
+              <a:t>CisLex</a:t>
+            </a:r>
+            <a:r>
+              <a:rPr lang="de-DE" dirty="0"/>
+              <a:t> -&gt; Erste Einträge</a:t>
+            </a:r>
+          </a:p>
+          <a:p>
+            <a:r>
+              <a:rPr lang="de-DE" dirty="0"/>
+              <a:t>Aufteilung in mehrere Dateien:</a:t>
+            </a:r>
+          </a:p>
+          <a:p>
+            <a:pPr>
+              <a:buFont typeface="Arial" panose="020B0604020202020204" pitchFamily="34" charset="0"/>
+              <a:buChar char="•"/>
+            </a:pPr>
+            <a:r>
+              <a:rPr lang="de-DE" dirty="0"/>
+              <a:t>Wörter aus Briefen die weder deutsch noch englisch sind</a:t>
+            </a:r>
+          </a:p>
+          <a:p>
+            <a:pPr>
+              <a:buFont typeface="Arial" panose="020B0604020202020204" pitchFamily="34" charset="0"/>
+              <a:buChar char="•"/>
+            </a:pPr>
+            <a:r>
+              <a:rPr lang="de-DE" dirty="0"/>
+              <a:t>Wörter die bereits in den Lexika sind, aber sich in Groß/Kleinschreibung unterscheiden</a:t>
+            </a:r>
+          </a:p>
+          <a:p>
+            <a:pPr>
+              <a:buFont typeface="Arial" panose="020B0604020202020204" pitchFamily="34" charset="0"/>
+              <a:buChar char="•"/>
+            </a:pPr>
+            <a:r>
+              <a:rPr lang="de-DE" dirty="0"/>
+              <a:t>Wörter die manuell gelöscht wurden</a:t>
+            </a:r>
+          </a:p>
+          <a:p>
+            <a:pPr>
+              <a:buFont typeface="Arial" panose="020B0604020202020204" pitchFamily="34" charset="0"/>
+              <a:buChar char="•"/>
+            </a:pPr>
+            <a:r>
+              <a:rPr lang="de-DE" dirty="0"/>
+              <a:t>Neue englische und deutsche Wörter</a:t>
+            </a:r>
+          </a:p>
+          <a:p>
+            <a:pPr>
+              <a:buFont typeface="Arial" panose="020B0604020202020204" pitchFamily="34" charset="0"/>
+              <a:buChar char="•"/>
+            </a:pPr>
+            <a:endParaRPr lang="de-DE" dirty="0"/>
+          </a:p>
+          <a:p>
+            <a:pPr>
+              <a:buFont typeface="Arial" panose="020B0604020202020204" pitchFamily="34" charset="0"/>
+              <a:buChar char="•"/>
+            </a:pPr>
+            <a:endParaRPr lang="de-DE" dirty="0"/>
+          </a:p>
+        </p:txBody>
+      </p:sp>
+    </p:spTree>
+    <p:extLst>
+      <p:ext uri="{BB962C8B-B14F-4D97-AF65-F5344CB8AC3E}">
+        <p14:creationId xmlns:p14="http://schemas.microsoft.com/office/powerpoint/2010/main" val="2030863825"/>
+      </p:ext>
+    </p:extLst>
+  </p:cSld>
+  <p:clrMapOvr>
+    <a:masterClrMapping/>
+  </p:clrMapOvr>
+  <p:transition spd="med">
+    <p:fade/>
+  </p:transition>
+</p:sld>
+</file>
+
+<file path=ppt/slides/slide7.xml><?xml version="1.0" encoding="utf-8"?>
+<p:sld xmlns:a="http://schemas.openxmlformats.org/drawingml/2006/main" xmlns:r="http://schemas.openxmlformats.org/officeDocument/2006/relationships" xmlns:p="http://schemas.openxmlformats.org/presentationml/2006/main">
+  <p:cSld>
+    <p:spTree>
+      <p:nvGrpSpPr>
+        <p:cNvPr id="1" name=""/>
+        <p:cNvGrpSpPr/>
+        <p:nvPr/>
+      </p:nvGrpSpPr>
+      <p:grpSpPr>
+        <a:xfrm>
+          <a:off x="0" y="0"/>
+          <a:ext cx="0" cy="0"/>
+          <a:chOff x="0" y="0"/>
+          <a:chExt cx="0" cy="0"/>
+        </a:xfrm>
+      </p:grpSpPr>
+      <p:sp>
+        <p:nvSpPr>
+          <p:cNvPr id="2" name="Titel 1">
+            <a:extLst>
+              <a:ext uri="{FF2B5EF4-FFF2-40B4-BE49-F238E27FC236}">
+                <a16:creationId xmlns:a16="http://schemas.microsoft.com/office/drawing/2014/main" id="{69C647C1-E323-40F3-A807-FB2047998857}"/>
+              </a:ext>
+            </a:extLst>
+          </p:cNvPr>
+          <p:cNvSpPr>
+            <a:spLocks noGrp="1"/>
+          </p:cNvSpPr>
+          <p:nvPr>
+            <p:ph type="title"/>
+          </p:nvPr>
+        </p:nvSpPr>
+        <p:spPr/>
+        <p:txBody>
+          <a:bodyPr/>
+          <a:lstStyle/>
+          <a:p>
+            <a:r>
+              <a:rPr lang="de-DE" dirty="0"/>
+              <a:t>Ablauf</a:t>
+            </a:r>
+          </a:p>
+        </p:txBody>
+      </p:sp>
+      <p:sp>
+        <p:nvSpPr>
+          <p:cNvPr id="3" name="Inhaltsplatzhalter 2">
+            <a:extLst>
+              <a:ext uri="{FF2B5EF4-FFF2-40B4-BE49-F238E27FC236}">
+                <a16:creationId xmlns:a16="http://schemas.microsoft.com/office/drawing/2014/main" id="{EE3D72F1-50E3-4EF9-804D-8B16516713F7}"/>
+              </a:ext>
+            </a:extLst>
+          </p:cNvPr>
+          <p:cNvSpPr>
+            <a:spLocks noGrp="1"/>
+          </p:cNvSpPr>
+          <p:nvPr>
+            <p:ph sz="quarter" idx="13"/>
+          </p:nvPr>
+        </p:nvSpPr>
+        <p:spPr/>
+        <p:txBody>
+          <a:bodyPr/>
+          <a:lstStyle/>
+          <a:p>
+            <a:r>
+              <a:rPr lang="de-DE" u="sng" dirty="0" err="1"/>
+              <a:t>Treetagger</a:t>
+            </a:r>
+            <a:endParaRPr lang="de-DE" u="sng" dirty="0"/>
+          </a:p>
+          <a:p>
+            <a:endParaRPr lang="de-DE" dirty="0"/>
+          </a:p>
+          <a:p>
+            <a:r>
+              <a:rPr lang="de-DE" dirty="0"/>
+              <a:t>Neue englische und deutsche Wörter werden mit </a:t>
+            </a:r>
+            <a:r>
+              <a:rPr lang="de-DE" dirty="0" err="1"/>
+              <a:t>Treetagger</a:t>
+            </a:r>
+            <a:r>
+              <a:rPr lang="de-DE" dirty="0"/>
+              <a:t> von</a:t>
+            </a:r>
+          </a:p>
+          <a:p>
+            <a:r>
+              <a:rPr lang="de-DE" dirty="0"/>
+              <a:t>Dr. Schmid bearbeitet</a:t>
+            </a:r>
+          </a:p>
+          <a:p>
+            <a:r>
+              <a:rPr lang="de-DE" dirty="0"/>
+              <a:t>-&gt; Lemmata für die neuen Wörter</a:t>
+            </a:r>
+          </a:p>
+          <a:p>
+            <a:endParaRPr lang="de-DE" dirty="0"/>
+          </a:p>
+          <a:p>
+            <a:r>
+              <a:rPr lang="de-DE" dirty="0"/>
+              <a:t>http://www.cis.uni-muenchen.de/~schmid/tools/TreeTagger/</a:t>
+            </a:r>
+          </a:p>
+        </p:txBody>
+      </p:sp>
+    </p:spTree>
+    <p:extLst>
+      <p:ext uri="{BB962C8B-B14F-4D97-AF65-F5344CB8AC3E}">
+        <p14:creationId xmlns:p14="http://schemas.microsoft.com/office/powerpoint/2010/main" val="1305140469"/>
+      </p:ext>
+    </p:extLst>
+  </p:cSld>
+  <p:clrMapOvr>
+    <a:masterClrMapping/>
+  </p:clrMapOvr>
+  <p:transition spd="med">
+    <p:fade/>
+  </p:transition>
+</p:sld>
+</file>
+
+<file path=ppt/slides/slide8.xml><?xml version="1.0" encoding="utf-8"?>
+<p:sld xmlns:a="http://schemas.openxmlformats.org/drawingml/2006/main" xmlns:r="http://schemas.openxmlformats.org/officeDocument/2006/relationships" xmlns:p="http://schemas.openxmlformats.org/presentationml/2006/main">
+  <p:cSld>
+    <p:spTree>
+      <p:nvGrpSpPr>
+        <p:cNvPr id="1" name=""/>
+        <p:cNvGrpSpPr/>
+        <p:nvPr/>
+      </p:nvGrpSpPr>
+      <p:grpSpPr>
+        <a:xfrm>
+          <a:off x="0" y="0"/>
+          <a:ext cx="0" cy="0"/>
+          <a:chOff x="0" y="0"/>
+          <a:chExt cx="0" cy="0"/>
+        </a:xfrm>
+      </p:grpSpPr>
+      <p:sp>
+        <p:nvSpPr>
+          <p:cNvPr id="2" name="Titel 1">
+            <a:extLst>
+              <a:ext uri="{FF2B5EF4-FFF2-40B4-BE49-F238E27FC236}">
+                <a16:creationId xmlns:a16="http://schemas.microsoft.com/office/drawing/2014/main" id="{2C0358E5-E9AD-4173-9458-C88CE39564CB}"/>
+              </a:ext>
+            </a:extLst>
+          </p:cNvPr>
+          <p:cNvSpPr>
+            <a:spLocks noGrp="1"/>
+          </p:cNvSpPr>
+          <p:nvPr>
+            <p:ph type="title"/>
+          </p:nvPr>
+        </p:nvSpPr>
+        <p:spPr/>
+        <p:txBody>
+          <a:bodyPr/>
+          <a:lstStyle/>
+          <a:p>
+            <a:r>
+              <a:rPr lang="de-DE" dirty="0"/>
+              <a:t>Ablauf</a:t>
+            </a:r>
+          </a:p>
+        </p:txBody>
+      </p:sp>
+      <p:sp>
+        <p:nvSpPr>
+          <p:cNvPr id="3" name="Inhaltsplatzhalter 2">
+            <a:extLst>
+              <a:ext uri="{FF2B5EF4-FFF2-40B4-BE49-F238E27FC236}">
+                <a16:creationId xmlns:a16="http://schemas.microsoft.com/office/drawing/2014/main" id="{84A03CFE-D89B-483D-9B74-5C84BF564E8E}"/>
+              </a:ext>
+            </a:extLst>
+          </p:cNvPr>
+          <p:cNvSpPr>
+            <a:spLocks noGrp="1"/>
+          </p:cNvSpPr>
+          <p:nvPr>
+            <p:ph sz="quarter" idx="13"/>
+          </p:nvPr>
+        </p:nvSpPr>
+        <p:spPr/>
+        <p:txBody>
+          <a:bodyPr/>
+          <a:lstStyle/>
+          <a:p>
+            <a:r>
+              <a:rPr lang="de-DE" u="sng" dirty="0"/>
+              <a:t>Neues Lexikon</a:t>
+            </a:r>
+          </a:p>
+          <a:p>
+            <a:endParaRPr lang="de-DE" dirty="0"/>
+          </a:p>
+          <a:p>
+            <a:r>
+              <a:rPr lang="de-DE" dirty="0"/>
+              <a:t>Einträge aus dem Vergleich mit dem </a:t>
+            </a:r>
+            <a:r>
+              <a:rPr lang="de-DE" dirty="0" err="1"/>
+              <a:t>CisLex</a:t>
+            </a:r>
+            <a:endParaRPr lang="de-DE" dirty="0"/>
+          </a:p>
+          <a:p>
+            <a:r>
+              <a:rPr lang="de-DE" dirty="0"/>
+              <a:t>-&gt; Von Dr. </a:t>
+            </a:r>
+            <a:r>
+              <a:rPr lang="de-DE" dirty="0" err="1"/>
+              <a:t>Hadersbeck</a:t>
+            </a:r>
+            <a:r>
+              <a:rPr lang="de-DE" dirty="0"/>
+              <a:t> bereitgestellt</a:t>
+            </a:r>
+          </a:p>
+          <a:p>
+            <a:endParaRPr lang="de-DE" dirty="0"/>
+          </a:p>
+          <a:p>
+            <a:r>
+              <a:rPr lang="de-DE" dirty="0"/>
+              <a:t>Säuberung von </a:t>
+            </a:r>
+            <a:r>
+              <a:rPr lang="de-DE" dirty="0" err="1"/>
+              <a:t>duplikaten</a:t>
+            </a:r>
+            <a:r>
+              <a:rPr lang="de-DE" dirty="0"/>
+              <a:t> und nicht benötigten Informationen</a:t>
+            </a:r>
+          </a:p>
+          <a:p>
+            <a:endParaRPr lang="de-DE" dirty="0"/>
+          </a:p>
+          <a:p>
+            <a:endParaRPr lang="de-DE" dirty="0"/>
+          </a:p>
+        </p:txBody>
+      </p:sp>
+      <p:pic>
+        <p:nvPicPr>
+          <p:cNvPr id="4" name="Grafik 3">
+            <a:extLst>
+              <a:ext uri="{FF2B5EF4-FFF2-40B4-BE49-F238E27FC236}">
+                <a16:creationId xmlns:a16="http://schemas.microsoft.com/office/drawing/2014/main" id="{D15F8C97-24BF-42DE-B51E-3E226E1C082D}"/>
+              </a:ext>
+            </a:extLst>
+          </p:cNvPr>
+          <p:cNvPicPr>
+            <a:picLocks noChangeAspect="1"/>
+          </p:cNvPicPr>
+          <p:nvPr/>
+        </p:nvPicPr>
+        <p:blipFill>
+          <a:blip r:embed="rId2"/>
+          <a:stretch>
+            <a:fillRect/>
+          </a:stretch>
+        </p:blipFill>
+        <p:spPr>
+          <a:xfrm>
+            <a:off x="2051720" y="4221088"/>
+            <a:ext cx="4508748" cy="2059487"/>
+          </a:xfrm>
+          <a:prstGeom prst="rect">
+            <a:avLst/>
+          </a:prstGeom>
+        </p:spPr>
+      </p:pic>
+    </p:spTree>
+    <p:extLst>
+      <p:ext uri="{BB962C8B-B14F-4D97-AF65-F5344CB8AC3E}">
+        <p14:creationId xmlns:p14="http://schemas.microsoft.com/office/powerpoint/2010/main" val="1501954675"/>
+      </p:ext>
+    </p:extLst>
+  </p:cSld>
+  <p:clrMapOvr>
+    <a:masterClrMapping/>
+  </p:clrMapOvr>
+  <p:transition spd="med">
+    <p:fade/>
+  </p:transition>
+</p:sld>
+</file>
+
+<file path=ppt/slides/slide9.xml><?xml version="1.0" encoding="utf-8"?>
+<p:sld xmlns:a="http://schemas.openxmlformats.org/drawingml/2006/main" xmlns:r="http://schemas.openxmlformats.org/officeDocument/2006/relationships" xmlns:p="http://schemas.openxmlformats.org/presentationml/2006/main">
+  <p:cSld>
+    <p:spTree>
+      <p:nvGrpSpPr>
+        <p:cNvPr id="1" name=""/>
+        <p:cNvGrpSpPr/>
+        <p:nvPr/>
+      </p:nvGrpSpPr>
+      <p:grpSpPr>
+        <a:xfrm>
+          <a:off x="0" y="0"/>
+          <a:ext cx="0" cy="0"/>
+          <a:chOff x="0" y="0"/>
+          <a:chExt cx="0" cy="0"/>
+        </a:xfrm>
+      </p:grpSpPr>
+      <p:sp>
+        <p:nvSpPr>
+          <p:cNvPr id="2" name="Titel 1">
+            <a:extLst>
+              <a:ext uri="{FF2B5EF4-FFF2-40B4-BE49-F238E27FC236}">
+                <a16:creationId xmlns:a16="http://schemas.microsoft.com/office/drawing/2014/main" id="{6C59ED6B-94CE-4160-A140-D69ED1C6476F}"/>
+              </a:ext>
+            </a:extLst>
+          </p:cNvPr>
+          <p:cNvSpPr>
+            <a:spLocks noGrp="1"/>
+          </p:cNvSpPr>
+          <p:nvPr>
+            <p:ph type="title"/>
+          </p:nvPr>
+        </p:nvSpPr>
+        <p:spPr/>
+        <p:txBody>
+          <a:bodyPr/>
+          <a:lstStyle/>
+          <a:p>
+            <a:r>
+              <a:rPr lang="de-DE" dirty="0"/>
+              <a:t>Ablauf</a:t>
+            </a:r>
+          </a:p>
+        </p:txBody>
+      </p:sp>
+      <p:sp>
+        <p:nvSpPr>
+          <p:cNvPr id="3" name="Inhaltsplatzhalter 2">
+            <a:extLst>
+              <a:ext uri="{FF2B5EF4-FFF2-40B4-BE49-F238E27FC236}">
+                <a16:creationId xmlns:a16="http://schemas.microsoft.com/office/drawing/2014/main" id="{DF4B9698-1157-4E6D-A4BC-364D4900C636}"/>
+              </a:ext>
+            </a:extLst>
+          </p:cNvPr>
+          <p:cNvSpPr>
+            <a:spLocks noGrp="1"/>
+          </p:cNvSpPr>
+          <p:nvPr>
+            <p:ph sz="quarter" idx="13"/>
+          </p:nvPr>
+        </p:nvSpPr>
+        <p:spPr/>
+        <p:txBody>
+          <a:bodyPr/>
+          <a:lstStyle/>
+          <a:p>
+            <a:r>
+              <a:rPr lang="de-DE" u="sng" dirty="0" err="1"/>
+              <a:t>Wictionary</a:t>
+            </a:r>
+            <a:endParaRPr lang="de-DE" u="sng" dirty="0"/>
+          </a:p>
+          <a:p>
+            <a:endParaRPr lang="de-DE" u="sng" dirty="0"/>
+          </a:p>
+          <a:p>
+            <a:endParaRPr lang="de-DE" u="sng" dirty="0"/>
+          </a:p>
+          <a:p>
+            <a:r>
+              <a:rPr lang="de-DE"/>
+              <a:t>Di -&gt;</a:t>
+            </a:r>
+            <a:endParaRPr lang="de-DE" dirty="0"/>
+          </a:p>
+        </p:txBody>
+      </p:sp>
+    </p:spTree>
+    <p:extLst>
+      <p:ext uri="{BB962C8B-B14F-4D97-AF65-F5344CB8AC3E}">
+        <p14:creationId xmlns:p14="http://schemas.microsoft.com/office/powerpoint/2010/main" val="2173397072"/>
       </p:ext>
     </p:extLst>
   </p:cSld>

--- a/L_lex/Vortrag.pptx
+++ b/L_lex/Vortrag.pptx
@@ -1,31 +1,1392 @@
 
 <file path=ppt/presentation.xml><?xml version="1.0" encoding="utf-8"?>
-<p:presentation xmlns:a="http://schemas.openxmlformats.org/drawingml/2006/main" xmlns:p="http://schemas.openxmlformats.org/presentationml/2006/main" xmlns:r="http://schemas.openxmlformats.org/officeDocument/2006/relationships">
+<p:presentation xmlns:a="http://schemas.openxmlformats.org/drawingml/2006/main" xmlns:r="http://schemas.openxmlformats.org/officeDocument/2006/relationships" xmlns:p="http://schemas.openxmlformats.org/presentationml/2006/main">
   <p:sldMasterIdLst>
-    <p:sldMasterId id="2147483648" r:id="rId2"/>
-    <p:sldMasterId id="2147483661" r:id="rId3"/>
+    <p:sldMasterId id="2147483648" r:id="rId1"/>
+    <p:sldMasterId id="2147483661" r:id="rId2"/>
   </p:sldMasterIdLst>
   <p:notesMasterIdLst>
-    <p:notesMasterId r:id="rId4"/>
+    <p:notesMasterId r:id="rId16"/>
   </p:notesMasterIdLst>
   <p:sldIdLst>
-    <p:sldId id="256" r:id="rId5"/>
-    <p:sldId id="257" r:id="rId6"/>
-    <p:sldId id="258" r:id="rId7"/>
-    <p:sldId id="259" r:id="rId8"/>
-    <p:sldId id="260" r:id="rId9"/>
-    <p:sldId id="261" r:id="rId10"/>
-    <p:sldId id="262" r:id="rId11"/>
-    <p:sldId id="263" r:id="rId12"/>
-    <p:sldId id="264" r:id="rId13"/>
+    <p:sldId id="256" r:id="rId3"/>
+    <p:sldId id="257" r:id="rId4"/>
+    <p:sldId id="258" r:id="rId5"/>
+    <p:sldId id="259" r:id="rId6"/>
+    <p:sldId id="260" r:id="rId7"/>
+    <p:sldId id="261" r:id="rId8"/>
+    <p:sldId id="262" r:id="rId9"/>
+    <p:sldId id="263" r:id="rId10"/>
+    <p:sldId id="264" r:id="rId11"/>
+    <p:sldId id="269" r:id="rId12"/>
+    <p:sldId id="270" r:id="rId13"/>
+    <p:sldId id="271" r:id="rId14"/>
+    <p:sldId id="272" r:id="rId15"/>
   </p:sldIdLst>
-  <p:sldSz cx="9144000" cy="6858000"/>
-  <p:notesSz cx="6797675" cy="9926637"/>
+  <p:sldSz cx="9144000" cy="6858000" type="screen4x3"/>
+  <p:notesSz cx="6797675" cy="9926638"/>
+  <p:defaultTextStyle>
+    <a:defPPr>
+      <a:defRPr lang="zh-CN"/>
+    </a:defPPr>
+    <a:lvl1pPr marL="0" algn="l" defTabSz="914400" rtl="0" eaLnBrk="1" latinLnBrk="0" hangingPunct="1">
+      <a:defRPr sz="1800" kern="1200">
+        <a:solidFill>
+          <a:schemeClr val="tx1"/>
+        </a:solidFill>
+        <a:latin typeface="+mn-lt"/>
+        <a:ea typeface="+mn-ea"/>
+        <a:cs typeface="+mn-cs"/>
+      </a:defRPr>
+    </a:lvl1pPr>
+    <a:lvl2pPr marL="457200" algn="l" defTabSz="914400" rtl="0" eaLnBrk="1" latinLnBrk="0" hangingPunct="1">
+      <a:defRPr sz="1800" kern="1200">
+        <a:solidFill>
+          <a:schemeClr val="tx1"/>
+        </a:solidFill>
+        <a:latin typeface="+mn-lt"/>
+        <a:ea typeface="+mn-ea"/>
+        <a:cs typeface="+mn-cs"/>
+      </a:defRPr>
+    </a:lvl2pPr>
+    <a:lvl3pPr marL="914400" algn="l" defTabSz="914400" rtl="0" eaLnBrk="1" latinLnBrk="0" hangingPunct="1">
+      <a:defRPr sz="1800" kern="1200">
+        <a:solidFill>
+          <a:schemeClr val="tx1"/>
+        </a:solidFill>
+        <a:latin typeface="+mn-lt"/>
+        <a:ea typeface="+mn-ea"/>
+        <a:cs typeface="+mn-cs"/>
+      </a:defRPr>
+    </a:lvl3pPr>
+    <a:lvl4pPr marL="1371600" algn="l" defTabSz="914400" rtl="0" eaLnBrk="1" latinLnBrk="0" hangingPunct="1">
+      <a:defRPr sz="1800" kern="1200">
+        <a:solidFill>
+          <a:schemeClr val="tx1"/>
+        </a:solidFill>
+        <a:latin typeface="+mn-lt"/>
+        <a:ea typeface="+mn-ea"/>
+        <a:cs typeface="+mn-cs"/>
+      </a:defRPr>
+    </a:lvl4pPr>
+    <a:lvl5pPr marL="1828800" algn="l" defTabSz="914400" rtl="0" eaLnBrk="1" latinLnBrk="0" hangingPunct="1">
+      <a:defRPr sz="1800" kern="1200">
+        <a:solidFill>
+          <a:schemeClr val="tx1"/>
+        </a:solidFill>
+        <a:latin typeface="+mn-lt"/>
+        <a:ea typeface="+mn-ea"/>
+        <a:cs typeface="+mn-cs"/>
+      </a:defRPr>
+    </a:lvl5pPr>
+    <a:lvl6pPr marL="2286000" algn="l" defTabSz="914400" rtl="0" eaLnBrk="1" latinLnBrk="0" hangingPunct="1">
+      <a:defRPr sz="1800" kern="1200">
+        <a:solidFill>
+          <a:schemeClr val="tx1"/>
+        </a:solidFill>
+        <a:latin typeface="+mn-lt"/>
+        <a:ea typeface="+mn-ea"/>
+        <a:cs typeface="+mn-cs"/>
+      </a:defRPr>
+    </a:lvl6pPr>
+    <a:lvl7pPr marL="2743200" algn="l" defTabSz="914400" rtl="0" eaLnBrk="1" latinLnBrk="0" hangingPunct="1">
+      <a:defRPr sz="1800" kern="1200">
+        <a:solidFill>
+          <a:schemeClr val="tx1"/>
+        </a:solidFill>
+        <a:latin typeface="+mn-lt"/>
+        <a:ea typeface="+mn-ea"/>
+        <a:cs typeface="+mn-cs"/>
+      </a:defRPr>
+    </a:lvl7pPr>
+    <a:lvl8pPr marL="3200400" algn="l" defTabSz="914400" rtl="0" eaLnBrk="1" latinLnBrk="0" hangingPunct="1">
+      <a:defRPr sz="1800" kern="1200">
+        <a:solidFill>
+          <a:schemeClr val="tx1"/>
+        </a:solidFill>
+        <a:latin typeface="+mn-lt"/>
+        <a:ea typeface="+mn-ea"/>
+        <a:cs typeface="+mn-cs"/>
+      </a:defRPr>
+    </a:lvl8pPr>
+    <a:lvl9pPr marL="3657600" algn="l" defTabSz="914400" rtl="0" eaLnBrk="1" latinLnBrk="0" hangingPunct="1">
+      <a:defRPr sz="1800" kern="1200">
+        <a:solidFill>
+          <a:schemeClr val="tx1"/>
+        </a:solidFill>
+        <a:latin typeface="+mn-lt"/>
+        <a:ea typeface="+mn-ea"/>
+        <a:cs typeface="+mn-cs"/>
+      </a:defRPr>
+    </a:lvl9pPr>
+  </p:defaultTextStyle>
+  <p:extLst>
+    <p:ext uri="{EFAFB233-063F-42B5-8137-9DF3F51BA10A}">
+      <p15:sldGuideLst xmlns:p15="http://schemas.microsoft.com/office/powerpoint/2012/main"/>
+    </p:ext>
+  </p:extLst>
 </p:presentation>
 </file>
 
+<file path=ppt/charts/chart1.xml><?xml version="1.0" encoding="utf-8"?>
+<c:chartSpace xmlns:c="http://schemas.openxmlformats.org/drawingml/2006/chart" xmlns:a="http://schemas.openxmlformats.org/drawingml/2006/main" xmlns:r="http://schemas.openxmlformats.org/officeDocument/2006/relationships" xmlns:c16r2="http://schemas.microsoft.com/office/drawing/2015/06/chart">
+  <c:date1904 val="0"/>
+  <c:lang val="zh-CN"/>
+  <c:roundedCorners val="0"/>
+  <mc:AlternateContent xmlns:mc="http://schemas.openxmlformats.org/markup-compatibility/2006">
+    <mc:Choice xmlns:c14="http://schemas.microsoft.com/office/drawing/2007/8/2/chart" Requires="c14">
+      <c14:style val="102"/>
+    </mc:Choice>
+    <mc:Fallback>
+      <c:style val="2"/>
+    </mc:Fallback>
+  </mc:AlternateContent>
+  <c:chart>
+    <c:title>
+      <c:layout>
+        <c:manualLayout>
+          <c:xMode val="edge"/>
+          <c:yMode val="edge"/>
+          <c:x val="0.36830200131233598"/>
+          <c:y val="8.1250000000000003E-2"/>
+        </c:manualLayout>
+      </c:layout>
+      <c:overlay val="0"/>
+      <c:spPr>
+        <a:noFill/>
+        <a:ln>
+          <a:noFill/>
+        </a:ln>
+        <a:effectLst/>
+      </c:spPr>
+      <c:txPr>
+        <a:bodyPr rot="0" spcFirstLastPara="1" vertOverflow="ellipsis" vert="horz" wrap="square" anchor="ctr" anchorCtr="1"/>
+        <a:lstStyle/>
+        <a:p>
+          <a:pPr>
+            <a:defRPr sz="1862" b="0" i="0" u="none" strike="noStrike" kern="1200" spc="0" baseline="0">
+              <a:solidFill>
+                <a:schemeClr val="tx1">
+                  <a:lumMod val="65000"/>
+                  <a:lumOff val="35000"/>
+                </a:schemeClr>
+              </a:solidFill>
+              <a:latin typeface="+mn-lt"/>
+              <a:ea typeface="+mn-ea"/>
+              <a:cs typeface="+mn-cs"/>
+            </a:defRPr>
+          </a:pPr>
+          <a:endParaRPr lang="zh-CN"/>
+        </a:p>
+      </c:txPr>
+    </c:title>
+    <c:autoTitleDeleted val="0"/>
+    <c:plotArea>
+      <c:layout/>
+      <c:pieChart>
+        <c:varyColors val="1"/>
+        <c:ser>
+          <c:idx val="0"/>
+          <c:order val="0"/>
+          <c:tx>
+            <c:strRef>
+              <c:f>Sheet1!$B$1</c:f>
+              <c:strCache>
+                <c:ptCount val="1"/>
+                <c:pt idx="0">
+                  <c:v>Neue Wörter</c:v>
+                </c:pt>
+              </c:strCache>
+            </c:strRef>
+          </c:tx>
+          <c:dPt>
+            <c:idx val="0"/>
+            <c:bubble3D val="0"/>
+            <c:spPr>
+              <a:solidFill>
+                <a:schemeClr val="accent1"/>
+              </a:solidFill>
+              <a:ln w="19050">
+                <a:solidFill>
+                  <a:schemeClr val="lt1"/>
+                </a:solidFill>
+              </a:ln>
+              <a:effectLst/>
+            </c:spPr>
+            <c:extLst>
+              <c:ext xmlns:c16="http://schemas.microsoft.com/office/drawing/2014/chart" uri="{C3380CC4-5D6E-409C-BE32-E72D297353CC}">
+                <c16:uniqueId val="{00000001-335E-43F5-8DC9-2C627FC7DF63}"/>
+              </c:ext>
+            </c:extLst>
+          </c:dPt>
+          <c:dPt>
+            <c:idx val="1"/>
+            <c:bubble3D val="0"/>
+            <c:spPr>
+              <a:solidFill>
+                <a:schemeClr val="accent2"/>
+              </a:solidFill>
+              <a:ln w="19050">
+                <a:solidFill>
+                  <a:schemeClr val="lt1"/>
+                </a:solidFill>
+              </a:ln>
+              <a:effectLst/>
+            </c:spPr>
+            <c:extLst>
+              <c:ext xmlns:c16="http://schemas.microsoft.com/office/drawing/2014/chart" uri="{C3380CC4-5D6E-409C-BE32-E72D297353CC}">
+                <c16:uniqueId val="{00000003-335E-43F5-8DC9-2C627FC7DF63}"/>
+              </c:ext>
+            </c:extLst>
+          </c:dPt>
+          <c:dLbls>
+            <c:dLbl>
+              <c:idx val="0"/>
+              <c:layout>
+                <c:manualLayout>
+                  <c:x val="-0.15311261482939634"/>
+                  <c:y val="-2.9360236220472555E-2"/>
+                </c:manualLayout>
+              </c:layout>
+              <c:spPr>
+                <a:noFill/>
+                <a:ln>
+                  <a:noFill/>
+                </a:ln>
+                <a:effectLst/>
+              </c:spPr>
+              <c:txPr>
+                <a:bodyPr rot="0" spcFirstLastPara="1" vertOverflow="ellipsis" vert="horz" wrap="square" lIns="38100" tIns="19050" rIns="38100" bIns="19050" anchor="ctr" anchorCtr="1">
+                  <a:noAutofit/>
+                </a:bodyPr>
+                <a:lstStyle/>
+                <a:p>
+                  <a:pPr>
+                    <a:defRPr sz="1400" b="0" i="0" u="none" strike="noStrike" kern="1200" baseline="0">
+                      <a:solidFill>
+                        <a:schemeClr val="bg1"/>
+                      </a:solidFill>
+                      <a:effectLst>
+                        <a:outerShdw blurRad="38100" dist="38100" dir="2700000" algn="tl">
+                          <a:srgbClr val="000000">
+                            <a:alpha val="43137"/>
+                          </a:srgbClr>
+                        </a:outerShdw>
+                      </a:effectLst>
+                      <a:latin typeface="+mn-lt"/>
+                      <a:ea typeface="+mn-ea"/>
+                      <a:cs typeface="+mn-cs"/>
+                    </a:defRPr>
+                  </a:pPr>
+                  <a:endParaRPr lang="zh-CN"/>
+                </a:p>
+              </c:txPr>
+              <c:showLegendKey val="0"/>
+              <c:showVal val="1"/>
+              <c:showCatName val="0"/>
+              <c:showSerName val="0"/>
+              <c:showPercent val="0"/>
+              <c:showBubbleSize val="0"/>
+              <c:extLst>
+                <c:ext xmlns:c15="http://schemas.microsoft.com/office/drawing/2012/chart" uri="{CE6537A1-D6FC-4f65-9D91-7224C49458BB}">
+                  <c15:layout>
+                    <c:manualLayout>
+                      <c:w val="0.10495833333333332"/>
+                      <c:h val="8.7781250000000005E-2"/>
+                    </c:manualLayout>
+                  </c15:layout>
+                </c:ext>
+                <c:ext xmlns:c16="http://schemas.microsoft.com/office/drawing/2014/chart" uri="{C3380CC4-5D6E-409C-BE32-E72D297353CC}">
+                  <c16:uniqueId val="{00000001-335E-43F5-8DC9-2C627FC7DF63}"/>
+                </c:ext>
+              </c:extLst>
+            </c:dLbl>
+            <c:dLbl>
+              <c:idx val="1"/>
+              <c:layout>
+                <c:manualLayout>
+                  <c:x val="0.14009022309711283"/>
+                  <c:y val="3.1154281496062992E-2"/>
+                </c:manualLayout>
+              </c:layout>
+              <c:spPr>
+                <a:noFill/>
+                <a:ln>
+                  <a:noFill/>
+                </a:ln>
+                <a:effectLst/>
+              </c:spPr>
+              <c:txPr>
+                <a:bodyPr rot="0" spcFirstLastPara="1" vertOverflow="ellipsis" vert="horz" wrap="square" lIns="38100" tIns="19050" rIns="38100" bIns="19050" anchor="ctr" anchorCtr="1">
+                  <a:noAutofit/>
+                </a:bodyPr>
+                <a:lstStyle/>
+                <a:p>
+                  <a:pPr>
+                    <a:defRPr sz="1400" b="0" i="0" u="none" strike="noStrike" kern="1200" baseline="0">
+                      <a:solidFill>
+                        <a:schemeClr val="bg1"/>
+                      </a:solidFill>
+                      <a:effectLst>
+                        <a:outerShdw blurRad="38100" dist="38100" dir="2700000" algn="tl">
+                          <a:srgbClr val="000000">
+                            <a:alpha val="43137"/>
+                          </a:srgbClr>
+                        </a:outerShdw>
+                      </a:effectLst>
+                      <a:latin typeface="+mn-lt"/>
+                      <a:ea typeface="+mn-ea"/>
+                      <a:cs typeface="+mn-cs"/>
+                    </a:defRPr>
+                  </a:pPr>
+                  <a:endParaRPr lang="zh-CN"/>
+                </a:p>
+              </c:txPr>
+              <c:showLegendKey val="0"/>
+              <c:showVal val="1"/>
+              <c:showCatName val="0"/>
+              <c:showSerName val="0"/>
+              <c:showPercent val="0"/>
+              <c:showBubbleSize val="0"/>
+              <c:extLst>
+                <c:ext xmlns:c15="http://schemas.microsoft.com/office/drawing/2012/chart" uri="{CE6537A1-D6FC-4f65-9D91-7224C49458BB}">
+                  <c15:layout>
+                    <c:manualLayout>
+                      <c:w val="0.10704166666666666"/>
+                      <c:h val="9.0906249999999994E-2"/>
+                    </c:manualLayout>
+                  </c15:layout>
+                </c:ext>
+                <c:ext xmlns:c16="http://schemas.microsoft.com/office/drawing/2014/chart" uri="{C3380CC4-5D6E-409C-BE32-E72D297353CC}">
+                  <c16:uniqueId val="{00000003-335E-43F5-8DC9-2C627FC7DF63}"/>
+                </c:ext>
+              </c:extLst>
+            </c:dLbl>
+            <c:spPr>
+              <a:noFill/>
+              <a:ln>
+                <a:noFill/>
+              </a:ln>
+              <a:effectLst/>
+            </c:spPr>
+            <c:txPr>
+              <a:bodyPr rot="0" spcFirstLastPara="1" vertOverflow="ellipsis" vert="horz" wrap="square" lIns="38100" tIns="19050" rIns="38100" bIns="19050" anchor="ctr" anchorCtr="1">
+                <a:spAutoFit/>
+              </a:bodyPr>
+              <a:lstStyle/>
+              <a:p>
+                <a:pPr>
+                  <a:defRPr sz="1400" b="0" i="0" u="none" strike="noStrike" kern="1200" baseline="0">
+                    <a:solidFill>
+                      <a:schemeClr val="bg1"/>
+                    </a:solidFill>
+                    <a:effectLst>
+                      <a:outerShdw blurRad="38100" dist="38100" dir="2700000" algn="tl">
+                        <a:srgbClr val="000000">
+                          <a:alpha val="43137"/>
+                        </a:srgbClr>
+                      </a:outerShdw>
+                    </a:effectLst>
+                    <a:latin typeface="+mn-lt"/>
+                    <a:ea typeface="+mn-ea"/>
+                    <a:cs typeface="+mn-cs"/>
+                  </a:defRPr>
+                </a:pPr>
+                <a:endParaRPr lang="zh-CN"/>
+              </a:p>
+            </c:txPr>
+            <c:showLegendKey val="0"/>
+            <c:showVal val="1"/>
+            <c:showCatName val="0"/>
+            <c:showSerName val="0"/>
+            <c:showPercent val="0"/>
+            <c:showBubbleSize val="0"/>
+            <c:showLeaderLines val="1"/>
+            <c:leaderLines>
+              <c:spPr>
+                <a:ln w="9525" cap="flat" cmpd="sng" algn="ctr">
+                  <a:solidFill>
+                    <a:schemeClr val="tx1">
+                      <a:lumMod val="35000"/>
+                      <a:lumOff val="65000"/>
+                    </a:schemeClr>
+                  </a:solidFill>
+                  <a:round/>
+                </a:ln>
+                <a:effectLst/>
+              </c:spPr>
+            </c:leaderLines>
+            <c:extLst>
+              <c:ext xmlns:c15="http://schemas.microsoft.com/office/drawing/2012/chart" uri="{CE6537A1-D6FC-4f65-9D91-7224C49458BB}"/>
+            </c:extLst>
+          </c:dLbls>
+          <c:cat>
+            <c:strRef>
+              <c:f>Sheet1!$A$2:$A$3</c:f>
+              <c:strCache>
+                <c:ptCount val="2"/>
+                <c:pt idx="0">
+                  <c:v>Deu.</c:v>
+                </c:pt>
+                <c:pt idx="1">
+                  <c:v>Deu.</c:v>
+                </c:pt>
+              </c:strCache>
+            </c:strRef>
+          </c:cat>
+          <c:val>
+            <c:numRef>
+              <c:f>Sheet1!$B$2:$B$3</c:f>
+              <c:numCache>
+                <c:formatCode>General</c:formatCode>
+                <c:ptCount val="2"/>
+                <c:pt idx="0">
+                  <c:v>2573</c:v>
+                </c:pt>
+                <c:pt idx="1">
+                  <c:v>1859</c:v>
+                </c:pt>
+              </c:numCache>
+            </c:numRef>
+          </c:val>
+          <c:extLst>
+            <c:ext xmlns:c16="http://schemas.microsoft.com/office/drawing/2014/chart" uri="{C3380CC4-5D6E-409C-BE32-E72D297353CC}">
+              <c16:uniqueId val="{00000004-335E-43F5-8DC9-2C627FC7DF63}"/>
+            </c:ext>
+          </c:extLst>
+        </c:ser>
+        <c:dLbls>
+          <c:showLegendKey val="0"/>
+          <c:showVal val="0"/>
+          <c:showCatName val="0"/>
+          <c:showSerName val="0"/>
+          <c:showPercent val="0"/>
+          <c:showBubbleSize val="0"/>
+          <c:showLeaderLines val="1"/>
+        </c:dLbls>
+        <c:firstSliceAng val="0"/>
+      </c:pieChart>
+      <c:spPr>
+        <a:noFill/>
+        <a:ln>
+          <a:noFill/>
+        </a:ln>
+        <a:effectLst/>
+      </c:spPr>
+    </c:plotArea>
+    <c:legend>
+      <c:legendPos val="b"/>
+      <c:overlay val="0"/>
+      <c:spPr>
+        <a:noFill/>
+        <a:ln>
+          <a:noFill/>
+        </a:ln>
+        <a:effectLst/>
+      </c:spPr>
+      <c:txPr>
+        <a:bodyPr rot="0" spcFirstLastPara="1" vertOverflow="ellipsis" vert="horz" wrap="square" anchor="ctr" anchorCtr="1"/>
+        <a:lstStyle/>
+        <a:p>
+          <a:pPr>
+            <a:defRPr sz="1197" b="0" i="0" u="none" strike="noStrike" kern="1200" baseline="0">
+              <a:solidFill>
+                <a:schemeClr val="tx1">
+                  <a:lumMod val="65000"/>
+                  <a:lumOff val="35000"/>
+                </a:schemeClr>
+              </a:solidFill>
+              <a:latin typeface="+mn-lt"/>
+              <a:ea typeface="+mn-ea"/>
+              <a:cs typeface="+mn-cs"/>
+            </a:defRPr>
+          </a:pPr>
+          <a:endParaRPr lang="zh-CN"/>
+        </a:p>
+      </c:txPr>
+    </c:legend>
+    <c:plotVisOnly val="1"/>
+    <c:dispBlanksAs val="gap"/>
+    <c:extLst>
+      <c:ext xmlns:c16r3="http://schemas.microsoft.com/office/drawing/2017/03/chart" uri="{56B9EC1D-385E-4148-901F-78D8002777C0}">
+        <c16r3:dataDisplayOptions16>
+          <c16r3:dispNaAsBlank val="1"/>
+        </c16r3:dataDisplayOptions16>
+      </c:ext>
+    </c:extLst>
+    <c:showDLblsOverMax val="0"/>
+  </c:chart>
+  <c:spPr>
+    <a:noFill/>
+    <a:ln>
+      <a:noFill/>
+    </a:ln>
+    <a:effectLst/>
+  </c:spPr>
+  <c:txPr>
+    <a:bodyPr/>
+    <a:lstStyle/>
+    <a:p>
+      <a:pPr>
+        <a:defRPr/>
+      </a:pPr>
+      <a:endParaRPr lang="zh-CN"/>
+    </a:p>
+  </c:txPr>
+  <c:externalData r:id="rId3">
+    <c:autoUpdate val="0"/>
+  </c:externalData>
+</c:chartSpace>
+</file>
+
+<file path=ppt/charts/colors1.xml><?xml version="1.0" encoding="utf-8"?>
+<cs:colorStyle xmlns:cs="http://schemas.microsoft.com/office/drawing/2012/chartStyle" xmlns:a="http://schemas.openxmlformats.org/drawingml/2006/main" meth="cycle" id="10">
+  <a:schemeClr val="accent1"/>
+  <a:schemeClr val="accent2"/>
+  <a:schemeClr val="accent3"/>
+  <a:schemeClr val="accent4"/>
+  <a:schemeClr val="accent5"/>
+  <a:schemeClr val="accent6"/>
+  <cs:variation/>
+  <cs:variation>
+    <a:lumMod val="60000"/>
+  </cs:variation>
+  <cs:variation>
+    <a:lumMod val="80000"/>
+    <a:lumOff val="20000"/>
+  </cs:variation>
+  <cs:variation>
+    <a:lumMod val="80000"/>
+  </cs:variation>
+  <cs:variation>
+    <a:lumMod val="60000"/>
+    <a:lumOff val="40000"/>
+  </cs:variation>
+  <cs:variation>
+    <a:lumMod val="50000"/>
+  </cs:variation>
+  <cs:variation>
+    <a:lumMod val="70000"/>
+    <a:lumOff val="30000"/>
+  </cs:variation>
+  <cs:variation>
+    <a:lumMod val="70000"/>
+  </cs:variation>
+  <cs:variation>
+    <a:lumMod val="50000"/>
+    <a:lumOff val="50000"/>
+  </cs:variation>
+</cs:colorStyle>
+</file>
+
+<file path=ppt/charts/style1.xml><?xml version="1.0" encoding="utf-8"?>
+<cs:chartStyle xmlns:cs="http://schemas.microsoft.com/office/drawing/2012/chartStyle" xmlns:a="http://schemas.openxmlformats.org/drawingml/2006/main" id="251">
+  <cs:axisTitle>
+    <cs:lnRef idx="0"/>
+    <cs:fillRef idx="0"/>
+    <cs:effectRef idx="0"/>
+    <cs:fontRef idx="minor">
+      <a:schemeClr val="tx1">
+        <a:lumMod val="65000"/>
+        <a:lumOff val="35000"/>
+      </a:schemeClr>
+    </cs:fontRef>
+    <cs:defRPr sz="1330" kern="1200"/>
+  </cs:axisTitle>
+  <cs:categoryAxis>
+    <cs:lnRef idx="0"/>
+    <cs:fillRef idx="0"/>
+    <cs:effectRef idx="0"/>
+    <cs:fontRef idx="minor">
+      <a:schemeClr val="tx1">
+        <a:lumMod val="65000"/>
+        <a:lumOff val="35000"/>
+      </a:schemeClr>
+    </cs:fontRef>
+    <cs:spPr>
+      <a:ln w="9525" cap="flat" cmpd="sng" algn="ctr">
+        <a:solidFill>
+          <a:schemeClr val="tx1">
+            <a:lumMod val="15000"/>
+            <a:lumOff val="85000"/>
+          </a:schemeClr>
+        </a:solidFill>
+        <a:round/>
+      </a:ln>
+    </cs:spPr>
+    <cs:defRPr sz="1197" kern="1200"/>
+  </cs:categoryAxis>
+  <cs:chartArea mods="allowNoFillOverride allowNoLineOverride">
+    <cs:lnRef idx="0"/>
+    <cs:fillRef idx="0"/>
+    <cs:effectRef idx="0"/>
+    <cs:fontRef idx="minor">
+      <a:schemeClr val="tx1"/>
+    </cs:fontRef>
+    <cs:spPr>
+      <a:solidFill>
+        <a:schemeClr val="bg1"/>
+      </a:solidFill>
+      <a:ln w="9525" cap="flat" cmpd="sng" algn="ctr">
+        <a:solidFill>
+          <a:schemeClr val="tx1">
+            <a:lumMod val="15000"/>
+            <a:lumOff val="85000"/>
+          </a:schemeClr>
+        </a:solidFill>
+        <a:round/>
+      </a:ln>
+    </cs:spPr>
+    <cs:defRPr sz="1197" kern="1200"/>
+  </cs:chartArea>
+  <cs:dataLabel>
+    <cs:lnRef idx="0"/>
+    <cs:fillRef idx="0"/>
+    <cs:effectRef idx="0"/>
+    <cs:fontRef idx="minor">
+      <a:schemeClr val="tx1">
+        <a:lumMod val="75000"/>
+        <a:lumOff val="25000"/>
+      </a:schemeClr>
+    </cs:fontRef>
+    <cs:defRPr sz="1197" kern="1200"/>
+  </cs:dataLabel>
+  <cs:dataLabelCallout>
+    <cs:lnRef idx="0"/>
+    <cs:fillRef idx="0"/>
+    <cs:effectRef idx="0"/>
+    <cs:fontRef idx="minor">
+      <a:schemeClr val="dk1">
+        <a:lumMod val="65000"/>
+        <a:lumOff val="35000"/>
+      </a:schemeClr>
+    </cs:fontRef>
+    <cs:spPr>
+      <a:solidFill>
+        <a:schemeClr val="lt1"/>
+      </a:solidFill>
+      <a:ln>
+        <a:solidFill>
+          <a:schemeClr val="dk1">
+            <a:lumMod val="25000"/>
+            <a:lumOff val="75000"/>
+          </a:schemeClr>
+        </a:solidFill>
+      </a:ln>
+    </cs:spPr>
+    <cs:defRPr sz="1197" kern="1200"/>
+    <cs:bodyPr rot="0" spcFirstLastPara="1" vertOverflow="clip" horzOverflow="clip" vert="horz" wrap="square" lIns="36576" tIns="18288" rIns="36576" bIns="18288" anchor="ctr" anchorCtr="1">
+      <a:spAutoFit/>
+    </cs:bodyPr>
+  </cs:dataLabelCallout>
+  <cs:dataPoint>
+    <cs:lnRef idx="0"/>
+    <cs:fillRef idx="1">
+      <cs:styleClr val="auto"/>
+    </cs:fillRef>
+    <cs:effectRef idx="0"/>
+    <cs:fontRef idx="minor">
+      <a:schemeClr val="tx1"/>
+    </cs:fontRef>
+    <cs:spPr>
+      <a:ln w="19050">
+        <a:solidFill>
+          <a:schemeClr val="lt1"/>
+        </a:solidFill>
+      </a:ln>
+    </cs:spPr>
+  </cs:dataPoint>
+  <cs:dataPoint3D>
+    <cs:lnRef idx="0"/>
+    <cs:fillRef idx="1">
+      <cs:styleClr val="auto"/>
+    </cs:fillRef>
+    <cs:effectRef idx="0"/>
+    <cs:fontRef idx="minor">
+      <a:schemeClr val="tx1"/>
+    </cs:fontRef>
+    <cs:spPr>
+      <a:ln w="25400">
+        <a:solidFill>
+          <a:schemeClr val="lt1"/>
+        </a:solidFill>
+      </a:ln>
+    </cs:spPr>
+  </cs:dataPoint3D>
+  <cs:dataPointLine>
+    <cs:lnRef idx="0">
+      <cs:styleClr val="auto"/>
+    </cs:lnRef>
+    <cs:fillRef idx="0"/>
+    <cs:effectRef idx="0"/>
+    <cs:fontRef idx="minor">
+      <a:schemeClr val="tx1"/>
+    </cs:fontRef>
+    <cs:spPr>
+      <a:ln w="28575" cap="rnd">
+        <a:solidFill>
+          <a:schemeClr val="phClr"/>
+        </a:solidFill>
+        <a:round/>
+      </a:ln>
+    </cs:spPr>
+  </cs:dataPointLine>
+  <cs:dataPointMarker>
+    <cs:lnRef idx="0">
+      <cs:styleClr val="auto"/>
+    </cs:lnRef>
+    <cs:fillRef idx="1">
+      <cs:styleClr val="auto"/>
+    </cs:fillRef>
+    <cs:effectRef idx="0"/>
+    <cs:fontRef idx="minor">
+      <a:schemeClr val="tx1"/>
+    </cs:fontRef>
+    <cs:spPr>
+      <a:ln w="9525">
+        <a:solidFill>
+          <a:schemeClr val="phClr"/>
+        </a:solidFill>
+      </a:ln>
+    </cs:spPr>
+  </cs:dataPointMarker>
+  <cs:dataPointMarkerLayout symbol="circle" size="5"/>
+  <cs:dataPointWireframe>
+    <cs:lnRef idx="0">
+      <cs:styleClr val="auto"/>
+    </cs:lnRef>
+    <cs:fillRef idx="0"/>
+    <cs:effectRef idx="0"/>
+    <cs:fontRef idx="minor">
+      <a:schemeClr val="tx1"/>
+    </cs:fontRef>
+    <cs:spPr>
+      <a:ln w="9525" cap="rnd">
+        <a:solidFill>
+          <a:schemeClr val="phClr"/>
+        </a:solidFill>
+        <a:round/>
+      </a:ln>
+    </cs:spPr>
+  </cs:dataPointWireframe>
+  <cs:dataTable>
+    <cs:lnRef idx="0"/>
+    <cs:fillRef idx="0"/>
+    <cs:effectRef idx="0"/>
+    <cs:fontRef idx="minor">
+      <a:schemeClr val="tx1">
+        <a:lumMod val="65000"/>
+        <a:lumOff val="35000"/>
+      </a:schemeClr>
+    </cs:fontRef>
+    <cs:spPr>
+      <a:noFill/>
+      <a:ln w="9525" cap="flat" cmpd="sng" algn="ctr">
+        <a:solidFill>
+          <a:schemeClr val="tx1">
+            <a:lumMod val="15000"/>
+            <a:lumOff val="85000"/>
+          </a:schemeClr>
+        </a:solidFill>
+        <a:round/>
+      </a:ln>
+    </cs:spPr>
+    <cs:defRPr sz="1197" kern="1200"/>
+  </cs:dataTable>
+  <cs:downBar>
+    <cs:lnRef idx="0"/>
+    <cs:fillRef idx="0"/>
+    <cs:effectRef idx="0"/>
+    <cs:fontRef idx="minor">
+      <a:schemeClr val="tx1"/>
+    </cs:fontRef>
+    <cs:spPr>
+      <a:solidFill>
+        <a:schemeClr val="dk1">
+          <a:lumMod val="75000"/>
+          <a:lumOff val="25000"/>
+        </a:schemeClr>
+      </a:solidFill>
+      <a:ln w="9525" cap="flat" cmpd="sng" algn="ctr">
+        <a:solidFill>
+          <a:schemeClr val="tx1">
+            <a:lumMod val="65000"/>
+            <a:lumOff val="35000"/>
+          </a:schemeClr>
+        </a:solidFill>
+        <a:round/>
+      </a:ln>
+    </cs:spPr>
+  </cs:downBar>
+  <cs:dropLine>
+    <cs:lnRef idx="0"/>
+    <cs:fillRef idx="0"/>
+    <cs:effectRef idx="0"/>
+    <cs:fontRef idx="minor">
+      <a:schemeClr val="tx1"/>
+    </cs:fontRef>
+    <cs:spPr>
+      <a:ln w="9525" cap="flat" cmpd="sng" algn="ctr">
+        <a:solidFill>
+          <a:schemeClr val="tx1">
+            <a:lumMod val="35000"/>
+            <a:lumOff val="65000"/>
+          </a:schemeClr>
+        </a:solidFill>
+        <a:round/>
+      </a:ln>
+    </cs:spPr>
+  </cs:dropLine>
+  <cs:errorBar>
+    <cs:lnRef idx="0"/>
+    <cs:fillRef idx="0"/>
+    <cs:effectRef idx="0"/>
+    <cs:fontRef idx="minor">
+      <a:schemeClr val="tx1"/>
+    </cs:fontRef>
+    <cs:spPr>
+      <a:ln w="9525" cap="flat" cmpd="sng" algn="ctr">
+        <a:solidFill>
+          <a:schemeClr val="tx1">
+            <a:lumMod val="65000"/>
+            <a:lumOff val="35000"/>
+          </a:schemeClr>
+        </a:solidFill>
+        <a:round/>
+      </a:ln>
+    </cs:spPr>
+  </cs:errorBar>
+  <cs:floor>
+    <cs:lnRef idx="0"/>
+    <cs:fillRef idx="0"/>
+    <cs:effectRef idx="0"/>
+    <cs:fontRef idx="minor">
+      <a:schemeClr val="tx1"/>
+    </cs:fontRef>
+    <cs:spPr>
+      <a:noFill/>
+      <a:ln>
+        <a:noFill/>
+      </a:ln>
+    </cs:spPr>
+  </cs:floor>
+  <cs:gridlineMajor>
+    <cs:lnRef idx="0"/>
+    <cs:fillRef idx="0"/>
+    <cs:effectRef idx="0"/>
+    <cs:fontRef idx="minor">
+      <a:schemeClr val="tx1"/>
+    </cs:fontRef>
+    <cs:spPr>
+      <a:ln w="9525" cap="flat" cmpd="sng" algn="ctr">
+        <a:solidFill>
+          <a:schemeClr val="tx1">
+            <a:lumMod val="15000"/>
+            <a:lumOff val="85000"/>
+          </a:schemeClr>
+        </a:solidFill>
+        <a:round/>
+      </a:ln>
+    </cs:spPr>
+  </cs:gridlineMajor>
+  <cs:gridlineMinor>
+    <cs:lnRef idx="0"/>
+    <cs:fillRef idx="0"/>
+    <cs:effectRef idx="0"/>
+    <cs:fontRef idx="minor">
+      <a:schemeClr val="tx1"/>
+    </cs:fontRef>
+    <cs:spPr>
+      <a:ln w="9525" cap="flat" cmpd="sng" algn="ctr">
+        <a:solidFill>
+          <a:schemeClr val="tx1">
+            <a:lumMod val="5000"/>
+            <a:lumOff val="95000"/>
+          </a:schemeClr>
+        </a:solidFill>
+        <a:round/>
+      </a:ln>
+    </cs:spPr>
+  </cs:gridlineMinor>
+  <cs:hiLoLine>
+    <cs:lnRef idx="0"/>
+    <cs:fillRef idx="0"/>
+    <cs:effectRef idx="0"/>
+    <cs:fontRef idx="minor">
+      <a:schemeClr val="tx1"/>
+    </cs:fontRef>
+    <cs:spPr>
+      <a:ln w="9525" cap="flat" cmpd="sng" algn="ctr">
+        <a:solidFill>
+          <a:schemeClr val="tx1">
+            <a:lumMod val="50000"/>
+            <a:lumOff val="50000"/>
+          </a:schemeClr>
+        </a:solidFill>
+        <a:round/>
+      </a:ln>
+    </cs:spPr>
+  </cs:hiLoLine>
+  <cs:leaderLine>
+    <cs:lnRef idx="0"/>
+    <cs:fillRef idx="0"/>
+    <cs:effectRef idx="0"/>
+    <cs:fontRef idx="minor">
+      <a:schemeClr val="tx1"/>
+    </cs:fontRef>
+    <cs:spPr>
+      <a:ln w="9525" cap="flat" cmpd="sng" algn="ctr">
+        <a:solidFill>
+          <a:schemeClr val="tx1">
+            <a:lumMod val="35000"/>
+            <a:lumOff val="65000"/>
+          </a:schemeClr>
+        </a:solidFill>
+        <a:round/>
+      </a:ln>
+    </cs:spPr>
+  </cs:leaderLine>
+  <cs:legend>
+    <cs:lnRef idx="0"/>
+    <cs:fillRef idx="0"/>
+    <cs:effectRef idx="0"/>
+    <cs:fontRef idx="minor">
+      <a:schemeClr val="tx1">
+        <a:lumMod val="65000"/>
+        <a:lumOff val="35000"/>
+      </a:schemeClr>
+    </cs:fontRef>
+    <cs:defRPr sz="1197" kern="1200"/>
+  </cs:legend>
+  <cs:plotArea mods="allowNoFillOverride allowNoLineOverride">
+    <cs:lnRef idx="0"/>
+    <cs:fillRef idx="0"/>
+    <cs:effectRef idx="0"/>
+    <cs:fontRef idx="minor">
+      <a:schemeClr val="tx1"/>
+    </cs:fontRef>
+  </cs:plotArea>
+  <cs:plotArea3D mods="allowNoFillOverride allowNoLineOverride">
+    <cs:lnRef idx="0"/>
+    <cs:fillRef idx="0"/>
+    <cs:effectRef idx="0"/>
+    <cs:fontRef idx="minor">
+      <a:schemeClr val="tx1"/>
+    </cs:fontRef>
+  </cs:plotArea3D>
+  <cs:seriesAxis>
+    <cs:lnRef idx="0"/>
+    <cs:fillRef idx="0"/>
+    <cs:effectRef idx="0"/>
+    <cs:fontRef idx="minor">
+      <a:schemeClr val="tx1">
+        <a:lumMod val="65000"/>
+        <a:lumOff val="35000"/>
+      </a:schemeClr>
+    </cs:fontRef>
+    <cs:defRPr sz="1197" kern="1200"/>
+  </cs:seriesAxis>
+  <cs:seriesLine>
+    <cs:lnRef idx="0"/>
+    <cs:fillRef idx="0"/>
+    <cs:effectRef idx="0"/>
+    <cs:fontRef idx="minor">
+      <a:schemeClr val="tx1"/>
+    </cs:fontRef>
+    <cs:spPr>
+      <a:ln w="9525" cap="flat" cmpd="sng" algn="ctr">
+        <a:solidFill>
+          <a:schemeClr val="tx1">
+            <a:lumMod val="35000"/>
+            <a:lumOff val="65000"/>
+          </a:schemeClr>
+        </a:solidFill>
+        <a:round/>
+      </a:ln>
+    </cs:spPr>
+  </cs:seriesLine>
+  <cs:title>
+    <cs:lnRef idx="0"/>
+    <cs:fillRef idx="0"/>
+    <cs:effectRef idx="0"/>
+    <cs:fontRef idx="minor">
+      <a:schemeClr val="tx1">
+        <a:lumMod val="65000"/>
+        <a:lumOff val="35000"/>
+      </a:schemeClr>
+    </cs:fontRef>
+    <cs:defRPr sz="1862" b="0" kern="1200" spc="0" baseline="0"/>
+  </cs:title>
+  <cs:trendline>
+    <cs:lnRef idx="0">
+      <cs:styleClr val="auto"/>
+    </cs:lnRef>
+    <cs:fillRef idx="0"/>
+    <cs:effectRef idx="0"/>
+    <cs:fontRef idx="minor">
+      <a:schemeClr val="tx1"/>
+    </cs:fontRef>
+    <cs:spPr>
+      <a:ln w="19050" cap="rnd">
+        <a:solidFill>
+          <a:schemeClr val="phClr"/>
+        </a:solidFill>
+        <a:prstDash val="sysDot"/>
+      </a:ln>
+    </cs:spPr>
+  </cs:trendline>
+  <cs:trendlineLabel>
+    <cs:lnRef idx="0"/>
+    <cs:fillRef idx="0"/>
+    <cs:effectRef idx="0"/>
+    <cs:fontRef idx="minor">
+      <a:schemeClr val="tx1">
+        <a:lumMod val="65000"/>
+        <a:lumOff val="35000"/>
+      </a:schemeClr>
+    </cs:fontRef>
+    <cs:defRPr sz="1197" kern="1200"/>
+  </cs:trendlineLabel>
+  <cs:upBar>
+    <cs:lnRef idx="0"/>
+    <cs:fillRef idx="0"/>
+    <cs:effectRef idx="0"/>
+    <cs:fontRef idx="minor">
+      <a:schemeClr val="tx1"/>
+    </cs:fontRef>
+    <cs:spPr>
+      <a:solidFill>
+        <a:schemeClr val="lt1"/>
+      </a:solidFill>
+      <a:ln w="9525" cap="flat" cmpd="sng" algn="ctr">
+        <a:solidFill>
+          <a:schemeClr val="tx1">
+            <a:lumMod val="65000"/>
+            <a:lumOff val="35000"/>
+          </a:schemeClr>
+        </a:solidFill>
+        <a:round/>
+      </a:ln>
+    </cs:spPr>
+  </cs:upBar>
+  <cs:valueAxis>
+    <cs:lnRef idx="0"/>
+    <cs:fillRef idx="0"/>
+    <cs:effectRef idx="0"/>
+    <cs:fontRef idx="minor">
+      <a:schemeClr val="tx1">
+        <a:lumMod val="65000"/>
+        <a:lumOff val="35000"/>
+      </a:schemeClr>
+    </cs:fontRef>
+    <cs:defRPr sz="1197" kern="1200"/>
+  </cs:valueAxis>
+  <cs:wall>
+    <cs:lnRef idx="0"/>
+    <cs:fillRef idx="0"/>
+    <cs:effectRef idx="0"/>
+    <cs:fontRef idx="minor">
+      <a:schemeClr val="tx1"/>
+    </cs:fontRef>
+    <cs:spPr>
+      <a:noFill/>
+      <a:ln>
+        <a:noFill/>
+      </a:ln>
+    </cs:spPr>
+  </cs:wall>
+</cs:chartStyle>
+</file>
+
 <file path=ppt/notesMasters/notesMaster1.xml><?xml version="1.0" encoding="utf-8"?>
-<p:notesMaster xmlns:a="http://schemas.openxmlformats.org/drawingml/2006/main" xmlns:p="http://schemas.openxmlformats.org/presentationml/2006/main" xmlns:r="http://schemas.openxmlformats.org/officeDocument/2006/relationships">
+<p:notesMaster xmlns:a="http://schemas.openxmlformats.org/drawingml/2006/main" xmlns:r="http://schemas.openxmlformats.org/officeDocument/2006/relationships" xmlns:p="http://schemas.openxmlformats.org/presentationml/2006/main">
+  <p:cSld>
+    <p:bg>
+      <p:bgRef idx="1001">
+        <a:schemeClr val="bg1"/>
+      </p:bgRef>
+    </p:bg>
+    <p:spTree>
+      <p:nvGrpSpPr>
+        <p:cNvPr id="1" name=""/>
+        <p:cNvGrpSpPr/>
+        <p:nvPr/>
+      </p:nvGrpSpPr>
+      <p:grpSpPr>
+        <a:xfrm>
+          <a:off x="0" y="0"/>
+          <a:ext cx="0" cy="0"/>
+          <a:chOff x="0" y="0"/>
+          <a:chExt cx="0" cy="0"/>
+        </a:xfrm>
+      </p:grpSpPr>
+      <p:sp>
+        <p:nvSpPr>
+          <p:cNvPr id="210" name="PlaceHolder 1"/>
+          <p:cNvSpPr>
+            <a:spLocks noGrp="1"/>
+          </p:cNvSpPr>
+          <p:nvPr>
+            <p:ph type="body"/>
+          </p:nvPr>
+        </p:nvSpPr>
+        <p:spPr>
+          <a:xfrm>
+            <a:off x="756000" y="5078520"/>
+            <a:ext cx="6047640" cy="4811040"/>
+          </a:xfrm>
+          <a:prstGeom prst="rect">
+            <a:avLst/>
+          </a:prstGeom>
+        </p:spPr>
+        <p:txBody>
+          <a:bodyPr lIns="0" tIns="0" rIns="0" bIns="0"/>
+          <a:lstStyle/>
+          <a:p>
+            <a:r>
+              <a:rPr lang="de-DE" sz="2000">
+                <a:latin typeface="Arial"/>
+              </a:rPr>
+              <a:t>Click to edit the notes format</a:t>
+            </a:r>
+            <a:endParaRPr/>
+          </a:p>
+        </p:txBody>
+      </p:sp>
+      <p:sp>
+        <p:nvSpPr>
+          <p:cNvPr id="211" name="PlaceHolder 2"/>
+          <p:cNvSpPr>
+            <a:spLocks noGrp="1"/>
+          </p:cNvSpPr>
+          <p:nvPr>
+            <p:ph type="hdr"/>
+          </p:nvPr>
+        </p:nvSpPr>
+        <p:spPr>
+          <a:xfrm>
+            <a:off x="0" y="0"/>
+            <a:ext cx="3280680" cy="534240"/>
+          </a:xfrm>
+          <a:prstGeom prst="rect">
+            <a:avLst/>
+          </a:prstGeom>
+        </p:spPr>
+        <p:txBody>
+          <a:bodyPr lIns="0" tIns="0" rIns="0" bIns="0"/>
+          <a:lstStyle/>
+          <a:p>
+            <a:r>
+              <a:rPr lang="de-DE" sz="1400">
+                <a:latin typeface="Times New Roman"/>
+              </a:rPr>
+              <a:t>&lt;header&gt;</a:t>
+            </a:r>
+            <a:endParaRPr/>
+          </a:p>
+        </p:txBody>
+      </p:sp>
+      <p:sp>
+        <p:nvSpPr>
+          <p:cNvPr id="212" name="PlaceHolder 3"/>
+          <p:cNvSpPr>
+            <a:spLocks noGrp="1"/>
+          </p:cNvSpPr>
+          <p:nvPr>
+            <p:ph type="dt"/>
+          </p:nvPr>
+        </p:nvSpPr>
+        <p:spPr>
+          <a:xfrm>
+            <a:off x="4278960" y="0"/>
+            <a:ext cx="3280680" cy="534240"/>
+          </a:xfrm>
+          <a:prstGeom prst="rect">
+            <a:avLst/>
+          </a:prstGeom>
+        </p:spPr>
+        <p:txBody>
+          <a:bodyPr lIns="0" tIns="0" rIns="0" bIns="0"/>
+          <a:lstStyle/>
+          <a:p>
+            <a:pPr algn="r"/>
+            <a:r>
+              <a:rPr lang="de-DE" sz="1400">
+                <a:latin typeface="Times New Roman"/>
+              </a:rPr>
+              <a:t>&lt;date/time&gt;</a:t>
+            </a:r>
+            <a:endParaRPr/>
+          </a:p>
+        </p:txBody>
+      </p:sp>
+      <p:sp>
+        <p:nvSpPr>
+          <p:cNvPr id="213" name="PlaceHolder 4"/>
+          <p:cNvSpPr>
+            <a:spLocks noGrp="1"/>
+          </p:cNvSpPr>
+          <p:nvPr>
+            <p:ph type="ftr"/>
+          </p:nvPr>
+        </p:nvSpPr>
+        <p:spPr>
+          <a:xfrm>
+            <a:off x="0" y="10157400"/>
+            <a:ext cx="3280680" cy="534240"/>
+          </a:xfrm>
+          <a:prstGeom prst="rect">
+            <a:avLst/>
+          </a:prstGeom>
+        </p:spPr>
+        <p:txBody>
+          <a:bodyPr lIns="0" tIns="0" rIns="0" bIns="0" anchor="b"/>
+          <a:lstStyle/>
+          <a:p>
+            <a:r>
+              <a:rPr lang="de-DE" sz="1400">
+                <a:latin typeface="Times New Roman"/>
+              </a:rPr>
+              <a:t>&lt;footer&gt;</a:t>
+            </a:r>
+            <a:endParaRPr/>
+          </a:p>
+        </p:txBody>
+      </p:sp>
+      <p:sp>
+        <p:nvSpPr>
+          <p:cNvPr id="214" name="PlaceHolder 5"/>
+          <p:cNvSpPr>
+            <a:spLocks noGrp="1"/>
+          </p:cNvSpPr>
+          <p:nvPr>
+            <p:ph type="sldNum"/>
+          </p:nvPr>
+        </p:nvSpPr>
+        <p:spPr>
+          <a:xfrm>
+            <a:off x="4278960" y="10157400"/>
+            <a:ext cx="3280680" cy="534240"/>
+          </a:xfrm>
+          <a:prstGeom prst="rect">
+            <a:avLst/>
+          </a:prstGeom>
+        </p:spPr>
+        <p:txBody>
+          <a:bodyPr lIns="0" tIns="0" rIns="0" bIns="0" anchor="b"/>
+          <a:lstStyle/>
+          <a:p>
+            <a:pPr algn="r"/>
+            <a:fld id="{C838E393-860F-443D-A411-CAE2355E98CC}" type="slidenum">
+              <a:rPr lang="de-DE" sz="1400">
+                <a:latin typeface="Times New Roman"/>
+              </a:rPr>
+              <a:t>‹#›</a:t>
+            </a:fld>
+            <a:endParaRPr/>
+          </a:p>
+        </p:txBody>
+      </p:sp>
+    </p:spTree>
+  </p:cSld>
+  <p:clrMap bg1="lt1" tx1="dk1" bg2="lt2" tx2="dk2" accent1="accent1" accent2="accent2" accent3="accent3" accent4="accent4" accent5="accent5" accent6="accent6" hlink="hlink" folHlink="folHlink"/>
+  <p:notesStyle>
+    <a:lvl1pPr marL="0" algn="l" defTabSz="914400" rtl="0" eaLnBrk="1" latinLnBrk="0" hangingPunct="1">
+      <a:defRPr sz="1200" kern="1200">
+        <a:solidFill>
+          <a:schemeClr val="tx1"/>
+        </a:solidFill>
+        <a:latin typeface="+mn-lt"/>
+        <a:ea typeface="+mn-ea"/>
+        <a:cs typeface="+mn-cs"/>
+      </a:defRPr>
+    </a:lvl1pPr>
+    <a:lvl2pPr marL="457200" algn="l" defTabSz="914400" rtl="0" eaLnBrk="1" latinLnBrk="0" hangingPunct="1">
+      <a:defRPr sz="1200" kern="1200">
+        <a:solidFill>
+          <a:schemeClr val="tx1"/>
+        </a:solidFill>
+        <a:latin typeface="+mn-lt"/>
+        <a:ea typeface="+mn-ea"/>
+        <a:cs typeface="+mn-cs"/>
+      </a:defRPr>
+    </a:lvl2pPr>
+    <a:lvl3pPr marL="914400" algn="l" defTabSz="914400" rtl="0" eaLnBrk="1" latinLnBrk="0" hangingPunct="1">
+      <a:defRPr sz="1200" kern="1200">
+        <a:solidFill>
+          <a:schemeClr val="tx1"/>
+        </a:solidFill>
+        <a:latin typeface="+mn-lt"/>
+        <a:ea typeface="+mn-ea"/>
+        <a:cs typeface="+mn-cs"/>
+      </a:defRPr>
+    </a:lvl3pPr>
+    <a:lvl4pPr marL="1371600" algn="l" defTabSz="914400" rtl="0" eaLnBrk="1" latinLnBrk="0" hangingPunct="1">
+      <a:defRPr sz="1200" kern="1200">
+        <a:solidFill>
+          <a:schemeClr val="tx1"/>
+        </a:solidFill>
+        <a:latin typeface="+mn-lt"/>
+        <a:ea typeface="+mn-ea"/>
+        <a:cs typeface="+mn-cs"/>
+      </a:defRPr>
+    </a:lvl4pPr>
+    <a:lvl5pPr marL="1828800" algn="l" defTabSz="914400" rtl="0" eaLnBrk="1" latinLnBrk="0" hangingPunct="1">
+      <a:defRPr sz="1200" kern="1200">
+        <a:solidFill>
+          <a:schemeClr val="tx1"/>
+        </a:solidFill>
+        <a:latin typeface="+mn-lt"/>
+        <a:ea typeface="+mn-ea"/>
+        <a:cs typeface="+mn-cs"/>
+      </a:defRPr>
+    </a:lvl5pPr>
+    <a:lvl6pPr marL="2286000" algn="l" defTabSz="914400" rtl="0" eaLnBrk="1" latinLnBrk="0" hangingPunct="1">
+      <a:defRPr sz="1200" kern="1200">
+        <a:solidFill>
+          <a:schemeClr val="tx1"/>
+        </a:solidFill>
+        <a:latin typeface="+mn-lt"/>
+        <a:ea typeface="+mn-ea"/>
+        <a:cs typeface="+mn-cs"/>
+      </a:defRPr>
+    </a:lvl6pPr>
+    <a:lvl7pPr marL="2743200" algn="l" defTabSz="914400" rtl="0" eaLnBrk="1" latinLnBrk="0" hangingPunct="1">
+      <a:defRPr sz="1200" kern="1200">
+        <a:solidFill>
+          <a:schemeClr val="tx1"/>
+        </a:solidFill>
+        <a:latin typeface="+mn-lt"/>
+        <a:ea typeface="+mn-ea"/>
+        <a:cs typeface="+mn-cs"/>
+      </a:defRPr>
+    </a:lvl7pPr>
+    <a:lvl8pPr marL="3200400" algn="l" defTabSz="914400" rtl="0" eaLnBrk="1" latinLnBrk="0" hangingPunct="1">
+      <a:defRPr sz="1200" kern="1200">
+        <a:solidFill>
+          <a:schemeClr val="tx1"/>
+        </a:solidFill>
+        <a:latin typeface="+mn-lt"/>
+        <a:ea typeface="+mn-ea"/>
+        <a:cs typeface="+mn-cs"/>
+      </a:defRPr>
+    </a:lvl8pPr>
+    <a:lvl9pPr marL="3657600" algn="l" defTabSz="914400" rtl="0" eaLnBrk="1" latinLnBrk="0" hangingPunct="1">
+      <a:defRPr sz="1200" kern="1200">
+        <a:solidFill>
+          <a:schemeClr val="tx1"/>
+        </a:solidFill>
+        <a:latin typeface="+mn-lt"/>
+        <a:ea typeface="+mn-ea"/>
+        <a:cs typeface="+mn-cs"/>
+      </a:defRPr>
+    </a:lvl9pPr>
+  </p:notesStyle>
+</p:notesMaster>
+</file>
+
+<file path=ppt/notesSlides/notesSlide1.xml><?xml version="1.0" encoding="utf-8"?>
+<p:notes xmlns:a="http://schemas.openxmlformats.org/drawingml/2006/main" xmlns:r="http://schemas.openxmlformats.org/officeDocument/2006/relationships" xmlns:p="http://schemas.openxmlformats.org/presentationml/2006/main">
   <p:cSld>
     <p:spTree>
       <p:nvGrpSpPr>
@@ -43,191 +1404,6 @@
       </p:grpSpPr>
       <p:sp>
         <p:nvSpPr>
-          <p:cNvPr id="210" name="PlaceHolder 1"/>
-          <p:cNvSpPr>
-            <a:spLocks noGrp="1"/>
-          </p:cNvSpPr>
-          <p:nvPr>
-            <p:ph type="body"/>
-          </p:nvPr>
-        </p:nvSpPr>
-        <p:spPr>
-          <a:xfrm>
-            <a:off x="756000" y="5078520"/>
-            <a:ext cx="6047640" cy="4811040"/>
-          </a:xfrm>
-          <a:prstGeom prst="rect">
-            <a:avLst/>
-          </a:prstGeom>
-        </p:spPr>
-        <p:txBody>
-          <a:bodyPr lIns="0" rIns="0" tIns="0" bIns="0"/>
-          <a:p>
-            <a:r>
-              <a:rPr lang="de-DE" sz="2000">
-                <a:latin typeface="Arial"/>
-              </a:rPr>
-              <a:t>Click to edit the notes format</a:t>
-            </a:r>
-            <a:endParaRPr/>
-          </a:p>
-        </p:txBody>
-      </p:sp>
-      <p:sp>
-        <p:nvSpPr>
-          <p:cNvPr id="211" name="PlaceHolder 2"/>
-          <p:cNvSpPr>
-            <a:spLocks noGrp="1"/>
-          </p:cNvSpPr>
-          <p:nvPr>
-            <p:ph type="hdr"/>
-          </p:nvPr>
-        </p:nvSpPr>
-        <p:spPr>
-          <a:xfrm>
-            <a:off x="0" y="0"/>
-            <a:ext cx="3280680" cy="534240"/>
-          </a:xfrm>
-          <a:prstGeom prst="rect">
-            <a:avLst/>
-          </a:prstGeom>
-        </p:spPr>
-        <p:txBody>
-          <a:bodyPr lIns="0" rIns="0" tIns="0" bIns="0"/>
-          <a:p>
-            <a:r>
-              <a:rPr lang="de-DE" sz="1400">
-                <a:latin typeface="Times New Roman"/>
-              </a:rPr>
-              <a:t>&lt;header&gt;</a:t>
-            </a:r>
-            <a:endParaRPr/>
-          </a:p>
-        </p:txBody>
-      </p:sp>
-      <p:sp>
-        <p:nvSpPr>
-          <p:cNvPr id="212" name="PlaceHolder 3"/>
-          <p:cNvSpPr>
-            <a:spLocks noGrp="1"/>
-          </p:cNvSpPr>
-          <p:nvPr>
-            <p:ph type="dt"/>
-          </p:nvPr>
-        </p:nvSpPr>
-        <p:spPr>
-          <a:xfrm>
-            <a:off x="4278960" y="0"/>
-            <a:ext cx="3280680" cy="534240"/>
-          </a:xfrm>
-          <a:prstGeom prst="rect">
-            <a:avLst/>
-          </a:prstGeom>
-        </p:spPr>
-        <p:txBody>
-          <a:bodyPr lIns="0" rIns="0" tIns="0" bIns="0"/>
-          <a:p>
-            <a:pPr algn="r"/>
-            <a:r>
-              <a:rPr lang="de-DE" sz="1400">
-                <a:latin typeface="Times New Roman"/>
-              </a:rPr>
-              <a:t>&lt;date/time&gt;</a:t>
-            </a:r>
-            <a:endParaRPr/>
-          </a:p>
-        </p:txBody>
-      </p:sp>
-      <p:sp>
-        <p:nvSpPr>
-          <p:cNvPr id="213" name="PlaceHolder 4"/>
-          <p:cNvSpPr>
-            <a:spLocks noGrp="1"/>
-          </p:cNvSpPr>
-          <p:nvPr>
-            <p:ph type="ftr"/>
-          </p:nvPr>
-        </p:nvSpPr>
-        <p:spPr>
-          <a:xfrm>
-            <a:off x="0" y="10157400"/>
-            <a:ext cx="3280680" cy="534240"/>
-          </a:xfrm>
-          <a:prstGeom prst="rect">
-            <a:avLst/>
-          </a:prstGeom>
-        </p:spPr>
-        <p:txBody>
-          <a:bodyPr lIns="0" rIns="0" tIns="0" bIns="0" anchor="b"/>
-          <a:p>
-            <a:r>
-              <a:rPr lang="de-DE" sz="1400">
-                <a:latin typeface="Times New Roman"/>
-              </a:rPr>
-              <a:t>&lt;footer&gt;</a:t>
-            </a:r>
-            <a:endParaRPr/>
-          </a:p>
-        </p:txBody>
-      </p:sp>
-      <p:sp>
-        <p:nvSpPr>
-          <p:cNvPr id="214" name="PlaceHolder 5"/>
-          <p:cNvSpPr>
-            <a:spLocks noGrp="1"/>
-          </p:cNvSpPr>
-          <p:nvPr>
-            <p:ph type="sldNum"/>
-          </p:nvPr>
-        </p:nvSpPr>
-        <p:spPr>
-          <a:xfrm>
-            <a:off x="4278960" y="10157400"/>
-            <a:ext cx="3280680" cy="534240"/>
-          </a:xfrm>
-          <a:prstGeom prst="rect">
-            <a:avLst/>
-          </a:prstGeom>
-        </p:spPr>
-        <p:txBody>
-          <a:bodyPr lIns="0" rIns="0" tIns="0" bIns="0" anchor="b"/>
-          <a:p>
-            <a:pPr algn="r"/>
-            <a:fld id="{C838E393-860F-443D-A411-CAE2355E98CC}" type="slidenum">
-              <a:rPr lang="de-DE" sz="1400">
-                <a:latin typeface="Times New Roman"/>
-              </a:rPr>
-              <a:t>&lt;number&gt;</a:t>
-            </a:fld>
-            <a:endParaRPr/>
-          </a:p>
-        </p:txBody>
-      </p:sp>
-    </p:spTree>
-  </p:cSld>
-  <p:clrMap bg1="lt1" bg2="lt2" tx1="dk1" tx2="dk2" accent1="accent1" accent2="accent2" accent3="accent3" accent4="accent4" accent5="accent5" accent6="accent6" hlink="hlink" folHlink="folHlink"/>
-</p:notesMaster>
-</file>
-
-<file path=ppt/notesSlides/notesSlide2.xml><?xml version="1.0" encoding="utf-8"?>
-<p:notes xmlns:a="http://schemas.openxmlformats.org/drawingml/2006/main" xmlns:p="http://schemas.openxmlformats.org/presentationml/2006/main" xmlns:r="http://schemas.openxmlformats.org/officeDocument/2006/relationships">
-  <p:cSld>
-    <p:spTree>
-      <p:nvGrpSpPr>
-        <p:cNvPr id="1" name=""/>
-        <p:cNvGrpSpPr/>
-        <p:nvPr/>
-      </p:nvGrpSpPr>
-      <p:grpSpPr>
-        <a:xfrm>
-          <a:off x="0" y="0"/>
-          <a:ext cx="0" cy="0"/>
-          <a:chOff x="0" y="0"/>
-          <a:chExt cx="0" cy="0"/>
-        </a:xfrm>
-      </p:grpSpPr>
-      <p:sp>
-        <p:nvSpPr>
           <p:cNvPr id="239" name="PlaceHolder 1"/>
           <p:cNvSpPr>
             <a:spLocks noGrp="1"/>
@@ -247,6 +1423,7 @@
         </p:spPr>
         <p:txBody>
           <a:bodyPr/>
+          <a:lstStyle/>
           <a:p>
             <a:endParaRPr/>
           </a:p>
@@ -269,6 +1446,7 @@
         </p:spPr>
         <p:txBody>
           <a:bodyPr anchor="b"/>
+          <a:lstStyle/>
           <a:p>
             <a:pPr algn="r">
               <a:lnSpc>
@@ -283,7 +1461,7 @@
                 <a:latin typeface="+mn-lt"/>
                 <a:ea typeface="+mn-ea"/>
               </a:rPr>
-              <a:t>&lt;number&gt;</a:t>
+              <a:t>2</a:t>
             </a:fld>
             <a:endParaRPr/>
           </a:p>
@@ -291,11 +1469,14 @@
       </p:sp>
     </p:spTree>
   </p:cSld>
+  <p:clrMapOvr>
+    <a:masterClrMapping/>
+  </p:clrMapOvr>
 </p:notes>
 </file>
 
 <file path=ppt/slideLayouts/slideLayout1.xml><?xml version="1.0" encoding="utf-8"?>
-<p:sldLayout xmlns:a="http://schemas.openxmlformats.org/drawingml/2006/main" xmlns:p="http://schemas.openxmlformats.org/presentationml/2006/main" xmlns:r="http://schemas.openxmlformats.org/officeDocument/2006/relationships" type="blank" preserve="1">
+<p:sldLayout xmlns:a="http://schemas.openxmlformats.org/drawingml/2006/main" xmlns:r="http://schemas.openxmlformats.org/officeDocument/2006/relationships" xmlns:p="http://schemas.openxmlformats.org/presentationml/2006/main" type="blank" preserve="1">
   <p:cSld name="Blank Slide">
     <p:spTree>
       <p:nvGrpSpPr>
@@ -313,11 +1494,14 @@
       </p:grpSpPr>
     </p:spTree>
   </p:cSld>
+  <p:clrMapOvr>
+    <a:masterClrMapping/>
+  </p:clrMapOvr>
 </p:sldLayout>
 </file>
 
 <file path=ppt/slideLayouts/slideLayout10.xml><?xml version="1.0" encoding="utf-8"?>
-<p:sldLayout xmlns:a="http://schemas.openxmlformats.org/drawingml/2006/main" xmlns:p="http://schemas.openxmlformats.org/presentationml/2006/main" xmlns:r="http://schemas.openxmlformats.org/officeDocument/2006/relationships" type="objOverTx" preserve="1">
+<p:sldLayout xmlns:a="http://schemas.openxmlformats.org/drawingml/2006/main" xmlns:r="http://schemas.openxmlformats.org/officeDocument/2006/relationships" xmlns:p="http://schemas.openxmlformats.org/presentationml/2006/main" type="objOverTx" preserve="1">
   <p:cSld name="Title, Content over Content">
     <p:spTree>
       <p:nvGrpSpPr>
@@ -353,7 +1537,8 @@
           </a:prstGeom>
         </p:spPr>
         <p:txBody>
-          <a:bodyPr lIns="0" rIns="0" tIns="0" bIns="0" anchor="ctr"/>
+          <a:bodyPr lIns="0" tIns="0" rIns="0" bIns="0" anchor="ctr"/>
+          <a:lstStyle/>
           <a:p>
             <a:endParaRPr/>
           </a:p>
@@ -379,7 +1564,8 @@
           </a:prstGeom>
         </p:spPr>
         <p:txBody>
-          <a:bodyPr lIns="0" rIns="0" tIns="0" bIns="0"/>
+          <a:bodyPr lIns="0" tIns="0" rIns="0" bIns="0"/>
+          <a:lstStyle/>
           <a:p>
             <a:endParaRPr/>
           </a:p>
@@ -405,7 +1591,8 @@
           </a:prstGeom>
         </p:spPr>
         <p:txBody>
-          <a:bodyPr lIns="0" rIns="0" tIns="0" bIns="0"/>
+          <a:bodyPr lIns="0" tIns="0" rIns="0" bIns="0"/>
+          <a:lstStyle/>
           <a:p>
             <a:endParaRPr/>
           </a:p>
@@ -413,11 +1600,14 @@
       </p:sp>
     </p:spTree>
   </p:cSld>
+  <p:clrMapOvr>
+    <a:masterClrMapping/>
+  </p:clrMapOvr>
 </p:sldLayout>
 </file>
 
 <file path=ppt/slideLayouts/slideLayout11.xml><?xml version="1.0" encoding="utf-8"?>
-<p:sldLayout xmlns:a="http://schemas.openxmlformats.org/drawingml/2006/main" xmlns:p="http://schemas.openxmlformats.org/presentationml/2006/main" xmlns:r="http://schemas.openxmlformats.org/officeDocument/2006/relationships" type="fourObj" preserve="1">
+<p:sldLayout xmlns:a="http://schemas.openxmlformats.org/drawingml/2006/main" xmlns:r="http://schemas.openxmlformats.org/officeDocument/2006/relationships" xmlns:p="http://schemas.openxmlformats.org/presentationml/2006/main" type="fourObj" preserve="1">
   <p:cSld name="Title, 4 Content">
     <p:spTree>
       <p:nvGrpSpPr>
@@ -453,7 +1643,8 @@
           </a:prstGeom>
         </p:spPr>
         <p:txBody>
-          <a:bodyPr lIns="0" rIns="0" tIns="0" bIns="0" anchor="ctr"/>
+          <a:bodyPr lIns="0" tIns="0" rIns="0" bIns="0" anchor="ctr"/>
+          <a:lstStyle/>
           <a:p>
             <a:endParaRPr/>
           </a:p>
@@ -479,7 +1670,8 @@
           </a:prstGeom>
         </p:spPr>
         <p:txBody>
-          <a:bodyPr lIns="0" rIns="0" tIns="0" bIns="0"/>
+          <a:bodyPr lIns="0" tIns="0" rIns="0" bIns="0"/>
+          <a:lstStyle/>
           <a:p>
             <a:endParaRPr/>
           </a:p>
@@ -505,7 +1697,8 @@
           </a:prstGeom>
         </p:spPr>
         <p:txBody>
-          <a:bodyPr lIns="0" rIns="0" tIns="0" bIns="0"/>
+          <a:bodyPr lIns="0" tIns="0" rIns="0" bIns="0"/>
+          <a:lstStyle/>
           <a:p>
             <a:endParaRPr/>
           </a:p>
@@ -531,7 +1724,8 @@
           </a:prstGeom>
         </p:spPr>
         <p:txBody>
-          <a:bodyPr lIns="0" rIns="0" tIns="0" bIns="0"/>
+          <a:bodyPr lIns="0" tIns="0" rIns="0" bIns="0"/>
+          <a:lstStyle/>
           <a:p>
             <a:endParaRPr/>
           </a:p>
@@ -557,7 +1751,8 @@
           </a:prstGeom>
         </p:spPr>
         <p:txBody>
-          <a:bodyPr lIns="0" rIns="0" tIns="0" bIns="0"/>
+          <a:bodyPr lIns="0" tIns="0" rIns="0" bIns="0"/>
+          <a:lstStyle/>
           <a:p>
             <a:endParaRPr/>
           </a:p>
@@ -565,11 +1760,14 @@
       </p:sp>
     </p:spTree>
   </p:cSld>
+  <p:clrMapOvr>
+    <a:masterClrMapping/>
+  </p:clrMapOvr>
 </p:sldLayout>
 </file>
 
 <file path=ppt/slideLayouts/slideLayout12.xml><?xml version="1.0" encoding="utf-8"?>
-<p:sldLayout xmlns:a="http://schemas.openxmlformats.org/drawingml/2006/main" xmlns:p="http://schemas.openxmlformats.org/presentationml/2006/main" xmlns:r="http://schemas.openxmlformats.org/officeDocument/2006/relationships" type="blank" preserve="1">
+<p:sldLayout xmlns:a="http://schemas.openxmlformats.org/drawingml/2006/main" xmlns:r="http://schemas.openxmlformats.org/officeDocument/2006/relationships" xmlns:p="http://schemas.openxmlformats.org/presentationml/2006/main" type="blank" preserve="1">
   <p:cSld name="Title, 6 Content">
     <p:spTree>
       <p:nvGrpSpPr>
@@ -605,7 +1803,8 @@
           </a:prstGeom>
         </p:spPr>
         <p:txBody>
-          <a:bodyPr lIns="0" rIns="0" tIns="0" bIns="0" anchor="ctr"/>
+          <a:bodyPr lIns="0" tIns="0" rIns="0" bIns="0" anchor="ctr"/>
+          <a:lstStyle/>
           <a:p>
             <a:endParaRPr/>
           </a:p>
@@ -631,7 +1830,8 @@
           </a:prstGeom>
         </p:spPr>
         <p:txBody>
-          <a:bodyPr lIns="0" rIns="0" tIns="0" bIns="0"/>
+          <a:bodyPr lIns="0" tIns="0" rIns="0" bIns="0"/>
+          <a:lstStyle/>
           <a:p>
             <a:endParaRPr/>
           </a:p>
@@ -657,7 +1857,8 @@
           </a:prstGeom>
         </p:spPr>
         <p:txBody>
-          <a:bodyPr lIns="0" rIns="0" tIns="0" bIns="0"/>
+          <a:bodyPr lIns="0" tIns="0" rIns="0" bIns="0"/>
+          <a:lstStyle/>
           <a:p>
             <a:endParaRPr/>
           </a:p>
@@ -665,7 +1866,7 @@
       </p:sp>
       <p:pic>
         <p:nvPicPr>
-          <p:cNvPr id="125" name="" descr=""/>
+          <p:cNvPr id="125" name="图片 124"/>
           <p:cNvPicPr/>
           <p:nvPr/>
         </p:nvPicPr>
@@ -690,12 +1891,12 @@
       </p:pic>
       <p:pic>
         <p:nvPicPr>
-          <p:cNvPr id="126" name="" descr=""/>
+          <p:cNvPr id="126" name="图片 125"/>
           <p:cNvPicPr/>
           <p:nvPr/>
         </p:nvPicPr>
         <p:blipFill>
-          <a:blip r:embed="rId3"/>
+          <a:blip r:embed="rId2"/>
           <a:stretch>
             <a:fillRect/>
           </a:stretch>
@@ -715,11 +1916,14 @@
       </p:pic>
     </p:spTree>
   </p:cSld>
+  <p:clrMapOvr>
+    <a:masterClrMapping/>
+  </p:clrMapOvr>
 </p:sldLayout>
 </file>
 
 <file path=ppt/slideLayouts/slideLayout13.xml><?xml version="1.0" encoding="utf-8"?>
-<p:sldLayout xmlns:a="http://schemas.openxmlformats.org/drawingml/2006/main" xmlns:p="http://schemas.openxmlformats.org/presentationml/2006/main" xmlns:r="http://schemas.openxmlformats.org/officeDocument/2006/relationships" type="blank" preserve="1">
+<p:sldLayout xmlns:a="http://schemas.openxmlformats.org/drawingml/2006/main" xmlns:r="http://schemas.openxmlformats.org/officeDocument/2006/relationships" xmlns:p="http://schemas.openxmlformats.org/presentationml/2006/main" type="blank" preserve="1">
   <p:cSld name="Blank Slide">
     <p:spTree>
       <p:nvGrpSpPr>
@@ -737,11 +1941,14 @@
       </p:grpSpPr>
     </p:spTree>
   </p:cSld>
+  <p:clrMapOvr>
+    <a:masterClrMapping/>
+  </p:clrMapOvr>
 </p:sldLayout>
 </file>
 
 <file path=ppt/slideLayouts/slideLayout14.xml><?xml version="1.0" encoding="utf-8"?>
-<p:sldLayout xmlns:a="http://schemas.openxmlformats.org/drawingml/2006/main" xmlns:p="http://schemas.openxmlformats.org/presentationml/2006/main" xmlns:r="http://schemas.openxmlformats.org/officeDocument/2006/relationships" type="tx" preserve="1">
+<p:sldLayout xmlns:a="http://schemas.openxmlformats.org/drawingml/2006/main" xmlns:r="http://schemas.openxmlformats.org/officeDocument/2006/relationships" xmlns:p="http://schemas.openxmlformats.org/presentationml/2006/main" type="tx" preserve="1">
   <p:cSld name="Title Slide">
     <p:spTree>
       <p:nvGrpSpPr>
@@ -777,7 +1984,8 @@
           </a:prstGeom>
         </p:spPr>
         <p:txBody>
-          <a:bodyPr lIns="0" rIns="0" tIns="0" bIns="0" anchor="ctr"/>
+          <a:bodyPr lIns="0" tIns="0" rIns="0" bIns="0" anchor="ctr"/>
+          <a:lstStyle/>
           <a:p>
             <a:endParaRPr/>
           </a:p>
@@ -803,7 +2011,8 @@
           </a:prstGeom>
         </p:spPr>
         <p:txBody>
-          <a:bodyPr lIns="0" rIns="0" tIns="0" bIns="0" anchor="ctr"/>
+          <a:bodyPr lIns="0" tIns="0" rIns="0" bIns="0" anchor="ctr"/>
+          <a:lstStyle/>
           <a:p>
             <a:pPr algn="ctr"/>
             <a:endParaRPr/>
@@ -812,11 +2021,14 @@
       </p:sp>
     </p:spTree>
   </p:cSld>
+  <p:clrMapOvr>
+    <a:masterClrMapping/>
+  </p:clrMapOvr>
 </p:sldLayout>
 </file>
 
 <file path=ppt/slideLayouts/slideLayout15.xml><?xml version="1.0" encoding="utf-8"?>
-<p:sldLayout xmlns:a="http://schemas.openxmlformats.org/drawingml/2006/main" xmlns:p="http://schemas.openxmlformats.org/presentationml/2006/main" xmlns:r="http://schemas.openxmlformats.org/officeDocument/2006/relationships" type="obj" preserve="1">
+<p:sldLayout xmlns:a="http://schemas.openxmlformats.org/drawingml/2006/main" xmlns:r="http://schemas.openxmlformats.org/officeDocument/2006/relationships" xmlns:p="http://schemas.openxmlformats.org/presentationml/2006/main" type="obj" preserve="1">
   <p:cSld name="Title, Content">
     <p:spTree>
       <p:nvGrpSpPr>
@@ -852,7 +2064,8 @@
           </a:prstGeom>
         </p:spPr>
         <p:txBody>
-          <a:bodyPr lIns="0" rIns="0" tIns="0" bIns="0" anchor="ctr"/>
+          <a:bodyPr lIns="0" tIns="0" rIns="0" bIns="0" anchor="ctr"/>
+          <a:lstStyle/>
           <a:p>
             <a:endParaRPr/>
           </a:p>
@@ -878,7 +2091,8 @@
           </a:prstGeom>
         </p:spPr>
         <p:txBody>
-          <a:bodyPr lIns="0" rIns="0" tIns="0" bIns="0"/>
+          <a:bodyPr lIns="0" tIns="0" rIns="0" bIns="0"/>
+          <a:lstStyle/>
           <a:p>
             <a:endParaRPr/>
           </a:p>
@@ -886,11 +2100,14 @@
       </p:sp>
     </p:spTree>
   </p:cSld>
+  <p:clrMapOvr>
+    <a:masterClrMapping/>
+  </p:clrMapOvr>
 </p:sldLayout>
 </file>
 
 <file path=ppt/slideLayouts/slideLayout16.xml><?xml version="1.0" encoding="utf-8"?>
-<p:sldLayout xmlns:a="http://schemas.openxmlformats.org/drawingml/2006/main" xmlns:p="http://schemas.openxmlformats.org/presentationml/2006/main" xmlns:r="http://schemas.openxmlformats.org/officeDocument/2006/relationships" type="twoObj" preserve="1">
+<p:sldLayout xmlns:a="http://schemas.openxmlformats.org/drawingml/2006/main" xmlns:r="http://schemas.openxmlformats.org/officeDocument/2006/relationships" xmlns:p="http://schemas.openxmlformats.org/presentationml/2006/main" type="twoObj" preserve="1">
   <p:cSld name="Title, 2 Content">
     <p:spTree>
       <p:nvGrpSpPr>
@@ -926,7 +2143,8 @@
           </a:prstGeom>
         </p:spPr>
         <p:txBody>
-          <a:bodyPr lIns="0" rIns="0" tIns="0" bIns="0" anchor="ctr"/>
+          <a:bodyPr lIns="0" tIns="0" rIns="0" bIns="0" anchor="ctr"/>
+          <a:lstStyle/>
           <a:p>
             <a:endParaRPr/>
           </a:p>
@@ -952,7 +2170,8 @@
           </a:prstGeom>
         </p:spPr>
         <p:txBody>
-          <a:bodyPr lIns="0" rIns="0" tIns="0" bIns="0"/>
+          <a:bodyPr lIns="0" tIns="0" rIns="0" bIns="0"/>
+          <a:lstStyle/>
           <a:p>
             <a:endParaRPr/>
           </a:p>
@@ -978,7 +2197,8 @@
           </a:prstGeom>
         </p:spPr>
         <p:txBody>
-          <a:bodyPr lIns="0" rIns="0" tIns="0" bIns="0"/>
+          <a:bodyPr lIns="0" tIns="0" rIns="0" bIns="0"/>
+          <a:lstStyle/>
           <a:p>
             <a:endParaRPr/>
           </a:p>
@@ -986,11 +2206,14 @@
       </p:sp>
     </p:spTree>
   </p:cSld>
+  <p:clrMapOvr>
+    <a:masterClrMapping/>
+  </p:clrMapOvr>
 </p:sldLayout>
 </file>
 
 <file path=ppt/slideLayouts/slideLayout17.xml><?xml version="1.0" encoding="utf-8"?>
-<p:sldLayout xmlns:a="http://schemas.openxmlformats.org/drawingml/2006/main" xmlns:p="http://schemas.openxmlformats.org/presentationml/2006/main" xmlns:r="http://schemas.openxmlformats.org/officeDocument/2006/relationships" type="titleOnly" preserve="1">
+<p:sldLayout xmlns:a="http://schemas.openxmlformats.org/drawingml/2006/main" xmlns:r="http://schemas.openxmlformats.org/officeDocument/2006/relationships" xmlns:p="http://schemas.openxmlformats.org/presentationml/2006/main" type="titleOnly" preserve="1">
   <p:cSld name="Title Only">
     <p:spTree>
       <p:nvGrpSpPr>
@@ -1026,7 +2249,8 @@
           </a:prstGeom>
         </p:spPr>
         <p:txBody>
-          <a:bodyPr lIns="0" rIns="0" tIns="0" bIns="0" anchor="ctr"/>
+          <a:bodyPr lIns="0" tIns="0" rIns="0" bIns="0" anchor="ctr"/>
+          <a:lstStyle/>
           <a:p>
             <a:endParaRPr/>
           </a:p>
@@ -1034,11 +2258,14 @@
       </p:sp>
     </p:spTree>
   </p:cSld>
+  <p:clrMapOvr>
+    <a:masterClrMapping/>
+  </p:clrMapOvr>
 </p:sldLayout>
 </file>
 
 <file path=ppt/slideLayouts/slideLayout18.xml><?xml version="1.0" encoding="utf-8"?>
-<p:sldLayout xmlns:a="http://schemas.openxmlformats.org/drawingml/2006/main" xmlns:p="http://schemas.openxmlformats.org/presentationml/2006/main" xmlns:r="http://schemas.openxmlformats.org/officeDocument/2006/relationships" type="objOnly" preserve="1">
+<p:sldLayout xmlns:a="http://schemas.openxmlformats.org/drawingml/2006/main" xmlns:r="http://schemas.openxmlformats.org/officeDocument/2006/relationships" xmlns:p="http://schemas.openxmlformats.org/presentationml/2006/main" type="objOnly" preserve="1">
   <p:cSld name="Centered Text">
     <p:spTree>
       <p:nvGrpSpPr>
@@ -1074,7 +2301,8 @@
           </a:prstGeom>
         </p:spPr>
         <p:txBody>
-          <a:bodyPr lIns="0" rIns="0" tIns="0" bIns="0" anchor="ctr"/>
+          <a:bodyPr lIns="0" tIns="0" rIns="0" bIns="0" anchor="ctr"/>
+          <a:lstStyle/>
           <a:p>
             <a:pPr algn="ctr"/>
             <a:endParaRPr/>
@@ -1083,11 +2311,14 @@
       </p:sp>
     </p:spTree>
   </p:cSld>
+  <p:clrMapOvr>
+    <a:masterClrMapping/>
+  </p:clrMapOvr>
 </p:sldLayout>
 </file>
 
 <file path=ppt/slideLayouts/slideLayout19.xml><?xml version="1.0" encoding="utf-8"?>
-<p:sldLayout xmlns:a="http://schemas.openxmlformats.org/drawingml/2006/main" xmlns:p="http://schemas.openxmlformats.org/presentationml/2006/main" xmlns:r="http://schemas.openxmlformats.org/officeDocument/2006/relationships" type="twoObjAndObj" preserve="1">
+<p:sldLayout xmlns:a="http://schemas.openxmlformats.org/drawingml/2006/main" xmlns:r="http://schemas.openxmlformats.org/officeDocument/2006/relationships" xmlns:p="http://schemas.openxmlformats.org/presentationml/2006/main" type="twoObjAndObj" preserve="1">
   <p:cSld name="Title, 2 Content and Content">
     <p:spTree>
       <p:nvGrpSpPr>
@@ -1123,7 +2354,8 @@
           </a:prstGeom>
         </p:spPr>
         <p:txBody>
-          <a:bodyPr lIns="0" rIns="0" tIns="0" bIns="0" anchor="ctr"/>
+          <a:bodyPr lIns="0" tIns="0" rIns="0" bIns="0" anchor="ctr"/>
+          <a:lstStyle/>
           <a:p>
             <a:endParaRPr/>
           </a:p>
@@ -1149,7 +2381,8 @@
           </a:prstGeom>
         </p:spPr>
         <p:txBody>
-          <a:bodyPr lIns="0" rIns="0" tIns="0" bIns="0"/>
+          <a:bodyPr lIns="0" tIns="0" rIns="0" bIns="0"/>
+          <a:lstStyle/>
           <a:p>
             <a:endParaRPr/>
           </a:p>
@@ -1175,7 +2408,8 @@
           </a:prstGeom>
         </p:spPr>
         <p:txBody>
-          <a:bodyPr lIns="0" rIns="0" tIns="0" bIns="0"/>
+          <a:bodyPr lIns="0" tIns="0" rIns="0" bIns="0"/>
+          <a:lstStyle/>
           <a:p>
             <a:endParaRPr/>
           </a:p>
@@ -1201,7 +2435,8 @@
           </a:prstGeom>
         </p:spPr>
         <p:txBody>
-          <a:bodyPr lIns="0" rIns="0" tIns="0" bIns="0"/>
+          <a:bodyPr lIns="0" tIns="0" rIns="0" bIns="0"/>
+          <a:lstStyle/>
           <a:p>
             <a:endParaRPr/>
           </a:p>
@@ -1209,11 +2444,14 @@
       </p:sp>
     </p:spTree>
   </p:cSld>
+  <p:clrMapOvr>
+    <a:masterClrMapping/>
+  </p:clrMapOvr>
 </p:sldLayout>
 </file>
 
 <file path=ppt/slideLayouts/slideLayout2.xml><?xml version="1.0" encoding="utf-8"?>
-<p:sldLayout xmlns:a="http://schemas.openxmlformats.org/drawingml/2006/main" xmlns:p="http://schemas.openxmlformats.org/presentationml/2006/main" xmlns:r="http://schemas.openxmlformats.org/officeDocument/2006/relationships" type="tx" preserve="1">
+<p:sldLayout xmlns:a="http://schemas.openxmlformats.org/drawingml/2006/main" xmlns:r="http://schemas.openxmlformats.org/officeDocument/2006/relationships" xmlns:p="http://schemas.openxmlformats.org/presentationml/2006/main" type="tx" preserve="1">
   <p:cSld name="Title Slide">
     <p:spTree>
       <p:nvGrpSpPr>
@@ -1249,7 +2487,8 @@
           </a:prstGeom>
         </p:spPr>
         <p:txBody>
-          <a:bodyPr lIns="0" rIns="0" tIns="0" bIns="0" anchor="ctr"/>
+          <a:bodyPr lIns="0" tIns="0" rIns="0" bIns="0" anchor="ctr"/>
+          <a:lstStyle/>
           <a:p>
             <a:endParaRPr/>
           </a:p>
@@ -1275,7 +2514,8 @@
           </a:prstGeom>
         </p:spPr>
         <p:txBody>
-          <a:bodyPr lIns="0" rIns="0" tIns="0" bIns="0" anchor="ctr"/>
+          <a:bodyPr lIns="0" tIns="0" rIns="0" bIns="0" anchor="ctr"/>
+          <a:lstStyle/>
           <a:p>
             <a:pPr algn="ctr"/>
             <a:endParaRPr/>
@@ -1284,11 +2524,14 @@
       </p:sp>
     </p:spTree>
   </p:cSld>
+  <p:clrMapOvr>
+    <a:masterClrMapping/>
+  </p:clrMapOvr>
 </p:sldLayout>
 </file>
 
 <file path=ppt/slideLayouts/slideLayout20.xml><?xml version="1.0" encoding="utf-8"?>
-<p:sldLayout xmlns:a="http://schemas.openxmlformats.org/drawingml/2006/main" xmlns:p="http://schemas.openxmlformats.org/presentationml/2006/main" xmlns:r="http://schemas.openxmlformats.org/officeDocument/2006/relationships" type="objAndTwoObj" preserve="1">
+<p:sldLayout xmlns:a="http://schemas.openxmlformats.org/drawingml/2006/main" xmlns:r="http://schemas.openxmlformats.org/officeDocument/2006/relationships" xmlns:p="http://schemas.openxmlformats.org/presentationml/2006/main" type="objAndTwoObj" preserve="1">
   <p:cSld name="Title Content and 2 Content">
     <p:spTree>
       <p:nvGrpSpPr>
@@ -1324,7 +2567,8 @@
           </a:prstGeom>
         </p:spPr>
         <p:txBody>
-          <a:bodyPr lIns="0" rIns="0" tIns="0" bIns="0" anchor="ctr"/>
+          <a:bodyPr lIns="0" tIns="0" rIns="0" bIns="0" anchor="ctr"/>
+          <a:lstStyle/>
           <a:p>
             <a:endParaRPr/>
           </a:p>
@@ -1350,7 +2594,8 @@
           </a:prstGeom>
         </p:spPr>
         <p:txBody>
-          <a:bodyPr lIns="0" rIns="0" tIns="0" bIns="0"/>
+          <a:bodyPr lIns="0" tIns="0" rIns="0" bIns="0"/>
+          <a:lstStyle/>
           <a:p>
             <a:endParaRPr/>
           </a:p>
@@ -1376,7 +2621,8 @@
           </a:prstGeom>
         </p:spPr>
         <p:txBody>
-          <a:bodyPr lIns="0" rIns="0" tIns="0" bIns="0"/>
+          <a:bodyPr lIns="0" tIns="0" rIns="0" bIns="0"/>
+          <a:lstStyle/>
           <a:p>
             <a:endParaRPr/>
           </a:p>
@@ -1402,7 +2648,8 @@
           </a:prstGeom>
         </p:spPr>
         <p:txBody>
-          <a:bodyPr lIns="0" rIns="0" tIns="0" bIns="0"/>
+          <a:bodyPr lIns="0" tIns="0" rIns="0" bIns="0"/>
+          <a:lstStyle/>
           <a:p>
             <a:endParaRPr/>
           </a:p>
@@ -1410,11 +2657,14 @@
       </p:sp>
     </p:spTree>
   </p:cSld>
+  <p:clrMapOvr>
+    <a:masterClrMapping/>
+  </p:clrMapOvr>
 </p:sldLayout>
 </file>
 
 <file path=ppt/slideLayouts/slideLayout21.xml><?xml version="1.0" encoding="utf-8"?>
-<p:sldLayout xmlns:a="http://schemas.openxmlformats.org/drawingml/2006/main" xmlns:p="http://schemas.openxmlformats.org/presentationml/2006/main" xmlns:r="http://schemas.openxmlformats.org/officeDocument/2006/relationships" type="twoObjOverTx" preserve="1">
+<p:sldLayout xmlns:a="http://schemas.openxmlformats.org/drawingml/2006/main" xmlns:r="http://schemas.openxmlformats.org/officeDocument/2006/relationships" xmlns:p="http://schemas.openxmlformats.org/presentationml/2006/main" type="twoObjOverTx" preserve="1">
   <p:cSld name="Title, 2 Content over Content">
     <p:spTree>
       <p:nvGrpSpPr>
@@ -1450,7 +2700,8 @@
           </a:prstGeom>
         </p:spPr>
         <p:txBody>
-          <a:bodyPr lIns="0" rIns="0" tIns="0" bIns="0" anchor="ctr"/>
+          <a:bodyPr lIns="0" tIns="0" rIns="0" bIns="0" anchor="ctr"/>
+          <a:lstStyle/>
           <a:p>
             <a:endParaRPr/>
           </a:p>
@@ -1476,7 +2727,8 @@
           </a:prstGeom>
         </p:spPr>
         <p:txBody>
-          <a:bodyPr lIns="0" rIns="0" tIns="0" bIns="0"/>
+          <a:bodyPr lIns="0" tIns="0" rIns="0" bIns="0"/>
+          <a:lstStyle/>
           <a:p>
             <a:endParaRPr/>
           </a:p>
@@ -1502,7 +2754,8 @@
           </a:prstGeom>
         </p:spPr>
         <p:txBody>
-          <a:bodyPr lIns="0" rIns="0" tIns="0" bIns="0"/>
+          <a:bodyPr lIns="0" tIns="0" rIns="0" bIns="0"/>
+          <a:lstStyle/>
           <a:p>
             <a:endParaRPr/>
           </a:p>
@@ -1528,7 +2781,8 @@
           </a:prstGeom>
         </p:spPr>
         <p:txBody>
-          <a:bodyPr lIns="0" rIns="0" tIns="0" bIns="0"/>
+          <a:bodyPr lIns="0" tIns="0" rIns="0" bIns="0"/>
+          <a:lstStyle/>
           <a:p>
             <a:endParaRPr/>
           </a:p>
@@ -1536,11 +2790,14 @@
       </p:sp>
     </p:spTree>
   </p:cSld>
+  <p:clrMapOvr>
+    <a:masterClrMapping/>
+  </p:clrMapOvr>
 </p:sldLayout>
 </file>
 
 <file path=ppt/slideLayouts/slideLayout22.xml><?xml version="1.0" encoding="utf-8"?>
-<p:sldLayout xmlns:a="http://schemas.openxmlformats.org/drawingml/2006/main" xmlns:p="http://schemas.openxmlformats.org/presentationml/2006/main" xmlns:r="http://schemas.openxmlformats.org/officeDocument/2006/relationships" type="objOverTx" preserve="1">
+<p:sldLayout xmlns:a="http://schemas.openxmlformats.org/drawingml/2006/main" xmlns:r="http://schemas.openxmlformats.org/officeDocument/2006/relationships" xmlns:p="http://schemas.openxmlformats.org/presentationml/2006/main" type="objOverTx" preserve="1">
   <p:cSld name="Title, Content over Content">
     <p:spTree>
       <p:nvGrpSpPr>
@@ -1576,7 +2833,8 @@
           </a:prstGeom>
         </p:spPr>
         <p:txBody>
-          <a:bodyPr lIns="0" rIns="0" tIns="0" bIns="0" anchor="ctr"/>
+          <a:bodyPr lIns="0" tIns="0" rIns="0" bIns="0" anchor="ctr"/>
+          <a:lstStyle/>
           <a:p>
             <a:endParaRPr/>
           </a:p>
@@ -1602,7 +2860,8 @@
           </a:prstGeom>
         </p:spPr>
         <p:txBody>
-          <a:bodyPr lIns="0" rIns="0" tIns="0" bIns="0"/>
+          <a:bodyPr lIns="0" tIns="0" rIns="0" bIns="0"/>
+          <a:lstStyle/>
           <a:p>
             <a:endParaRPr/>
           </a:p>
@@ -1628,7 +2887,8 @@
           </a:prstGeom>
         </p:spPr>
         <p:txBody>
-          <a:bodyPr lIns="0" rIns="0" tIns="0" bIns="0"/>
+          <a:bodyPr lIns="0" tIns="0" rIns="0" bIns="0"/>
+          <a:lstStyle/>
           <a:p>
             <a:endParaRPr/>
           </a:p>
@@ -1636,11 +2896,14 @@
       </p:sp>
     </p:spTree>
   </p:cSld>
+  <p:clrMapOvr>
+    <a:masterClrMapping/>
+  </p:clrMapOvr>
 </p:sldLayout>
 </file>
 
 <file path=ppt/slideLayouts/slideLayout23.xml><?xml version="1.0" encoding="utf-8"?>
-<p:sldLayout xmlns:a="http://schemas.openxmlformats.org/drawingml/2006/main" xmlns:p="http://schemas.openxmlformats.org/presentationml/2006/main" xmlns:r="http://schemas.openxmlformats.org/officeDocument/2006/relationships" type="fourObj" preserve="1">
+<p:sldLayout xmlns:a="http://schemas.openxmlformats.org/drawingml/2006/main" xmlns:r="http://schemas.openxmlformats.org/officeDocument/2006/relationships" xmlns:p="http://schemas.openxmlformats.org/presentationml/2006/main" type="fourObj" preserve="1">
   <p:cSld name="Title, 4 Content">
     <p:spTree>
       <p:nvGrpSpPr>
@@ -1676,7 +2939,8 @@
           </a:prstGeom>
         </p:spPr>
         <p:txBody>
-          <a:bodyPr lIns="0" rIns="0" tIns="0" bIns="0" anchor="ctr"/>
+          <a:bodyPr lIns="0" tIns="0" rIns="0" bIns="0" anchor="ctr"/>
+          <a:lstStyle/>
           <a:p>
             <a:endParaRPr/>
           </a:p>
@@ -1702,7 +2966,8 @@
           </a:prstGeom>
         </p:spPr>
         <p:txBody>
-          <a:bodyPr lIns="0" rIns="0" tIns="0" bIns="0"/>
+          <a:bodyPr lIns="0" tIns="0" rIns="0" bIns="0"/>
+          <a:lstStyle/>
           <a:p>
             <a:endParaRPr/>
           </a:p>
@@ -1728,7 +2993,8 @@
           </a:prstGeom>
         </p:spPr>
         <p:txBody>
-          <a:bodyPr lIns="0" rIns="0" tIns="0" bIns="0"/>
+          <a:bodyPr lIns="0" tIns="0" rIns="0" bIns="0"/>
+          <a:lstStyle/>
           <a:p>
             <a:endParaRPr/>
           </a:p>
@@ -1754,7 +3020,8 @@
           </a:prstGeom>
         </p:spPr>
         <p:txBody>
-          <a:bodyPr lIns="0" rIns="0" tIns="0" bIns="0"/>
+          <a:bodyPr lIns="0" tIns="0" rIns="0" bIns="0"/>
+          <a:lstStyle/>
           <a:p>
             <a:endParaRPr/>
           </a:p>
@@ -1780,7 +3047,8 @@
           </a:prstGeom>
         </p:spPr>
         <p:txBody>
-          <a:bodyPr lIns="0" rIns="0" tIns="0" bIns="0"/>
+          <a:bodyPr lIns="0" tIns="0" rIns="0" bIns="0"/>
+          <a:lstStyle/>
           <a:p>
             <a:endParaRPr/>
           </a:p>
@@ -1788,11 +3056,14 @@
       </p:sp>
     </p:spTree>
   </p:cSld>
+  <p:clrMapOvr>
+    <a:masterClrMapping/>
+  </p:clrMapOvr>
 </p:sldLayout>
 </file>
 
 <file path=ppt/slideLayouts/slideLayout24.xml><?xml version="1.0" encoding="utf-8"?>
-<p:sldLayout xmlns:a="http://schemas.openxmlformats.org/drawingml/2006/main" xmlns:p="http://schemas.openxmlformats.org/presentationml/2006/main" xmlns:r="http://schemas.openxmlformats.org/officeDocument/2006/relationships" type="blank" preserve="1">
+<p:sldLayout xmlns:a="http://schemas.openxmlformats.org/drawingml/2006/main" xmlns:r="http://schemas.openxmlformats.org/officeDocument/2006/relationships" xmlns:p="http://schemas.openxmlformats.org/presentationml/2006/main" type="blank" preserve="1">
   <p:cSld name="Title, 6 Content">
     <p:spTree>
       <p:nvGrpSpPr>
@@ -1828,7 +3099,8 @@
           </a:prstGeom>
         </p:spPr>
         <p:txBody>
-          <a:bodyPr lIns="0" rIns="0" tIns="0" bIns="0" anchor="ctr"/>
+          <a:bodyPr lIns="0" tIns="0" rIns="0" bIns="0" anchor="ctr"/>
+          <a:lstStyle/>
           <a:p>
             <a:endParaRPr/>
           </a:p>
@@ -1854,7 +3126,8 @@
           </a:prstGeom>
         </p:spPr>
         <p:txBody>
-          <a:bodyPr lIns="0" rIns="0" tIns="0" bIns="0"/>
+          <a:bodyPr lIns="0" tIns="0" rIns="0" bIns="0"/>
+          <a:lstStyle/>
           <a:p>
             <a:endParaRPr/>
           </a:p>
@@ -1880,7 +3153,8 @@
           </a:prstGeom>
         </p:spPr>
         <p:txBody>
-          <a:bodyPr lIns="0" rIns="0" tIns="0" bIns="0"/>
+          <a:bodyPr lIns="0" tIns="0" rIns="0" bIns="0"/>
+          <a:lstStyle/>
           <a:p>
             <a:endParaRPr/>
           </a:p>
@@ -1888,7 +3162,7 @@
       </p:sp>
       <p:pic>
         <p:nvPicPr>
-          <p:cNvPr id="208" name="" descr=""/>
+          <p:cNvPr id="208" name="图片 207"/>
           <p:cNvPicPr/>
           <p:nvPr/>
         </p:nvPicPr>
@@ -1913,12 +3187,12 @@
       </p:pic>
       <p:pic>
         <p:nvPicPr>
-          <p:cNvPr id="209" name="" descr=""/>
+          <p:cNvPr id="209" name="图片 208"/>
           <p:cNvPicPr/>
           <p:nvPr/>
         </p:nvPicPr>
         <p:blipFill>
-          <a:blip r:embed="rId3"/>
+          <a:blip r:embed="rId2"/>
           <a:stretch>
             <a:fillRect/>
           </a:stretch>
@@ -1938,11 +3212,14 @@
       </p:pic>
     </p:spTree>
   </p:cSld>
+  <p:clrMapOvr>
+    <a:masterClrMapping/>
+  </p:clrMapOvr>
 </p:sldLayout>
 </file>
 
 <file path=ppt/slideLayouts/slideLayout3.xml><?xml version="1.0" encoding="utf-8"?>
-<p:sldLayout xmlns:a="http://schemas.openxmlformats.org/drawingml/2006/main" xmlns:p="http://schemas.openxmlformats.org/presentationml/2006/main" xmlns:r="http://schemas.openxmlformats.org/officeDocument/2006/relationships" type="obj" preserve="1">
+<p:sldLayout xmlns:a="http://schemas.openxmlformats.org/drawingml/2006/main" xmlns:r="http://schemas.openxmlformats.org/officeDocument/2006/relationships" xmlns:p="http://schemas.openxmlformats.org/presentationml/2006/main" type="obj" preserve="1">
   <p:cSld name="Title, Content">
     <p:spTree>
       <p:nvGrpSpPr>
@@ -1978,7 +3255,8 @@
           </a:prstGeom>
         </p:spPr>
         <p:txBody>
-          <a:bodyPr lIns="0" rIns="0" tIns="0" bIns="0" anchor="ctr"/>
+          <a:bodyPr lIns="0" tIns="0" rIns="0" bIns="0" anchor="ctr"/>
+          <a:lstStyle/>
           <a:p>
             <a:endParaRPr/>
           </a:p>
@@ -2004,7 +3282,8 @@
           </a:prstGeom>
         </p:spPr>
         <p:txBody>
-          <a:bodyPr lIns="0" rIns="0" tIns="0" bIns="0"/>
+          <a:bodyPr lIns="0" tIns="0" rIns="0" bIns="0"/>
+          <a:lstStyle/>
           <a:p>
             <a:endParaRPr/>
           </a:p>
@@ -2012,11 +3291,14 @@
       </p:sp>
     </p:spTree>
   </p:cSld>
+  <p:clrMapOvr>
+    <a:masterClrMapping/>
+  </p:clrMapOvr>
 </p:sldLayout>
 </file>
 
 <file path=ppt/slideLayouts/slideLayout4.xml><?xml version="1.0" encoding="utf-8"?>
-<p:sldLayout xmlns:a="http://schemas.openxmlformats.org/drawingml/2006/main" xmlns:p="http://schemas.openxmlformats.org/presentationml/2006/main" xmlns:r="http://schemas.openxmlformats.org/officeDocument/2006/relationships" type="twoObj" preserve="1">
+<p:sldLayout xmlns:a="http://schemas.openxmlformats.org/drawingml/2006/main" xmlns:r="http://schemas.openxmlformats.org/officeDocument/2006/relationships" xmlns:p="http://schemas.openxmlformats.org/presentationml/2006/main" type="twoObj" preserve="1">
   <p:cSld name="Title, 2 Content">
     <p:spTree>
       <p:nvGrpSpPr>
@@ -2052,7 +3334,8 @@
           </a:prstGeom>
         </p:spPr>
         <p:txBody>
-          <a:bodyPr lIns="0" rIns="0" tIns="0" bIns="0" anchor="ctr"/>
+          <a:bodyPr lIns="0" tIns="0" rIns="0" bIns="0" anchor="ctr"/>
+          <a:lstStyle/>
           <a:p>
             <a:endParaRPr/>
           </a:p>
@@ -2078,7 +3361,8 @@
           </a:prstGeom>
         </p:spPr>
         <p:txBody>
-          <a:bodyPr lIns="0" rIns="0" tIns="0" bIns="0"/>
+          <a:bodyPr lIns="0" tIns="0" rIns="0" bIns="0"/>
+          <a:lstStyle/>
           <a:p>
             <a:endParaRPr/>
           </a:p>
@@ -2104,7 +3388,8 @@
           </a:prstGeom>
         </p:spPr>
         <p:txBody>
-          <a:bodyPr lIns="0" rIns="0" tIns="0" bIns="0"/>
+          <a:bodyPr lIns="0" tIns="0" rIns="0" bIns="0"/>
+          <a:lstStyle/>
           <a:p>
             <a:endParaRPr/>
           </a:p>
@@ -2112,11 +3397,14 @@
       </p:sp>
     </p:spTree>
   </p:cSld>
+  <p:clrMapOvr>
+    <a:masterClrMapping/>
+  </p:clrMapOvr>
 </p:sldLayout>
 </file>
 
 <file path=ppt/slideLayouts/slideLayout5.xml><?xml version="1.0" encoding="utf-8"?>
-<p:sldLayout xmlns:a="http://schemas.openxmlformats.org/drawingml/2006/main" xmlns:p="http://schemas.openxmlformats.org/presentationml/2006/main" xmlns:r="http://schemas.openxmlformats.org/officeDocument/2006/relationships" type="titleOnly" preserve="1">
+<p:sldLayout xmlns:a="http://schemas.openxmlformats.org/drawingml/2006/main" xmlns:r="http://schemas.openxmlformats.org/officeDocument/2006/relationships" xmlns:p="http://schemas.openxmlformats.org/presentationml/2006/main" type="titleOnly" preserve="1">
   <p:cSld name="Title Only">
     <p:spTree>
       <p:nvGrpSpPr>
@@ -2152,7 +3440,8 @@
           </a:prstGeom>
         </p:spPr>
         <p:txBody>
-          <a:bodyPr lIns="0" rIns="0" tIns="0" bIns="0" anchor="ctr"/>
+          <a:bodyPr lIns="0" tIns="0" rIns="0" bIns="0" anchor="ctr"/>
+          <a:lstStyle/>
           <a:p>
             <a:endParaRPr/>
           </a:p>
@@ -2160,11 +3449,14 @@
       </p:sp>
     </p:spTree>
   </p:cSld>
+  <p:clrMapOvr>
+    <a:masterClrMapping/>
+  </p:clrMapOvr>
 </p:sldLayout>
 </file>
 
 <file path=ppt/slideLayouts/slideLayout6.xml><?xml version="1.0" encoding="utf-8"?>
-<p:sldLayout xmlns:a="http://schemas.openxmlformats.org/drawingml/2006/main" xmlns:p="http://schemas.openxmlformats.org/presentationml/2006/main" xmlns:r="http://schemas.openxmlformats.org/officeDocument/2006/relationships" type="objOnly" preserve="1">
+<p:sldLayout xmlns:a="http://schemas.openxmlformats.org/drawingml/2006/main" xmlns:r="http://schemas.openxmlformats.org/officeDocument/2006/relationships" xmlns:p="http://schemas.openxmlformats.org/presentationml/2006/main" type="objOnly" preserve="1">
   <p:cSld name="Centered Text">
     <p:spTree>
       <p:nvGrpSpPr>
@@ -2200,7 +3492,8 @@
           </a:prstGeom>
         </p:spPr>
         <p:txBody>
-          <a:bodyPr lIns="0" rIns="0" tIns="0" bIns="0" anchor="ctr"/>
+          <a:bodyPr lIns="0" tIns="0" rIns="0" bIns="0" anchor="ctr"/>
+          <a:lstStyle/>
           <a:p>
             <a:pPr algn="ctr"/>
             <a:endParaRPr/>
@@ -2209,11 +3502,14 @@
       </p:sp>
     </p:spTree>
   </p:cSld>
+  <p:clrMapOvr>
+    <a:masterClrMapping/>
+  </p:clrMapOvr>
 </p:sldLayout>
 </file>
 
 <file path=ppt/slideLayouts/slideLayout7.xml><?xml version="1.0" encoding="utf-8"?>
-<p:sldLayout xmlns:a="http://schemas.openxmlformats.org/drawingml/2006/main" xmlns:p="http://schemas.openxmlformats.org/presentationml/2006/main" xmlns:r="http://schemas.openxmlformats.org/officeDocument/2006/relationships" type="twoObjAndObj" preserve="1">
+<p:sldLayout xmlns:a="http://schemas.openxmlformats.org/drawingml/2006/main" xmlns:r="http://schemas.openxmlformats.org/officeDocument/2006/relationships" xmlns:p="http://schemas.openxmlformats.org/presentationml/2006/main" type="twoObjAndObj" preserve="1">
   <p:cSld name="Title, 2 Content and Content">
     <p:spTree>
       <p:nvGrpSpPr>
@@ -2249,7 +3545,8 @@
           </a:prstGeom>
         </p:spPr>
         <p:txBody>
-          <a:bodyPr lIns="0" rIns="0" tIns="0" bIns="0" anchor="ctr"/>
+          <a:bodyPr lIns="0" tIns="0" rIns="0" bIns="0" anchor="ctr"/>
+          <a:lstStyle/>
           <a:p>
             <a:endParaRPr/>
           </a:p>
@@ -2275,7 +3572,8 @@
           </a:prstGeom>
         </p:spPr>
         <p:txBody>
-          <a:bodyPr lIns="0" rIns="0" tIns="0" bIns="0"/>
+          <a:bodyPr lIns="0" tIns="0" rIns="0" bIns="0"/>
+          <a:lstStyle/>
           <a:p>
             <a:endParaRPr/>
           </a:p>
@@ -2301,7 +3599,8 @@
           </a:prstGeom>
         </p:spPr>
         <p:txBody>
-          <a:bodyPr lIns="0" rIns="0" tIns="0" bIns="0"/>
+          <a:bodyPr lIns="0" tIns="0" rIns="0" bIns="0"/>
+          <a:lstStyle/>
           <a:p>
             <a:endParaRPr/>
           </a:p>
@@ -2327,7 +3626,8 @@
           </a:prstGeom>
         </p:spPr>
         <p:txBody>
-          <a:bodyPr lIns="0" rIns="0" tIns="0" bIns="0"/>
+          <a:bodyPr lIns="0" tIns="0" rIns="0" bIns="0"/>
+          <a:lstStyle/>
           <a:p>
             <a:endParaRPr/>
           </a:p>
@@ -2335,11 +3635,14 @@
       </p:sp>
     </p:spTree>
   </p:cSld>
+  <p:clrMapOvr>
+    <a:masterClrMapping/>
+  </p:clrMapOvr>
 </p:sldLayout>
 </file>
 
 <file path=ppt/slideLayouts/slideLayout8.xml><?xml version="1.0" encoding="utf-8"?>
-<p:sldLayout xmlns:a="http://schemas.openxmlformats.org/drawingml/2006/main" xmlns:p="http://schemas.openxmlformats.org/presentationml/2006/main" xmlns:r="http://schemas.openxmlformats.org/officeDocument/2006/relationships" type="objAndTwoObj" preserve="1">
+<p:sldLayout xmlns:a="http://schemas.openxmlformats.org/drawingml/2006/main" xmlns:r="http://schemas.openxmlformats.org/officeDocument/2006/relationships" xmlns:p="http://schemas.openxmlformats.org/presentationml/2006/main" type="objAndTwoObj" preserve="1">
   <p:cSld name="Title Content and 2 Content">
     <p:spTree>
       <p:nvGrpSpPr>
@@ -2375,7 +3678,8 @@
           </a:prstGeom>
         </p:spPr>
         <p:txBody>
-          <a:bodyPr lIns="0" rIns="0" tIns="0" bIns="0" anchor="ctr"/>
+          <a:bodyPr lIns="0" tIns="0" rIns="0" bIns="0" anchor="ctr"/>
+          <a:lstStyle/>
           <a:p>
             <a:endParaRPr/>
           </a:p>
@@ -2401,7 +3705,8 @@
           </a:prstGeom>
         </p:spPr>
         <p:txBody>
-          <a:bodyPr lIns="0" rIns="0" tIns="0" bIns="0"/>
+          <a:bodyPr lIns="0" tIns="0" rIns="0" bIns="0"/>
+          <a:lstStyle/>
           <a:p>
             <a:endParaRPr/>
           </a:p>
@@ -2427,7 +3732,8 @@
           </a:prstGeom>
         </p:spPr>
         <p:txBody>
-          <a:bodyPr lIns="0" rIns="0" tIns="0" bIns="0"/>
+          <a:bodyPr lIns="0" tIns="0" rIns="0" bIns="0"/>
+          <a:lstStyle/>
           <a:p>
             <a:endParaRPr/>
           </a:p>
@@ -2453,7 +3759,8 @@
           </a:prstGeom>
         </p:spPr>
         <p:txBody>
-          <a:bodyPr lIns="0" rIns="0" tIns="0" bIns="0"/>
+          <a:bodyPr lIns="0" tIns="0" rIns="0" bIns="0"/>
+          <a:lstStyle/>
           <a:p>
             <a:endParaRPr/>
           </a:p>
@@ -2461,11 +3768,14 @@
       </p:sp>
     </p:spTree>
   </p:cSld>
+  <p:clrMapOvr>
+    <a:masterClrMapping/>
+  </p:clrMapOvr>
 </p:sldLayout>
 </file>
 
 <file path=ppt/slideLayouts/slideLayout9.xml><?xml version="1.0" encoding="utf-8"?>
-<p:sldLayout xmlns:a="http://schemas.openxmlformats.org/drawingml/2006/main" xmlns:p="http://schemas.openxmlformats.org/presentationml/2006/main" xmlns:r="http://schemas.openxmlformats.org/officeDocument/2006/relationships" type="twoObjOverTx" preserve="1">
+<p:sldLayout xmlns:a="http://schemas.openxmlformats.org/drawingml/2006/main" xmlns:r="http://schemas.openxmlformats.org/officeDocument/2006/relationships" xmlns:p="http://schemas.openxmlformats.org/presentationml/2006/main" type="twoObjOverTx" preserve="1">
   <p:cSld name="Title, 2 Content over Content">
     <p:spTree>
       <p:nvGrpSpPr>
@@ -2501,7 +3811,8 @@
           </a:prstGeom>
         </p:spPr>
         <p:txBody>
-          <a:bodyPr lIns="0" rIns="0" tIns="0" bIns="0" anchor="ctr"/>
+          <a:bodyPr lIns="0" tIns="0" rIns="0" bIns="0" anchor="ctr"/>
+          <a:lstStyle/>
           <a:p>
             <a:endParaRPr/>
           </a:p>
@@ -2527,7 +3838,8 @@
           </a:prstGeom>
         </p:spPr>
         <p:txBody>
-          <a:bodyPr lIns="0" rIns="0" tIns="0" bIns="0"/>
+          <a:bodyPr lIns="0" tIns="0" rIns="0" bIns="0"/>
+          <a:lstStyle/>
           <a:p>
             <a:endParaRPr/>
           </a:p>
@@ -2553,7 +3865,8 @@
           </a:prstGeom>
         </p:spPr>
         <p:txBody>
-          <a:bodyPr lIns="0" rIns="0" tIns="0" bIns="0"/>
+          <a:bodyPr lIns="0" tIns="0" rIns="0" bIns="0"/>
+          <a:lstStyle/>
           <a:p>
             <a:endParaRPr/>
           </a:p>
@@ -2579,7 +3892,8 @@
           </a:prstGeom>
         </p:spPr>
         <p:txBody>
-          <a:bodyPr lIns="0" rIns="0" tIns="0" bIns="0"/>
+          <a:bodyPr lIns="0" tIns="0" rIns="0" bIns="0"/>
+          <a:lstStyle/>
           <a:p>
             <a:endParaRPr/>
           </a:p>
@@ -2587,12 +3901,20 @@
       </p:sp>
     </p:spTree>
   </p:cSld>
+  <p:clrMapOvr>
+    <a:masterClrMapping/>
+  </p:clrMapOvr>
 </p:sldLayout>
 </file>
 
 <file path=ppt/slideMasters/slideMaster1.xml><?xml version="1.0" encoding="utf-8"?>
-<p:sldMaster xmlns:a="http://schemas.openxmlformats.org/drawingml/2006/main" xmlns:p="http://schemas.openxmlformats.org/presentationml/2006/main" xmlns:r="http://schemas.openxmlformats.org/officeDocument/2006/relationships">
+<p:sldMaster xmlns:a="http://schemas.openxmlformats.org/drawingml/2006/main" xmlns:r="http://schemas.openxmlformats.org/officeDocument/2006/relationships" xmlns:p="http://schemas.openxmlformats.org/presentationml/2006/main">
   <p:cSld>
+    <p:bg>
+      <p:bgRef idx="1001">
+        <a:schemeClr val="bg1"/>
+      </p:bgRef>
+    </p:bg>
     <p:spTree>
       <p:nvGrpSpPr>
         <p:cNvPr id="1" name=""/>
@@ -2609,12 +3931,12 @@
       </p:grpSpPr>
       <p:pic>
         <p:nvPicPr>
-          <p:cNvPr id="0" name="" descr=""/>
+          <p:cNvPr id="93" name="图片 92"/>
           <p:cNvPicPr/>
           <p:nvPr/>
         </p:nvPicPr>
         <p:blipFill>
-          <a:blip r:embed="rId2"/>
+          <a:blip r:embed="rId14"/>
           <a:stretch>
             <a:fillRect/>
           </a:stretch>
@@ -2634,7 +3956,7 @@
       </p:pic>
       <p:sp>
         <p:nvSpPr>
-          <p:cNvPr id="1" name="Line 1"/>
+          <p:cNvPr id="94" name="Line 1"/>
           <p:cNvSpPr/>
           <p:nvPr/>
         </p:nvSpPr>
@@ -2648,7 +3970,7 @@
           </a:prstGeom>
           <a:ln w="6480">
             <a:solidFill>
-              <a:srgbClr val="ff971b"/>
+              <a:srgbClr val="FF971B"/>
             </a:solidFill>
             <a:round/>
           </a:ln>
@@ -2656,12 +3978,12 @@
       </p:sp>
       <p:pic>
         <p:nvPicPr>
-          <p:cNvPr id="2" name="Bild 5" descr=""/>
+          <p:cNvPr id="2" name="Bild 5"/>
           <p:cNvPicPr/>
           <p:nvPr/>
         </p:nvPicPr>
         <p:blipFill>
-          <a:blip r:embed="rId3"/>
+          <a:blip r:embed="rId15"/>
           <a:stretch>
             <a:fillRect/>
           </a:stretch>
@@ -2782,7 +4104,7 @@
             <a:avLst/>
           </a:prstGeom>
           <a:solidFill>
-            <a:srgbClr val="8c8f8f"/>
+            <a:srgbClr val="8C8F8F"/>
           </a:solidFill>
           <a:ln>
             <a:noFill/>
@@ -2804,7 +4126,7 @@
             <a:avLst/>
           </a:prstGeom>
           <a:solidFill>
-            <a:srgbClr val="8c8f8f"/>
+            <a:srgbClr val="8C8F8F"/>
           </a:solidFill>
           <a:ln>
             <a:noFill/>
@@ -2826,7 +4148,7 @@
             <a:avLst/>
           </a:prstGeom>
           <a:solidFill>
-            <a:srgbClr val="8c8f8f"/>
+            <a:srgbClr val="8C8F8F"/>
           </a:solidFill>
           <a:ln>
             <a:noFill/>
@@ -2848,7 +4170,7 @@
             <a:avLst/>
           </a:prstGeom>
           <a:solidFill>
-            <a:srgbClr val="8c8f8f"/>
+            <a:srgbClr val="8C8F8F"/>
           </a:solidFill>
           <a:ln>
             <a:noFill/>
@@ -2870,7 +4192,7 @@
             <a:avLst/>
           </a:prstGeom>
           <a:solidFill>
-            <a:srgbClr val="8c8f8f"/>
+            <a:srgbClr val="8C8F8F"/>
           </a:solidFill>
           <a:ln>
             <a:noFill/>
@@ -2892,7 +4214,7 @@
             <a:avLst/>
           </a:prstGeom>
           <a:solidFill>
-            <a:srgbClr val="8c8f8f"/>
+            <a:srgbClr val="8C8F8F"/>
           </a:solidFill>
           <a:ln>
             <a:noFill/>
@@ -2914,7 +4236,7 @@
             <a:avLst/>
           </a:prstGeom>
           <a:solidFill>
-            <a:srgbClr val="8c8f8f"/>
+            <a:srgbClr val="8C8F8F"/>
           </a:solidFill>
           <a:ln>
             <a:noFill/>
@@ -2936,7 +4258,7 @@
             <a:avLst/>
           </a:prstGeom>
           <a:solidFill>
-            <a:srgbClr val="8c8f8f"/>
+            <a:srgbClr val="8C8F8F"/>
           </a:solidFill>
           <a:ln>
             <a:noFill/>
@@ -2958,7 +4280,7 @@
             <a:avLst/>
           </a:prstGeom>
           <a:solidFill>
-            <a:srgbClr val="8c8f8f"/>
+            <a:srgbClr val="8C8F8F"/>
           </a:solidFill>
           <a:ln>
             <a:noFill/>
@@ -2980,7 +4302,7 @@
             <a:avLst/>
           </a:prstGeom>
           <a:solidFill>
-            <a:srgbClr val="8c8f8f"/>
+            <a:srgbClr val="8C8F8F"/>
           </a:solidFill>
           <a:ln>
             <a:noFill/>
@@ -3002,7 +4324,7 @@
             <a:avLst/>
           </a:prstGeom>
           <a:solidFill>
-            <a:srgbClr val="8c8f8f"/>
+            <a:srgbClr val="8C8F8F"/>
           </a:solidFill>
           <a:ln>
             <a:noFill/>
@@ -3024,7 +4346,7 @@
             <a:avLst/>
           </a:prstGeom>
           <a:solidFill>
-            <a:srgbClr val="8c8f8f"/>
+            <a:srgbClr val="8C8F8F"/>
           </a:solidFill>
           <a:ln>
             <a:noFill/>
@@ -3046,7 +4368,7 @@
             <a:avLst/>
           </a:prstGeom>
           <a:solidFill>
-            <a:srgbClr val="8c8f8f"/>
+            <a:srgbClr val="8C8F8F"/>
           </a:solidFill>
           <a:ln>
             <a:noFill/>
@@ -3068,7 +4390,7 @@
             <a:avLst/>
           </a:prstGeom>
           <a:solidFill>
-            <a:srgbClr val="8c8f8f"/>
+            <a:srgbClr val="8C8F8F"/>
           </a:solidFill>
           <a:ln>
             <a:noFill/>
@@ -3090,7 +4412,7 @@
             <a:avLst/>
           </a:prstGeom>
           <a:solidFill>
-            <a:srgbClr val="8c8f8f"/>
+            <a:srgbClr val="8C8F8F"/>
           </a:solidFill>
           <a:ln>
             <a:noFill/>
@@ -3112,7 +4434,7 @@
             <a:avLst/>
           </a:prstGeom>
           <a:solidFill>
-            <a:srgbClr val="8c8f8f"/>
+            <a:srgbClr val="8C8F8F"/>
           </a:solidFill>
           <a:ln>
             <a:noFill/>
@@ -3134,7 +4456,7 @@
             <a:avLst/>
           </a:prstGeom>
           <a:solidFill>
-            <a:srgbClr val="8c8f8f"/>
+            <a:srgbClr val="8C8F8F"/>
           </a:solidFill>
           <a:ln>
             <a:noFill/>
@@ -3156,7 +4478,7 @@
             <a:avLst/>
           </a:prstGeom>
           <a:solidFill>
-            <a:srgbClr val="8c8f8f"/>
+            <a:srgbClr val="8C8F8F"/>
           </a:solidFill>
           <a:ln>
             <a:noFill/>
@@ -3178,7 +4500,7 @@
             <a:avLst/>
           </a:prstGeom>
           <a:solidFill>
-            <a:srgbClr val="8c8f8f"/>
+            <a:srgbClr val="8C8F8F"/>
           </a:solidFill>
           <a:ln>
             <a:noFill/>
@@ -3200,7 +4522,7 @@
             <a:avLst/>
           </a:prstGeom>
           <a:solidFill>
-            <a:srgbClr val="8c8f8f"/>
+            <a:srgbClr val="8C8F8F"/>
           </a:solidFill>
           <a:ln>
             <a:noFill/>
@@ -3222,7 +4544,7 @@
             <a:avLst/>
           </a:prstGeom>
           <a:solidFill>
-            <a:srgbClr val="8c8f8f"/>
+            <a:srgbClr val="8C8F8F"/>
           </a:solidFill>
           <a:ln>
             <a:noFill/>
@@ -3244,7 +4566,7 @@
             <a:avLst/>
           </a:prstGeom>
           <a:solidFill>
-            <a:srgbClr val="8c8f8f"/>
+            <a:srgbClr val="8C8F8F"/>
           </a:solidFill>
           <a:ln>
             <a:noFill/>
@@ -3266,7 +4588,7 @@
             <a:avLst/>
           </a:prstGeom>
           <a:solidFill>
-            <a:srgbClr val="8c8f8f"/>
+            <a:srgbClr val="8C8F8F"/>
           </a:solidFill>
           <a:ln>
             <a:noFill/>
@@ -3288,7 +4610,7 @@
             <a:avLst/>
           </a:prstGeom>
           <a:solidFill>
-            <a:srgbClr val="8c8f8f"/>
+            <a:srgbClr val="8C8F8F"/>
           </a:solidFill>
           <a:ln>
             <a:noFill/>
@@ -3310,7 +4632,7 @@
             <a:avLst/>
           </a:prstGeom>
           <a:solidFill>
-            <a:srgbClr val="8c8f8f"/>
+            <a:srgbClr val="8C8F8F"/>
           </a:solidFill>
           <a:ln>
             <a:noFill/>
@@ -3332,7 +4654,7 @@
             <a:avLst/>
           </a:prstGeom>
           <a:solidFill>
-            <a:srgbClr val="8c8f8f"/>
+            <a:srgbClr val="8C8F8F"/>
           </a:solidFill>
           <a:ln>
             <a:noFill/>
@@ -3354,7 +4676,7 @@
             <a:avLst/>
           </a:prstGeom>
           <a:solidFill>
-            <a:srgbClr val="8c8f8f"/>
+            <a:srgbClr val="8C8F8F"/>
           </a:solidFill>
           <a:ln>
             <a:noFill/>
@@ -3376,7 +4698,7 @@
             <a:avLst/>
           </a:prstGeom>
           <a:solidFill>
-            <a:srgbClr val="8c8f8f"/>
+            <a:srgbClr val="8C8F8F"/>
           </a:solidFill>
           <a:ln>
             <a:noFill/>
@@ -3398,7 +4720,7 @@
             <a:avLst/>
           </a:prstGeom>
           <a:solidFill>
-            <a:srgbClr val="8c8f8f"/>
+            <a:srgbClr val="8C8F8F"/>
           </a:solidFill>
           <a:ln>
             <a:noFill/>
@@ -3420,7 +4742,7 @@
             <a:avLst/>
           </a:prstGeom>
           <a:solidFill>
-            <a:srgbClr val="8c8f8f"/>
+            <a:srgbClr val="8C8F8F"/>
           </a:solidFill>
           <a:ln>
             <a:noFill/>
@@ -3442,7 +4764,7 @@
             <a:avLst/>
           </a:prstGeom>
           <a:solidFill>
-            <a:srgbClr val="8c8f8f"/>
+            <a:srgbClr val="8C8F8F"/>
           </a:solidFill>
           <a:ln>
             <a:noFill/>
@@ -3464,7 +4786,7 @@
             <a:avLst/>
           </a:prstGeom>
           <a:solidFill>
-            <a:srgbClr val="8c8f8f"/>
+            <a:srgbClr val="8C8F8F"/>
           </a:solidFill>
           <a:ln>
             <a:noFill/>
@@ -3486,7 +4808,7 @@
             <a:avLst/>
           </a:prstGeom>
           <a:solidFill>
-            <a:srgbClr val="8c8f8f"/>
+            <a:srgbClr val="8C8F8F"/>
           </a:solidFill>
           <a:ln>
             <a:noFill/>
@@ -3508,7 +4830,7 @@
             <a:avLst/>
           </a:prstGeom>
           <a:solidFill>
-            <a:srgbClr val="8c8f8f"/>
+            <a:srgbClr val="8C8F8F"/>
           </a:solidFill>
           <a:ln>
             <a:noFill/>
@@ -3530,7 +4852,7 @@
             <a:avLst/>
           </a:prstGeom>
           <a:solidFill>
-            <a:srgbClr val="8c8f8f"/>
+            <a:srgbClr val="8C8F8F"/>
           </a:solidFill>
           <a:ln>
             <a:noFill/>
@@ -3552,7 +4874,7 @@
             <a:avLst/>
           </a:prstGeom>
           <a:solidFill>
-            <a:srgbClr val="8c8f8f"/>
+            <a:srgbClr val="8C8F8F"/>
           </a:solidFill>
           <a:ln>
             <a:noFill/>
@@ -3574,7 +4896,7 @@
             <a:avLst/>
           </a:prstGeom>
           <a:solidFill>
-            <a:srgbClr val="8c8f8f"/>
+            <a:srgbClr val="8C8F8F"/>
           </a:solidFill>
           <a:ln>
             <a:noFill/>
@@ -3596,7 +4918,7 @@
             <a:avLst/>
           </a:prstGeom>
           <a:solidFill>
-            <a:srgbClr val="8c8f8f"/>
+            <a:srgbClr val="8C8F8F"/>
           </a:solidFill>
           <a:ln>
             <a:noFill/>
@@ -3618,7 +4940,7 @@
             <a:avLst/>
           </a:prstGeom>
           <a:solidFill>
-            <a:srgbClr val="dddddd"/>
+            <a:srgbClr val="DDDDDD"/>
           </a:solidFill>
           <a:ln>
             <a:noFill/>
@@ -3645,7 +4967,8 @@
           </a:prstGeom>
         </p:spPr>
         <p:txBody>
-          <a:bodyPr lIns="90000" rIns="90000" tIns="45000" bIns="45000"/>
+          <a:bodyPr lIns="90000" tIns="45000" rIns="90000" bIns="45000"/>
+          <a:lstStyle/>
           <a:p>
             <a:pPr>
               <a:lnSpc>
@@ -3655,7 +4978,7 @@
             <a:r>
               <a:rPr lang="de-DE" sz="3600">
                 <a:solidFill>
-                  <a:srgbClr val="006c30"/>
+                  <a:srgbClr val="006C30"/>
                 </a:solidFill>
                 <a:latin typeface="LMU CompatilFact"/>
                 <a:ea typeface="MS PGothic"/>
@@ -3769,7 +5092,7 @@
             <a:avLst/>
           </a:prstGeom>
           <a:solidFill>
-            <a:srgbClr val="8c8f8f"/>
+            <a:srgbClr val="8C8F8F"/>
           </a:solidFill>
           <a:ln>
             <a:noFill/>
@@ -3791,7 +5114,7 @@
             <a:avLst/>
           </a:prstGeom>
           <a:solidFill>
-            <a:srgbClr val="8c8f8f"/>
+            <a:srgbClr val="8C8F8F"/>
           </a:solidFill>
           <a:ln>
             <a:noFill/>
@@ -3813,7 +5136,7 @@
             <a:avLst/>
           </a:prstGeom>
           <a:solidFill>
-            <a:srgbClr val="8c8f8f"/>
+            <a:srgbClr val="8C8F8F"/>
           </a:solidFill>
           <a:ln>
             <a:noFill/>
@@ -3835,7 +5158,7 @@
             <a:avLst/>
           </a:prstGeom>
           <a:solidFill>
-            <a:srgbClr val="8c8f8f"/>
+            <a:srgbClr val="8C8F8F"/>
           </a:solidFill>
           <a:ln>
             <a:noFill/>
@@ -3857,7 +5180,7 @@
             <a:avLst/>
           </a:prstGeom>
           <a:solidFill>
-            <a:srgbClr val="8c8f8f"/>
+            <a:srgbClr val="8C8F8F"/>
           </a:solidFill>
           <a:ln>
             <a:noFill/>
@@ -3879,7 +5202,7 @@
             <a:avLst/>
           </a:prstGeom>
           <a:solidFill>
-            <a:srgbClr val="8c8f8f"/>
+            <a:srgbClr val="8C8F8F"/>
           </a:solidFill>
           <a:ln>
             <a:noFill/>
@@ -3901,7 +5224,7 @@
             <a:avLst/>
           </a:prstGeom>
           <a:solidFill>
-            <a:srgbClr val="8c8f8f"/>
+            <a:srgbClr val="8C8F8F"/>
           </a:solidFill>
           <a:ln>
             <a:noFill/>
@@ -3923,7 +5246,7 @@
             <a:avLst/>
           </a:prstGeom>
           <a:solidFill>
-            <a:srgbClr val="8c8f8f"/>
+            <a:srgbClr val="8C8F8F"/>
           </a:solidFill>
           <a:ln>
             <a:noFill/>
@@ -3945,7 +5268,7 @@
             <a:avLst/>
           </a:prstGeom>
           <a:solidFill>
-            <a:srgbClr val="8c8f8f"/>
+            <a:srgbClr val="8C8F8F"/>
           </a:solidFill>
           <a:ln>
             <a:noFill/>
@@ -3967,7 +5290,7 @@
             <a:avLst/>
           </a:prstGeom>
           <a:solidFill>
-            <a:srgbClr val="8c8f8f"/>
+            <a:srgbClr val="8C8F8F"/>
           </a:solidFill>
           <a:ln>
             <a:noFill/>
@@ -3989,7 +5312,7 @@
             <a:avLst/>
           </a:prstGeom>
           <a:solidFill>
-            <a:srgbClr val="8c8f8f"/>
+            <a:srgbClr val="8C8F8F"/>
           </a:solidFill>
           <a:ln>
             <a:noFill/>
@@ -4011,7 +5334,7 @@
             <a:avLst/>
           </a:prstGeom>
           <a:solidFill>
-            <a:srgbClr val="8c8f8f"/>
+            <a:srgbClr val="8C8F8F"/>
           </a:solidFill>
           <a:ln>
             <a:noFill/>
@@ -4033,7 +5356,7 @@
             <a:avLst/>
           </a:prstGeom>
           <a:solidFill>
-            <a:srgbClr val="8c8f8f"/>
+            <a:srgbClr val="8C8F8F"/>
           </a:solidFill>
           <a:ln>
             <a:noFill/>
@@ -4055,7 +5378,7 @@
             <a:avLst/>
           </a:prstGeom>
           <a:solidFill>
-            <a:srgbClr val="8c8f8f"/>
+            <a:srgbClr val="8C8F8F"/>
           </a:solidFill>
           <a:ln>
             <a:noFill/>
@@ -4077,7 +5400,7 @@
             <a:avLst/>
           </a:prstGeom>
           <a:solidFill>
-            <a:srgbClr val="8c8f8f"/>
+            <a:srgbClr val="8C8F8F"/>
           </a:solidFill>
           <a:ln>
             <a:noFill/>
@@ -4099,7 +5422,7 @@
             <a:avLst/>
           </a:prstGeom>
           <a:solidFill>
-            <a:srgbClr val="8c8f8f"/>
+            <a:srgbClr val="8C8F8F"/>
           </a:solidFill>
           <a:ln>
             <a:noFill/>
@@ -4121,7 +5444,7 @@
             <a:avLst/>
           </a:prstGeom>
           <a:solidFill>
-            <a:srgbClr val="8c8f8f"/>
+            <a:srgbClr val="8C8F8F"/>
           </a:solidFill>
           <a:ln>
             <a:noFill/>
@@ -4143,7 +5466,7 @@
             <a:avLst/>
           </a:prstGeom>
           <a:solidFill>
-            <a:srgbClr val="8c8f8f"/>
+            <a:srgbClr val="8C8F8F"/>
           </a:solidFill>
           <a:ln>
             <a:noFill/>
@@ -4165,7 +5488,7 @@
             <a:avLst/>
           </a:prstGeom>
           <a:solidFill>
-            <a:srgbClr val="8c8f8f"/>
+            <a:srgbClr val="8C8F8F"/>
           </a:solidFill>
           <a:ln>
             <a:noFill/>
@@ -4187,7 +5510,7 @@
             <a:avLst/>
           </a:prstGeom>
           <a:solidFill>
-            <a:srgbClr val="8c8f8f"/>
+            <a:srgbClr val="8C8F8F"/>
           </a:solidFill>
           <a:ln>
             <a:noFill/>
@@ -4209,7 +5532,7 @@
             <a:avLst/>
           </a:prstGeom>
           <a:solidFill>
-            <a:srgbClr val="8c8f8f"/>
+            <a:srgbClr val="8C8F8F"/>
           </a:solidFill>
           <a:ln>
             <a:noFill/>
@@ -4231,7 +5554,7 @@
             <a:avLst/>
           </a:prstGeom>
           <a:solidFill>
-            <a:srgbClr val="8c8f8f"/>
+            <a:srgbClr val="8C8F8F"/>
           </a:solidFill>
           <a:ln>
             <a:noFill/>
@@ -4253,7 +5576,7 @@
             <a:avLst/>
           </a:prstGeom>
           <a:solidFill>
-            <a:srgbClr val="8c8f8f"/>
+            <a:srgbClr val="8C8F8F"/>
           </a:solidFill>
           <a:ln>
             <a:noFill/>
@@ -4275,7 +5598,7 @@
             <a:avLst/>
           </a:prstGeom>
           <a:solidFill>
-            <a:srgbClr val="8c8f8f"/>
+            <a:srgbClr val="8C8F8F"/>
           </a:solidFill>
           <a:ln>
             <a:noFill/>
@@ -4297,7 +5620,7 @@
             <a:avLst/>
           </a:prstGeom>
           <a:solidFill>
-            <a:srgbClr val="8c8f8f"/>
+            <a:srgbClr val="8C8F8F"/>
           </a:solidFill>
           <a:ln>
             <a:noFill/>
@@ -4319,7 +5642,7 @@
             <a:avLst/>
           </a:prstGeom>
           <a:solidFill>
-            <a:srgbClr val="8c8f8f"/>
+            <a:srgbClr val="8C8F8F"/>
           </a:solidFill>
           <a:ln>
             <a:noFill/>
@@ -4341,7 +5664,7 @@
             <a:avLst/>
           </a:prstGeom>
           <a:solidFill>
-            <a:srgbClr val="8c8f8f"/>
+            <a:srgbClr val="8C8F8F"/>
           </a:solidFill>
           <a:ln>
             <a:noFill/>
@@ -4363,7 +5686,7 @@
             <a:avLst/>
           </a:prstGeom>
           <a:solidFill>
-            <a:srgbClr val="8c8f8f"/>
+            <a:srgbClr val="8C8F8F"/>
           </a:solidFill>
           <a:ln>
             <a:noFill/>
@@ -4385,7 +5708,7 @@
             <a:avLst/>
           </a:prstGeom>
           <a:solidFill>
-            <a:srgbClr val="8c8f8f"/>
+            <a:srgbClr val="8C8F8F"/>
           </a:solidFill>
           <a:ln>
             <a:noFill/>
@@ -4407,7 +5730,7 @@
             <a:avLst/>
           </a:prstGeom>
           <a:solidFill>
-            <a:srgbClr val="8c8f8f"/>
+            <a:srgbClr val="8C8F8F"/>
           </a:solidFill>
           <a:ln>
             <a:noFill/>
@@ -4429,7 +5752,7 @@
             <a:avLst/>
           </a:prstGeom>
           <a:solidFill>
-            <a:srgbClr val="8c8f8f"/>
+            <a:srgbClr val="8C8F8F"/>
           </a:solidFill>
           <a:ln>
             <a:noFill/>
@@ -4451,7 +5774,7 @@
             <a:avLst/>
           </a:prstGeom>
           <a:solidFill>
-            <a:srgbClr val="8c8f8f"/>
+            <a:srgbClr val="8C8F8F"/>
           </a:solidFill>
           <a:ln>
             <a:noFill/>
@@ -4473,7 +5796,7 @@
             <a:avLst/>
           </a:prstGeom>
           <a:solidFill>
-            <a:srgbClr val="8c8f8f"/>
+            <a:srgbClr val="8C8F8F"/>
           </a:solidFill>
           <a:ln>
             <a:noFill/>
@@ -4495,7 +5818,7 @@
             <a:avLst/>
           </a:prstGeom>
           <a:solidFill>
-            <a:srgbClr val="8c8f8f"/>
+            <a:srgbClr val="8C8F8F"/>
           </a:solidFill>
           <a:ln>
             <a:noFill/>
@@ -4517,7 +5840,7 @@
             <a:avLst/>
           </a:prstGeom>
           <a:solidFill>
-            <a:srgbClr val="8c8f8f"/>
+            <a:srgbClr val="8C8F8F"/>
           </a:solidFill>
           <a:ln>
             <a:noFill/>
@@ -4539,7 +5862,7 @@
             <a:avLst/>
           </a:prstGeom>
           <a:solidFill>
-            <a:srgbClr val="8c8f8f"/>
+            <a:srgbClr val="8C8F8F"/>
           </a:solidFill>
           <a:ln>
             <a:noFill/>
@@ -4561,7 +5884,7 @@
             <a:avLst/>
           </a:prstGeom>
           <a:solidFill>
-            <a:srgbClr val="8c8f8f"/>
+            <a:srgbClr val="8C8F8F"/>
           </a:solidFill>
           <a:ln>
             <a:noFill/>
@@ -4583,7 +5906,7 @@
             <a:avLst/>
           </a:prstGeom>
           <a:solidFill>
-            <a:srgbClr val="8c8f8f"/>
+            <a:srgbClr val="8C8F8F"/>
           </a:solidFill>
           <a:ln>
             <a:noFill/>
@@ -4605,7 +5928,7 @@
             <a:avLst/>
           </a:prstGeom>
           <a:solidFill>
-            <a:srgbClr val="dddddd"/>
+            <a:srgbClr val="DDDDDD"/>
           </a:solidFill>
           <a:ln>
             <a:noFill/>
@@ -4614,12 +5937,12 @@
       </p:sp>
       <p:pic>
         <p:nvPicPr>
-          <p:cNvPr id="90" name="Bild 8" descr=""/>
+          <p:cNvPr id="90" name="Bild 8"/>
           <p:cNvPicPr/>
           <p:nvPr/>
         </p:nvPicPr>
         <p:blipFill>
-          <a:blip r:embed="rId4"/>
+          <a:blip r:embed="rId15"/>
           <a:stretch>
             <a:fillRect/>
           </a:stretch>
@@ -4639,12 +5962,12 @@
       </p:pic>
       <p:pic>
         <p:nvPicPr>
-          <p:cNvPr id="91" name="" descr=""/>
+          <p:cNvPr id="91" name="图片 90"/>
           <p:cNvPicPr/>
           <p:nvPr/>
         </p:nvPicPr>
         <p:blipFill>
-          <a:blip r:embed="rId5"/>
+          <a:blip r:embed="rId14"/>
           <a:stretch>
             <a:fillRect/>
           </a:stretch>
@@ -4682,7 +6005,8 @@
           </a:prstGeom>
         </p:spPr>
         <p:txBody>
-          <a:bodyPr lIns="0" rIns="0" tIns="0" bIns="0"/>
+          <a:bodyPr lIns="0" tIns="0" rIns="0" bIns="0"/>
+          <a:lstStyle/>
           <a:p>
             <a:pPr>
               <a:buSzPct val="45000"/>
@@ -4785,27 +6109,312 @@
       </p:sp>
     </p:spTree>
   </p:cSld>
-  <p:clrMap bg1="lt1" bg2="lt2" tx1="dk1" tx2="dk2" accent1="accent1" accent2="accent2" accent3="accent3" accent4="accent4" accent5="accent5" accent6="accent6" hlink="hlink" folHlink="folHlink"/>
+  <p:clrMap bg1="lt1" tx1="dk1" bg2="lt2" tx2="dk2" accent1="accent1" accent2="accent2" accent3="accent3" accent4="accent4" accent5="accent5" accent6="accent6" hlink="hlink" folHlink="folHlink"/>
   <p:sldLayoutIdLst>
-    <p:sldLayoutId id="2147483649" r:id="rId6"/>
-    <p:sldLayoutId id="2147483650" r:id="rId7"/>
-    <p:sldLayoutId id="2147483651" r:id="rId8"/>
-    <p:sldLayoutId id="2147483652" r:id="rId9"/>
-    <p:sldLayoutId id="2147483653" r:id="rId10"/>
-    <p:sldLayoutId id="2147483654" r:id="rId11"/>
-    <p:sldLayoutId id="2147483655" r:id="rId12"/>
-    <p:sldLayoutId id="2147483656" r:id="rId13"/>
-    <p:sldLayoutId id="2147483657" r:id="rId14"/>
-    <p:sldLayoutId id="2147483658" r:id="rId15"/>
-    <p:sldLayoutId id="2147483659" r:id="rId16"/>
-    <p:sldLayoutId id="2147483660" r:id="rId17"/>
+    <p:sldLayoutId id="2147483649" r:id="rId1"/>
+    <p:sldLayoutId id="2147483650" r:id="rId2"/>
+    <p:sldLayoutId id="2147483651" r:id="rId3"/>
+    <p:sldLayoutId id="2147483652" r:id="rId4"/>
+    <p:sldLayoutId id="2147483653" r:id="rId5"/>
+    <p:sldLayoutId id="2147483654" r:id="rId6"/>
+    <p:sldLayoutId id="2147483655" r:id="rId7"/>
+    <p:sldLayoutId id="2147483656" r:id="rId8"/>
+    <p:sldLayoutId id="2147483657" r:id="rId9"/>
+    <p:sldLayoutId id="2147483658" r:id="rId10"/>
+    <p:sldLayoutId id="2147483659" r:id="rId11"/>
+    <p:sldLayoutId id="2147483660" r:id="rId12"/>
   </p:sldLayoutIdLst>
+  <p:txStyles>
+    <p:titleStyle>
+      <a:lvl1pPr algn="l" defTabSz="914400" rtl="0" eaLnBrk="1" latinLnBrk="0" hangingPunct="1">
+        <a:lnSpc>
+          <a:spcPct val="90000"/>
+        </a:lnSpc>
+        <a:spcBef>
+          <a:spcPct val="0"/>
+        </a:spcBef>
+        <a:buNone/>
+        <a:defRPr sz="4400" kern="1200">
+          <a:solidFill>
+            <a:schemeClr val="tx1"/>
+          </a:solidFill>
+          <a:latin typeface="+mj-lt"/>
+          <a:ea typeface="+mj-ea"/>
+          <a:cs typeface="+mj-cs"/>
+        </a:defRPr>
+      </a:lvl1pPr>
+    </p:titleStyle>
+    <p:bodyStyle>
+      <a:lvl1pPr marL="228600" indent="-228600" algn="l" defTabSz="914400" rtl="0" eaLnBrk="1" latinLnBrk="0" hangingPunct="1">
+        <a:lnSpc>
+          <a:spcPct val="90000"/>
+        </a:lnSpc>
+        <a:spcBef>
+          <a:spcPts val="1000"/>
+        </a:spcBef>
+        <a:buFont typeface="Arial" panose="020B0604020202020204" pitchFamily="34" charset="0"/>
+        <a:buChar char="•"/>
+        <a:defRPr sz="2800" kern="1200">
+          <a:solidFill>
+            <a:schemeClr val="tx1"/>
+          </a:solidFill>
+          <a:latin typeface="+mn-lt"/>
+          <a:ea typeface="+mn-ea"/>
+          <a:cs typeface="+mn-cs"/>
+        </a:defRPr>
+      </a:lvl1pPr>
+      <a:lvl2pPr marL="685800" indent="-228600" algn="l" defTabSz="914400" rtl="0" eaLnBrk="1" latinLnBrk="0" hangingPunct="1">
+        <a:lnSpc>
+          <a:spcPct val="90000"/>
+        </a:lnSpc>
+        <a:spcBef>
+          <a:spcPts val="500"/>
+        </a:spcBef>
+        <a:buFont typeface="Arial" panose="020B0604020202020204" pitchFamily="34" charset="0"/>
+        <a:buChar char="•"/>
+        <a:defRPr sz="2400" kern="1200">
+          <a:solidFill>
+            <a:schemeClr val="tx1"/>
+          </a:solidFill>
+          <a:latin typeface="+mn-lt"/>
+          <a:ea typeface="+mn-ea"/>
+          <a:cs typeface="+mn-cs"/>
+        </a:defRPr>
+      </a:lvl2pPr>
+      <a:lvl3pPr marL="1143000" indent="-228600" algn="l" defTabSz="914400" rtl="0" eaLnBrk="1" latinLnBrk="0" hangingPunct="1">
+        <a:lnSpc>
+          <a:spcPct val="90000"/>
+        </a:lnSpc>
+        <a:spcBef>
+          <a:spcPts val="500"/>
+        </a:spcBef>
+        <a:buFont typeface="Arial" panose="020B0604020202020204" pitchFamily="34" charset="0"/>
+        <a:buChar char="•"/>
+        <a:defRPr sz="2000" kern="1200">
+          <a:solidFill>
+            <a:schemeClr val="tx1"/>
+          </a:solidFill>
+          <a:latin typeface="+mn-lt"/>
+          <a:ea typeface="+mn-ea"/>
+          <a:cs typeface="+mn-cs"/>
+        </a:defRPr>
+      </a:lvl3pPr>
+      <a:lvl4pPr marL="1600200" indent="-228600" algn="l" defTabSz="914400" rtl="0" eaLnBrk="1" latinLnBrk="0" hangingPunct="1">
+        <a:lnSpc>
+          <a:spcPct val="90000"/>
+        </a:lnSpc>
+        <a:spcBef>
+          <a:spcPts val="500"/>
+        </a:spcBef>
+        <a:buFont typeface="Arial" panose="020B0604020202020204" pitchFamily="34" charset="0"/>
+        <a:buChar char="•"/>
+        <a:defRPr sz="1800" kern="1200">
+          <a:solidFill>
+            <a:schemeClr val="tx1"/>
+          </a:solidFill>
+          <a:latin typeface="+mn-lt"/>
+          <a:ea typeface="+mn-ea"/>
+          <a:cs typeface="+mn-cs"/>
+        </a:defRPr>
+      </a:lvl4pPr>
+      <a:lvl5pPr marL="2057400" indent="-228600" algn="l" defTabSz="914400" rtl="0" eaLnBrk="1" latinLnBrk="0" hangingPunct="1">
+        <a:lnSpc>
+          <a:spcPct val="90000"/>
+        </a:lnSpc>
+        <a:spcBef>
+          <a:spcPts val="500"/>
+        </a:spcBef>
+        <a:buFont typeface="Arial" panose="020B0604020202020204" pitchFamily="34" charset="0"/>
+        <a:buChar char="•"/>
+        <a:defRPr sz="1800" kern="1200">
+          <a:solidFill>
+            <a:schemeClr val="tx1"/>
+          </a:solidFill>
+          <a:latin typeface="+mn-lt"/>
+          <a:ea typeface="+mn-ea"/>
+          <a:cs typeface="+mn-cs"/>
+        </a:defRPr>
+      </a:lvl5pPr>
+      <a:lvl6pPr marL="2514600" indent="-228600" algn="l" defTabSz="914400" rtl="0" eaLnBrk="1" latinLnBrk="0" hangingPunct="1">
+        <a:lnSpc>
+          <a:spcPct val="90000"/>
+        </a:lnSpc>
+        <a:spcBef>
+          <a:spcPts val="500"/>
+        </a:spcBef>
+        <a:buFont typeface="Arial" panose="020B0604020202020204" pitchFamily="34" charset="0"/>
+        <a:buChar char="•"/>
+        <a:defRPr sz="1800" kern="1200">
+          <a:solidFill>
+            <a:schemeClr val="tx1"/>
+          </a:solidFill>
+          <a:latin typeface="+mn-lt"/>
+          <a:ea typeface="+mn-ea"/>
+          <a:cs typeface="+mn-cs"/>
+        </a:defRPr>
+      </a:lvl6pPr>
+      <a:lvl7pPr marL="2971800" indent="-228600" algn="l" defTabSz="914400" rtl="0" eaLnBrk="1" latinLnBrk="0" hangingPunct="1">
+        <a:lnSpc>
+          <a:spcPct val="90000"/>
+        </a:lnSpc>
+        <a:spcBef>
+          <a:spcPts val="500"/>
+        </a:spcBef>
+        <a:buFont typeface="Arial" panose="020B0604020202020204" pitchFamily="34" charset="0"/>
+        <a:buChar char="•"/>
+        <a:defRPr sz="1800" kern="1200">
+          <a:solidFill>
+            <a:schemeClr val="tx1"/>
+          </a:solidFill>
+          <a:latin typeface="+mn-lt"/>
+          <a:ea typeface="+mn-ea"/>
+          <a:cs typeface="+mn-cs"/>
+        </a:defRPr>
+      </a:lvl7pPr>
+      <a:lvl8pPr marL="3429000" indent="-228600" algn="l" defTabSz="914400" rtl="0" eaLnBrk="1" latinLnBrk="0" hangingPunct="1">
+        <a:lnSpc>
+          <a:spcPct val="90000"/>
+        </a:lnSpc>
+        <a:spcBef>
+          <a:spcPts val="500"/>
+        </a:spcBef>
+        <a:buFont typeface="Arial" panose="020B0604020202020204" pitchFamily="34" charset="0"/>
+        <a:buChar char="•"/>
+        <a:defRPr sz="1800" kern="1200">
+          <a:solidFill>
+            <a:schemeClr val="tx1"/>
+          </a:solidFill>
+          <a:latin typeface="+mn-lt"/>
+          <a:ea typeface="+mn-ea"/>
+          <a:cs typeface="+mn-cs"/>
+        </a:defRPr>
+      </a:lvl8pPr>
+      <a:lvl9pPr marL="3886200" indent="-228600" algn="l" defTabSz="914400" rtl="0" eaLnBrk="1" latinLnBrk="0" hangingPunct="1">
+        <a:lnSpc>
+          <a:spcPct val="90000"/>
+        </a:lnSpc>
+        <a:spcBef>
+          <a:spcPts val="500"/>
+        </a:spcBef>
+        <a:buFont typeface="Arial" panose="020B0604020202020204" pitchFamily="34" charset="0"/>
+        <a:buChar char="•"/>
+        <a:defRPr sz="1800" kern="1200">
+          <a:solidFill>
+            <a:schemeClr val="tx1"/>
+          </a:solidFill>
+          <a:latin typeface="+mn-lt"/>
+          <a:ea typeface="+mn-ea"/>
+          <a:cs typeface="+mn-cs"/>
+        </a:defRPr>
+      </a:lvl9pPr>
+    </p:bodyStyle>
+    <p:otherStyle>
+      <a:defPPr>
+        <a:defRPr lang="zh-CN"/>
+      </a:defPPr>
+      <a:lvl1pPr marL="0" algn="l" defTabSz="914400" rtl="0" eaLnBrk="1" latinLnBrk="0" hangingPunct="1">
+        <a:defRPr sz="1800" kern="1200">
+          <a:solidFill>
+            <a:schemeClr val="tx1"/>
+          </a:solidFill>
+          <a:latin typeface="+mn-lt"/>
+          <a:ea typeface="+mn-ea"/>
+          <a:cs typeface="+mn-cs"/>
+        </a:defRPr>
+      </a:lvl1pPr>
+      <a:lvl2pPr marL="457200" algn="l" defTabSz="914400" rtl="0" eaLnBrk="1" latinLnBrk="0" hangingPunct="1">
+        <a:defRPr sz="1800" kern="1200">
+          <a:solidFill>
+            <a:schemeClr val="tx1"/>
+          </a:solidFill>
+          <a:latin typeface="+mn-lt"/>
+          <a:ea typeface="+mn-ea"/>
+          <a:cs typeface="+mn-cs"/>
+        </a:defRPr>
+      </a:lvl2pPr>
+      <a:lvl3pPr marL="914400" algn="l" defTabSz="914400" rtl="0" eaLnBrk="1" latinLnBrk="0" hangingPunct="1">
+        <a:defRPr sz="1800" kern="1200">
+          <a:solidFill>
+            <a:schemeClr val="tx1"/>
+          </a:solidFill>
+          <a:latin typeface="+mn-lt"/>
+          <a:ea typeface="+mn-ea"/>
+          <a:cs typeface="+mn-cs"/>
+        </a:defRPr>
+      </a:lvl3pPr>
+      <a:lvl4pPr marL="1371600" algn="l" defTabSz="914400" rtl="0" eaLnBrk="1" latinLnBrk="0" hangingPunct="1">
+        <a:defRPr sz="1800" kern="1200">
+          <a:solidFill>
+            <a:schemeClr val="tx1"/>
+          </a:solidFill>
+          <a:latin typeface="+mn-lt"/>
+          <a:ea typeface="+mn-ea"/>
+          <a:cs typeface="+mn-cs"/>
+        </a:defRPr>
+      </a:lvl4pPr>
+      <a:lvl5pPr marL="1828800" algn="l" defTabSz="914400" rtl="0" eaLnBrk="1" latinLnBrk="0" hangingPunct="1">
+        <a:defRPr sz="1800" kern="1200">
+          <a:solidFill>
+            <a:schemeClr val="tx1"/>
+          </a:solidFill>
+          <a:latin typeface="+mn-lt"/>
+          <a:ea typeface="+mn-ea"/>
+          <a:cs typeface="+mn-cs"/>
+        </a:defRPr>
+      </a:lvl5pPr>
+      <a:lvl6pPr marL="2286000" algn="l" defTabSz="914400" rtl="0" eaLnBrk="1" latinLnBrk="0" hangingPunct="1">
+        <a:defRPr sz="1800" kern="1200">
+          <a:solidFill>
+            <a:schemeClr val="tx1"/>
+          </a:solidFill>
+          <a:latin typeface="+mn-lt"/>
+          <a:ea typeface="+mn-ea"/>
+          <a:cs typeface="+mn-cs"/>
+        </a:defRPr>
+      </a:lvl6pPr>
+      <a:lvl7pPr marL="2743200" algn="l" defTabSz="914400" rtl="0" eaLnBrk="1" latinLnBrk="0" hangingPunct="1">
+        <a:defRPr sz="1800" kern="1200">
+          <a:solidFill>
+            <a:schemeClr val="tx1"/>
+          </a:solidFill>
+          <a:latin typeface="+mn-lt"/>
+          <a:ea typeface="+mn-ea"/>
+          <a:cs typeface="+mn-cs"/>
+        </a:defRPr>
+      </a:lvl7pPr>
+      <a:lvl8pPr marL="3200400" algn="l" defTabSz="914400" rtl="0" eaLnBrk="1" latinLnBrk="0" hangingPunct="1">
+        <a:defRPr sz="1800" kern="1200">
+          <a:solidFill>
+            <a:schemeClr val="tx1"/>
+          </a:solidFill>
+          <a:latin typeface="+mn-lt"/>
+          <a:ea typeface="+mn-ea"/>
+          <a:cs typeface="+mn-cs"/>
+        </a:defRPr>
+      </a:lvl8pPr>
+      <a:lvl9pPr marL="3657600" algn="l" defTabSz="914400" rtl="0" eaLnBrk="1" latinLnBrk="0" hangingPunct="1">
+        <a:defRPr sz="1800" kern="1200">
+          <a:solidFill>
+            <a:schemeClr val="tx1"/>
+          </a:solidFill>
+          <a:latin typeface="+mn-lt"/>
+          <a:ea typeface="+mn-ea"/>
+          <a:cs typeface="+mn-cs"/>
+        </a:defRPr>
+      </a:lvl9pPr>
+    </p:otherStyle>
+  </p:txStyles>
 </p:sldMaster>
 </file>
 
 <file path=ppt/slideMasters/slideMaster2.xml><?xml version="1.0" encoding="utf-8"?>
-<p:sldMaster xmlns:a="http://schemas.openxmlformats.org/drawingml/2006/main" xmlns:p="http://schemas.openxmlformats.org/presentationml/2006/main" xmlns:r="http://schemas.openxmlformats.org/officeDocument/2006/relationships">
+<p:sldMaster xmlns:a="http://schemas.openxmlformats.org/drawingml/2006/main" xmlns:r="http://schemas.openxmlformats.org/officeDocument/2006/relationships" xmlns:p="http://schemas.openxmlformats.org/presentationml/2006/main">
   <p:cSld>
+    <p:bg>
+      <p:bgRef idx="1001">
+        <a:schemeClr val="bg1"/>
+      </p:bgRef>
+    </p:bg>
     <p:spTree>
       <p:nvGrpSpPr>
         <p:cNvPr id="1" name=""/>
@@ -4822,12 +6431,12 @@
       </p:grpSpPr>
       <p:pic>
         <p:nvPicPr>
-          <p:cNvPr id="127" name="" descr=""/>
+          <p:cNvPr id="127" name="图片 126"/>
           <p:cNvPicPr/>
           <p:nvPr/>
         </p:nvPicPr>
         <p:blipFill>
-          <a:blip r:embed="rId2"/>
+          <a:blip r:embed="rId14"/>
           <a:stretch>
             <a:fillRect/>
           </a:stretch>
@@ -4861,7 +6470,7 @@
           </a:prstGeom>
           <a:ln w="6480">
             <a:solidFill>
-              <a:srgbClr val="ff971b"/>
+              <a:srgbClr val="FF971B"/>
             </a:solidFill>
             <a:round/>
           </a:ln>
@@ -4869,12 +6478,12 @@
       </p:sp>
       <p:pic>
         <p:nvPicPr>
-          <p:cNvPr id="129" name="Bild 5" descr=""/>
+          <p:cNvPr id="129" name="Bild 5"/>
           <p:cNvPicPr/>
           <p:nvPr/>
         </p:nvPicPr>
         <p:blipFill>
-          <a:blip r:embed="rId3"/>
+          <a:blip r:embed="rId15"/>
           <a:stretch>
             <a:fillRect/>
           </a:stretch>
@@ -4995,7 +6604,7 @@
             <a:avLst/>
           </a:prstGeom>
           <a:solidFill>
-            <a:srgbClr val="8c8f8f"/>
+            <a:srgbClr val="8C8F8F"/>
           </a:solidFill>
           <a:ln>
             <a:noFill/>
@@ -5017,7 +6626,7 @@
             <a:avLst/>
           </a:prstGeom>
           <a:solidFill>
-            <a:srgbClr val="8c8f8f"/>
+            <a:srgbClr val="8C8F8F"/>
           </a:solidFill>
           <a:ln>
             <a:noFill/>
@@ -5039,7 +6648,7 @@
             <a:avLst/>
           </a:prstGeom>
           <a:solidFill>
-            <a:srgbClr val="8c8f8f"/>
+            <a:srgbClr val="8C8F8F"/>
           </a:solidFill>
           <a:ln>
             <a:noFill/>
@@ -5061,7 +6670,7 @@
             <a:avLst/>
           </a:prstGeom>
           <a:solidFill>
-            <a:srgbClr val="8c8f8f"/>
+            <a:srgbClr val="8C8F8F"/>
           </a:solidFill>
           <a:ln>
             <a:noFill/>
@@ -5083,7 +6692,7 @@
             <a:avLst/>
           </a:prstGeom>
           <a:solidFill>
-            <a:srgbClr val="8c8f8f"/>
+            <a:srgbClr val="8C8F8F"/>
           </a:solidFill>
           <a:ln>
             <a:noFill/>
@@ -5105,7 +6714,7 @@
             <a:avLst/>
           </a:prstGeom>
           <a:solidFill>
-            <a:srgbClr val="8c8f8f"/>
+            <a:srgbClr val="8C8F8F"/>
           </a:solidFill>
           <a:ln>
             <a:noFill/>
@@ -5127,7 +6736,7 @@
             <a:avLst/>
           </a:prstGeom>
           <a:solidFill>
-            <a:srgbClr val="8c8f8f"/>
+            <a:srgbClr val="8C8F8F"/>
           </a:solidFill>
           <a:ln>
             <a:noFill/>
@@ -5149,7 +6758,7 @@
             <a:avLst/>
           </a:prstGeom>
           <a:solidFill>
-            <a:srgbClr val="8c8f8f"/>
+            <a:srgbClr val="8C8F8F"/>
           </a:solidFill>
           <a:ln>
             <a:noFill/>
@@ -5171,7 +6780,7 @@
             <a:avLst/>
           </a:prstGeom>
           <a:solidFill>
-            <a:srgbClr val="8c8f8f"/>
+            <a:srgbClr val="8C8F8F"/>
           </a:solidFill>
           <a:ln>
             <a:noFill/>
@@ -5193,7 +6802,7 @@
             <a:avLst/>
           </a:prstGeom>
           <a:solidFill>
-            <a:srgbClr val="8c8f8f"/>
+            <a:srgbClr val="8C8F8F"/>
           </a:solidFill>
           <a:ln>
             <a:noFill/>
@@ -5215,7 +6824,7 @@
             <a:avLst/>
           </a:prstGeom>
           <a:solidFill>
-            <a:srgbClr val="8c8f8f"/>
+            <a:srgbClr val="8C8F8F"/>
           </a:solidFill>
           <a:ln>
             <a:noFill/>
@@ -5237,7 +6846,7 @@
             <a:avLst/>
           </a:prstGeom>
           <a:solidFill>
-            <a:srgbClr val="8c8f8f"/>
+            <a:srgbClr val="8C8F8F"/>
           </a:solidFill>
           <a:ln>
             <a:noFill/>
@@ -5259,7 +6868,7 @@
             <a:avLst/>
           </a:prstGeom>
           <a:solidFill>
-            <a:srgbClr val="8c8f8f"/>
+            <a:srgbClr val="8C8F8F"/>
           </a:solidFill>
           <a:ln>
             <a:noFill/>
@@ -5281,7 +6890,7 @@
             <a:avLst/>
           </a:prstGeom>
           <a:solidFill>
-            <a:srgbClr val="8c8f8f"/>
+            <a:srgbClr val="8C8F8F"/>
           </a:solidFill>
           <a:ln>
             <a:noFill/>
@@ -5303,7 +6912,7 @@
             <a:avLst/>
           </a:prstGeom>
           <a:solidFill>
-            <a:srgbClr val="8c8f8f"/>
+            <a:srgbClr val="8C8F8F"/>
           </a:solidFill>
           <a:ln>
             <a:noFill/>
@@ -5325,7 +6934,7 @@
             <a:avLst/>
           </a:prstGeom>
           <a:solidFill>
-            <a:srgbClr val="8c8f8f"/>
+            <a:srgbClr val="8C8F8F"/>
           </a:solidFill>
           <a:ln>
             <a:noFill/>
@@ -5347,7 +6956,7 @@
             <a:avLst/>
           </a:prstGeom>
           <a:solidFill>
-            <a:srgbClr val="8c8f8f"/>
+            <a:srgbClr val="8C8F8F"/>
           </a:solidFill>
           <a:ln>
             <a:noFill/>
@@ -5369,7 +6978,7 @@
             <a:avLst/>
           </a:prstGeom>
           <a:solidFill>
-            <a:srgbClr val="8c8f8f"/>
+            <a:srgbClr val="8C8F8F"/>
           </a:solidFill>
           <a:ln>
             <a:noFill/>
@@ -5391,7 +7000,7 @@
             <a:avLst/>
           </a:prstGeom>
           <a:solidFill>
-            <a:srgbClr val="8c8f8f"/>
+            <a:srgbClr val="8C8F8F"/>
           </a:solidFill>
           <a:ln>
             <a:noFill/>
@@ -5413,7 +7022,7 @@
             <a:avLst/>
           </a:prstGeom>
           <a:solidFill>
-            <a:srgbClr val="8c8f8f"/>
+            <a:srgbClr val="8C8F8F"/>
           </a:solidFill>
           <a:ln>
             <a:noFill/>
@@ -5435,7 +7044,7 @@
             <a:avLst/>
           </a:prstGeom>
           <a:solidFill>
-            <a:srgbClr val="8c8f8f"/>
+            <a:srgbClr val="8C8F8F"/>
           </a:solidFill>
           <a:ln>
             <a:noFill/>
@@ -5457,7 +7066,7 @@
             <a:avLst/>
           </a:prstGeom>
           <a:solidFill>
-            <a:srgbClr val="8c8f8f"/>
+            <a:srgbClr val="8C8F8F"/>
           </a:solidFill>
           <a:ln>
             <a:noFill/>
@@ -5479,7 +7088,7 @@
             <a:avLst/>
           </a:prstGeom>
           <a:solidFill>
-            <a:srgbClr val="8c8f8f"/>
+            <a:srgbClr val="8C8F8F"/>
           </a:solidFill>
           <a:ln>
             <a:noFill/>
@@ -5501,7 +7110,7 @@
             <a:avLst/>
           </a:prstGeom>
           <a:solidFill>
-            <a:srgbClr val="8c8f8f"/>
+            <a:srgbClr val="8C8F8F"/>
           </a:solidFill>
           <a:ln>
             <a:noFill/>
@@ -5523,7 +7132,7 @@
             <a:avLst/>
           </a:prstGeom>
           <a:solidFill>
-            <a:srgbClr val="8c8f8f"/>
+            <a:srgbClr val="8C8F8F"/>
           </a:solidFill>
           <a:ln>
             <a:noFill/>
@@ -5545,7 +7154,7 @@
             <a:avLst/>
           </a:prstGeom>
           <a:solidFill>
-            <a:srgbClr val="8c8f8f"/>
+            <a:srgbClr val="8C8F8F"/>
           </a:solidFill>
           <a:ln>
             <a:noFill/>
@@ -5567,7 +7176,7 @@
             <a:avLst/>
           </a:prstGeom>
           <a:solidFill>
-            <a:srgbClr val="8c8f8f"/>
+            <a:srgbClr val="8C8F8F"/>
           </a:solidFill>
           <a:ln>
             <a:noFill/>
@@ -5589,7 +7198,7 @@
             <a:avLst/>
           </a:prstGeom>
           <a:solidFill>
-            <a:srgbClr val="8c8f8f"/>
+            <a:srgbClr val="8C8F8F"/>
           </a:solidFill>
           <a:ln>
             <a:noFill/>
@@ -5611,7 +7220,7 @@
             <a:avLst/>
           </a:prstGeom>
           <a:solidFill>
-            <a:srgbClr val="8c8f8f"/>
+            <a:srgbClr val="8C8F8F"/>
           </a:solidFill>
           <a:ln>
             <a:noFill/>
@@ -5633,7 +7242,7 @@
             <a:avLst/>
           </a:prstGeom>
           <a:solidFill>
-            <a:srgbClr val="8c8f8f"/>
+            <a:srgbClr val="8C8F8F"/>
           </a:solidFill>
           <a:ln>
             <a:noFill/>
@@ -5655,7 +7264,7 @@
             <a:avLst/>
           </a:prstGeom>
           <a:solidFill>
-            <a:srgbClr val="8c8f8f"/>
+            <a:srgbClr val="8C8F8F"/>
           </a:solidFill>
           <a:ln>
             <a:noFill/>
@@ -5677,7 +7286,7 @@
             <a:avLst/>
           </a:prstGeom>
           <a:solidFill>
-            <a:srgbClr val="8c8f8f"/>
+            <a:srgbClr val="8C8F8F"/>
           </a:solidFill>
           <a:ln>
             <a:noFill/>
@@ -5699,7 +7308,7 @@
             <a:avLst/>
           </a:prstGeom>
           <a:solidFill>
-            <a:srgbClr val="8c8f8f"/>
+            <a:srgbClr val="8C8F8F"/>
           </a:solidFill>
           <a:ln>
             <a:noFill/>
@@ -5721,7 +7330,7 @@
             <a:avLst/>
           </a:prstGeom>
           <a:solidFill>
-            <a:srgbClr val="8c8f8f"/>
+            <a:srgbClr val="8C8F8F"/>
           </a:solidFill>
           <a:ln>
             <a:noFill/>
@@ -5743,7 +7352,7 @@
             <a:avLst/>
           </a:prstGeom>
           <a:solidFill>
-            <a:srgbClr val="8c8f8f"/>
+            <a:srgbClr val="8C8F8F"/>
           </a:solidFill>
           <a:ln>
             <a:noFill/>
@@ -5765,7 +7374,7 @@
             <a:avLst/>
           </a:prstGeom>
           <a:solidFill>
-            <a:srgbClr val="8c8f8f"/>
+            <a:srgbClr val="8C8F8F"/>
           </a:solidFill>
           <a:ln>
             <a:noFill/>
@@ -5787,7 +7396,7 @@
             <a:avLst/>
           </a:prstGeom>
           <a:solidFill>
-            <a:srgbClr val="8c8f8f"/>
+            <a:srgbClr val="8C8F8F"/>
           </a:solidFill>
           <a:ln>
             <a:noFill/>
@@ -5809,7 +7418,7 @@
             <a:avLst/>
           </a:prstGeom>
           <a:solidFill>
-            <a:srgbClr val="8c8f8f"/>
+            <a:srgbClr val="8C8F8F"/>
           </a:solidFill>
           <a:ln>
             <a:noFill/>
@@ -5836,7 +7445,8 @@
           </a:prstGeom>
         </p:spPr>
         <p:txBody>
-          <a:bodyPr lIns="90000" rIns="90000" tIns="45000" bIns="45000"/>
+          <a:bodyPr lIns="90000" tIns="45000" rIns="90000" bIns="45000"/>
+          <a:lstStyle/>
           <a:p>
             <a:pPr>
               <a:lnSpc>
@@ -5877,7 +7487,8 @@
           </a:prstGeom>
         </p:spPr>
         <p:txBody>
-          <a:bodyPr lIns="90000" rIns="90000" tIns="45000" bIns="45000"/>
+          <a:bodyPr lIns="90000" tIns="45000" rIns="90000" bIns="45000"/>
+          <a:lstStyle/>
           <a:p>
             <a:pPr>
               <a:buSzPct val="45000"/>
@@ -5887,7 +7498,7 @@
             <a:r>
               <a:rPr lang="de-DE" sz="2400">
                 <a:solidFill>
-                  <a:srgbClr val="006c30"/>
+                  <a:srgbClr val="006C30"/>
                 </a:solidFill>
                 <a:latin typeface="LMU CompatilFact"/>
                 <a:ea typeface="MS PGothic"/>
@@ -5905,7 +7516,7 @@
             <a:r>
               <a:rPr lang="de-DE" sz="2400">
                 <a:solidFill>
-                  <a:srgbClr val="006c30"/>
+                  <a:srgbClr val="006C30"/>
                 </a:solidFill>
                 <a:latin typeface="LMU CompatilFact"/>
                 <a:ea typeface="MS PGothic"/>
@@ -5923,7 +7534,7 @@
             <a:r>
               <a:rPr lang="de-DE" sz="2400">
                 <a:solidFill>
-                  <a:srgbClr val="006c30"/>
+                  <a:srgbClr val="006C30"/>
                 </a:solidFill>
                 <a:latin typeface="LMU CompatilFact"/>
                 <a:ea typeface="MS PGothic"/>
@@ -5941,7 +7552,7 @@
             <a:r>
               <a:rPr lang="de-DE" sz="2400">
                 <a:solidFill>
-                  <a:srgbClr val="006c30"/>
+                  <a:srgbClr val="006C30"/>
                 </a:solidFill>
                 <a:latin typeface="LMU CompatilFact"/>
                 <a:ea typeface="MS PGothic"/>
@@ -5959,7 +7570,7 @@
             <a:r>
               <a:rPr lang="de-DE" sz="2400">
                 <a:solidFill>
-                  <a:srgbClr val="006c30"/>
+                  <a:srgbClr val="006C30"/>
                 </a:solidFill>
                 <a:latin typeface="LMU CompatilFact"/>
                 <a:ea typeface="MS PGothic"/>
@@ -5977,7 +7588,7 @@
             <a:r>
               <a:rPr lang="de-DE" sz="2400">
                 <a:solidFill>
-                  <a:srgbClr val="006c30"/>
+                  <a:srgbClr val="006C30"/>
                 </a:solidFill>
                 <a:latin typeface="LMU CompatilFact"/>
                 <a:ea typeface="MS PGothic"/>
@@ -5995,7 +7606,7 @@
             <a:r>
               <a:rPr lang="de-DE" sz="2400">
                 <a:solidFill>
-                  <a:srgbClr val="006c30"/>
+                  <a:srgbClr val="006C30"/>
                 </a:solidFill>
                 <a:latin typeface="LMU CompatilFact"/>
                 <a:ea typeface="MS PGothic"/>
@@ -6015,7 +7626,7 @@
             <a:r>
               <a:rPr lang="de-DE" sz="2000">
                 <a:solidFill>
-                  <a:srgbClr val="006c30"/>
+                  <a:srgbClr val="006C30"/>
                 </a:solidFill>
                 <a:latin typeface="LMU CompatilFact"/>
                 <a:ea typeface="Arial"/>
@@ -6035,7 +7646,7 @@
             <a:r>
               <a:rPr lang="de-DE">
                 <a:solidFill>
-                  <a:srgbClr val="006c30"/>
+                  <a:srgbClr val="006C30"/>
                 </a:solidFill>
                 <a:latin typeface="LMU CompatilFact"/>
                 <a:ea typeface="Arial"/>
@@ -6055,7 +7666,7 @@
             <a:r>
               <a:rPr lang="de-DE" sz="1600">
                 <a:solidFill>
-                  <a:srgbClr val="006c30"/>
+                  <a:srgbClr val="006C30"/>
                 </a:solidFill>
                 <a:latin typeface="LMU CompatilFact"/>
                 <a:ea typeface="Arial"/>
@@ -6086,7 +7697,8 @@
           </a:ln>
         </p:spPr>
         <p:txBody>
-          <a:bodyPr lIns="90000" rIns="90000" tIns="45000" bIns="45000"/>
+          <a:bodyPr lIns="90000" tIns="45000" rIns="90000" bIns="45000"/>
+          <a:lstStyle/>
           <a:p>
             <a:pPr algn="r">
               <a:lnSpc>
@@ -6111,7 +7723,7 @@
                 <a:latin typeface="LMU CompatilFact"/>
                 <a:ea typeface="MS PGothic"/>
               </a:rPr>
-              <a:t>&lt;number&gt;</a:t>
+              <a:t>‹#›</a:t>
             </a:fld>
             <a:r>
               <a:rPr lang="de-DE" sz="1600">
@@ -6129,12 +7741,12 @@
       </p:sp>
       <p:pic>
         <p:nvPicPr>
-          <p:cNvPr id="175" name="" descr=""/>
+          <p:cNvPr id="175" name="图片 174"/>
           <p:cNvPicPr/>
           <p:nvPr/>
         </p:nvPicPr>
         <p:blipFill>
-          <a:blip r:embed="rId4"/>
+          <a:blip r:embed="rId14"/>
           <a:stretch>
             <a:fillRect/>
           </a:stretch>
@@ -6154,26 +7766,306 @@
       </p:pic>
     </p:spTree>
   </p:cSld>
-  <p:clrMap bg1="lt1" bg2="lt2" tx1="dk1" tx2="dk2" accent1="accent1" accent2="accent2" accent3="accent3" accent4="accent4" accent5="accent5" accent6="accent6" hlink="hlink" folHlink="folHlink"/>
+  <p:clrMap bg1="lt1" tx1="dk1" bg2="lt2" tx2="dk2" accent1="accent1" accent2="accent2" accent3="accent3" accent4="accent4" accent5="accent5" accent6="accent6" hlink="hlink" folHlink="folHlink"/>
   <p:sldLayoutIdLst>
-    <p:sldLayoutId id="2147483662" r:id="rId5"/>
-    <p:sldLayoutId id="2147483663" r:id="rId6"/>
-    <p:sldLayoutId id="2147483664" r:id="rId7"/>
-    <p:sldLayoutId id="2147483665" r:id="rId8"/>
-    <p:sldLayoutId id="2147483666" r:id="rId9"/>
-    <p:sldLayoutId id="2147483667" r:id="rId10"/>
-    <p:sldLayoutId id="2147483668" r:id="rId11"/>
-    <p:sldLayoutId id="2147483669" r:id="rId12"/>
-    <p:sldLayoutId id="2147483670" r:id="rId13"/>
-    <p:sldLayoutId id="2147483671" r:id="rId14"/>
-    <p:sldLayoutId id="2147483672" r:id="rId15"/>
-    <p:sldLayoutId id="2147483673" r:id="rId16"/>
+    <p:sldLayoutId id="2147483662" r:id="rId1"/>
+    <p:sldLayoutId id="2147483663" r:id="rId2"/>
+    <p:sldLayoutId id="2147483664" r:id="rId3"/>
+    <p:sldLayoutId id="2147483665" r:id="rId4"/>
+    <p:sldLayoutId id="2147483666" r:id="rId5"/>
+    <p:sldLayoutId id="2147483667" r:id="rId6"/>
+    <p:sldLayoutId id="2147483668" r:id="rId7"/>
+    <p:sldLayoutId id="2147483669" r:id="rId8"/>
+    <p:sldLayoutId id="2147483670" r:id="rId9"/>
+    <p:sldLayoutId id="2147483671" r:id="rId10"/>
+    <p:sldLayoutId id="2147483672" r:id="rId11"/>
+    <p:sldLayoutId id="2147483673" r:id="rId12"/>
   </p:sldLayoutIdLst>
+  <p:txStyles>
+    <p:titleStyle>
+      <a:lvl1pPr algn="l" defTabSz="914400" rtl="0" eaLnBrk="1" latinLnBrk="0" hangingPunct="1">
+        <a:lnSpc>
+          <a:spcPct val="90000"/>
+        </a:lnSpc>
+        <a:spcBef>
+          <a:spcPct val="0"/>
+        </a:spcBef>
+        <a:buNone/>
+        <a:defRPr sz="4400" kern="1200">
+          <a:solidFill>
+            <a:schemeClr val="tx1"/>
+          </a:solidFill>
+          <a:latin typeface="+mj-lt"/>
+          <a:ea typeface="+mj-ea"/>
+          <a:cs typeface="+mj-cs"/>
+        </a:defRPr>
+      </a:lvl1pPr>
+    </p:titleStyle>
+    <p:bodyStyle>
+      <a:lvl1pPr marL="228600" indent="-228600" algn="l" defTabSz="914400" rtl="0" eaLnBrk="1" latinLnBrk="0" hangingPunct="1">
+        <a:lnSpc>
+          <a:spcPct val="90000"/>
+        </a:lnSpc>
+        <a:spcBef>
+          <a:spcPts val="1000"/>
+        </a:spcBef>
+        <a:buFont typeface="Arial" panose="020B0604020202020204" pitchFamily="34" charset="0"/>
+        <a:buChar char="•"/>
+        <a:defRPr sz="2800" kern="1200">
+          <a:solidFill>
+            <a:schemeClr val="tx1"/>
+          </a:solidFill>
+          <a:latin typeface="+mn-lt"/>
+          <a:ea typeface="+mn-ea"/>
+          <a:cs typeface="+mn-cs"/>
+        </a:defRPr>
+      </a:lvl1pPr>
+      <a:lvl2pPr marL="685800" indent="-228600" algn="l" defTabSz="914400" rtl="0" eaLnBrk="1" latinLnBrk="0" hangingPunct="1">
+        <a:lnSpc>
+          <a:spcPct val="90000"/>
+        </a:lnSpc>
+        <a:spcBef>
+          <a:spcPts val="500"/>
+        </a:spcBef>
+        <a:buFont typeface="Arial" panose="020B0604020202020204" pitchFamily="34" charset="0"/>
+        <a:buChar char="•"/>
+        <a:defRPr sz="2400" kern="1200">
+          <a:solidFill>
+            <a:schemeClr val="tx1"/>
+          </a:solidFill>
+          <a:latin typeface="+mn-lt"/>
+          <a:ea typeface="+mn-ea"/>
+          <a:cs typeface="+mn-cs"/>
+        </a:defRPr>
+      </a:lvl2pPr>
+      <a:lvl3pPr marL="1143000" indent="-228600" algn="l" defTabSz="914400" rtl="0" eaLnBrk="1" latinLnBrk="0" hangingPunct="1">
+        <a:lnSpc>
+          <a:spcPct val="90000"/>
+        </a:lnSpc>
+        <a:spcBef>
+          <a:spcPts val="500"/>
+        </a:spcBef>
+        <a:buFont typeface="Arial" panose="020B0604020202020204" pitchFamily="34" charset="0"/>
+        <a:buChar char="•"/>
+        <a:defRPr sz="2000" kern="1200">
+          <a:solidFill>
+            <a:schemeClr val="tx1"/>
+          </a:solidFill>
+          <a:latin typeface="+mn-lt"/>
+          <a:ea typeface="+mn-ea"/>
+          <a:cs typeface="+mn-cs"/>
+        </a:defRPr>
+      </a:lvl3pPr>
+      <a:lvl4pPr marL="1600200" indent="-228600" algn="l" defTabSz="914400" rtl="0" eaLnBrk="1" latinLnBrk="0" hangingPunct="1">
+        <a:lnSpc>
+          <a:spcPct val="90000"/>
+        </a:lnSpc>
+        <a:spcBef>
+          <a:spcPts val="500"/>
+        </a:spcBef>
+        <a:buFont typeface="Arial" panose="020B0604020202020204" pitchFamily="34" charset="0"/>
+        <a:buChar char="•"/>
+        <a:defRPr sz="1800" kern="1200">
+          <a:solidFill>
+            <a:schemeClr val="tx1"/>
+          </a:solidFill>
+          <a:latin typeface="+mn-lt"/>
+          <a:ea typeface="+mn-ea"/>
+          <a:cs typeface="+mn-cs"/>
+        </a:defRPr>
+      </a:lvl4pPr>
+      <a:lvl5pPr marL="2057400" indent="-228600" algn="l" defTabSz="914400" rtl="0" eaLnBrk="1" latinLnBrk="0" hangingPunct="1">
+        <a:lnSpc>
+          <a:spcPct val="90000"/>
+        </a:lnSpc>
+        <a:spcBef>
+          <a:spcPts val="500"/>
+        </a:spcBef>
+        <a:buFont typeface="Arial" panose="020B0604020202020204" pitchFamily="34" charset="0"/>
+        <a:buChar char="•"/>
+        <a:defRPr sz="1800" kern="1200">
+          <a:solidFill>
+            <a:schemeClr val="tx1"/>
+          </a:solidFill>
+          <a:latin typeface="+mn-lt"/>
+          <a:ea typeface="+mn-ea"/>
+          <a:cs typeface="+mn-cs"/>
+        </a:defRPr>
+      </a:lvl5pPr>
+      <a:lvl6pPr marL="2514600" indent="-228600" algn="l" defTabSz="914400" rtl="0" eaLnBrk="1" latinLnBrk="0" hangingPunct="1">
+        <a:lnSpc>
+          <a:spcPct val="90000"/>
+        </a:lnSpc>
+        <a:spcBef>
+          <a:spcPts val="500"/>
+        </a:spcBef>
+        <a:buFont typeface="Arial" panose="020B0604020202020204" pitchFamily="34" charset="0"/>
+        <a:buChar char="•"/>
+        <a:defRPr sz="1800" kern="1200">
+          <a:solidFill>
+            <a:schemeClr val="tx1"/>
+          </a:solidFill>
+          <a:latin typeface="+mn-lt"/>
+          <a:ea typeface="+mn-ea"/>
+          <a:cs typeface="+mn-cs"/>
+        </a:defRPr>
+      </a:lvl6pPr>
+      <a:lvl7pPr marL="2971800" indent="-228600" algn="l" defTabSz="914400" rtl="0" eaLnBrk="1" latinLnBrk="0" hangingPunct="1">
+        <a:lnSpc>
+          <a:spcPct val="90000"/>
+        </a:lnSpc>
+        <a:spcBef>
+          <a:spcPts val="500"/>
+        </a:spcBef>
+        <a:buFont typeface="Arial" panose="020B0604020202020204" pitchFamily="34" charset="0"/>
+        <a:buChar char="•"/>
+        <a:defRPr sz="1800" kern="1200">
+          <a:solidFill>
+            <a:schemeClr val="tx1"/>
+          </a:solidFill>
+          <a:latin typeface="+mn-lt"/>
+          <a:ea typeface="+mn-ea"/>
+          <a:cs typeface="+mn-cs"/>
+        </a:defRPr>
+      </a:lvl7pPr>
+      <a:lvl8pPr marL="3429000" indent="-228600" algn="l" defTabSz="914400" rtl="0" eaLnBrk="1" latinLnBrk="0" hangingPunct="1">
+        <a:lnSpc>
+          <a:spcPct val="90000"/>
+        </a:lnSpc>
+        <a:spcBef>
+          <a:spcPts val="500"/>
+        </a:spcBef>
+        <a:buFont typeface="Arial" panose="020B0604020202020204" pitchFamily="34" charset="0"/>
+        <a:buChar char="•"/>
+        <a:defRPr sz="1800" kern="1200">
+          <a:solidFill>
+            <a:schemeClr val="tx1"/>
+          </a:solidFill>
+          <a:latin typeface="+mn-lt"/>
+          <a:ea typeface="+mn-ea"/>
+          <a:cs typeface="+mn-cs"/>
+        </a:defRPr>
+      </a:lvl8pPr>
+      <a:lvl9pPr marL="3886200" indent="-228600" algn="l" defTabSz="914400" rtl="0" eaLnBrk="1" latinLnBrk="0" hangingPunct="1">
+        <a:lnSpc>
+          <a:spcPct val="90000"/>
+        </a:lnSpc>
+        <a:spcBef>
+          <a:spcPts val="500"/>
+        </a:spcBef>
+        <a:buFont typeface="Arial" panose="020B0604020202020204" pitchFamily="34" charset="0"/>
+        <a:buChar char="•"/>
+        <a:defRPr sz="1800" kern="1200">
+          <a:solidFill>
+            <a:schemeClr val="tx1"/>
+          </a:solidFill>
+          <a:latin typeface="+mn-lt"/>
+          <a:ea typeface="+mn-ea"/>
+          <a:cs typeface="+mn-cs"/>
+        </a:defRPr>
+      </a:lvl9pPr>
+    </p:bodyStyle>
+    <p:otherStyle>
+      <a:defPPr>
+        <a:defRPr lang="zh-CN"/>
+      </a:defPPr>
+      <a:lvl1pPr marL="0" algn="l" defTabSz="914400" rtl="0" eaLnBrk="1" latinLnBrk="0" hangingPunct="1">
+        <a:defRPr sz="1800" kern="1200">
+          <a:solidFill>
+            <a:schemeClr val="tx1"/>
+          </a:solidFill>
+          <a:latin typeface="+mn-lt"/>
+          <a:ea typeface="+mn-ea"/>
+          <a:cs typeface="+mn-cs"/>
+        </a:defRPr>
+      </a:lvl1pPr>
+      <a:lvl2pPr marL="457200" algn="l" defTabSz="914400" rtl="0" eaLnBrk="1" latinLnBrk="0" hangingPunct="1">
+        <a:defRPr sz="1800" kern="1200">
+          <a:solidFill>
+            <a:schemeClr val="tx1"/>
+          </a:solidFill>
+          <a:latin typeface="+mn-lt"/>
+          <a:ea typeface="+mn-ea"/>
+          <a:cs typeface="+mn-cs"/>
+        </a:defRPr>
+      </a:lvl2pPr>
+      <a:lvl3pPr marL="914400" algn="l" defTabSz="914400" rtl="0" eaLnBrk="1" latinLnBrk="0" hangingPunct="1">
+        <a:defRPr sz="1800" kern="1200">
+          <a:solidFill>
+            <a:schemeClr val="tx1"/>
+          </a:solidFill>
+          <a:latin typeface="+mn-lt"/>
+          <a:ea typeface="+mn-ea"/>
+          <a:cs typeface="+mn-cs"/>
+        </a:defRPr>
+      </a:lvl3pPr>
+      <a:lvl4pPr marL="1371600" algn="l" defTabSz="914400" rtl="0" eaLnBrk="1" latinLnBrk="0" hangingPunct="1">
+        <a:defRPr sz="1800" kern="1200">
+          <a:solidFill>
+            <a:schemeClr val="tx1"/>
+          </a:solidFill>
+          <a:latin typeface="+mn-lt"/>
+          <a:ea typeface="+mn-ea"/>
+          <a:cs typeface="+mn-cs"/>
+        </a:defRPr>
+      </a:lvl4pPr>
+      <a:lvl5pPr marL="1828800" algn="l" defTabSz="914400" rtl="0" eaLnBrk="1" latinLnBrk="0" hangingPunct="1">
+        <a:defRPr sz="1800" kern="1200">
+          <a:solidFill>
+            <a:schemeClr val="tx1"/>
+          </a:solidFill>
+          <a:latin typeface="+mn-lt"/>
+          <a:ea typeface="+mn-ea"/>
+          <a:cs typeface="+mn-cs"/>
+        </a:defRPr>
+      </a:lvl5pPr>
+      <a:lvl6pPr marL="2286000" algn="l" defTabSz="914400" rtl="0" eaLnBrk="1" latinLnBrk="0" hangingPunct="1">
+        <a:defRPr sz="1800" kern="1200">
+          <a:solidFill>
+            <a:schemeClr val="tx1"/>
+          </a:solidFill>
+          <a:latin typeface="+mn-lt"/>
+          <a:ea typeface="+mn-ea"/>
+          <a:cs typeface="+mn-cs"/>
+        </a:defRPr>
+      </a:lvl6pPr>
+      <a:lvl7pPr marL="2743200" algn="l" defTabSz="914400" rtl="0" eaLnBrk="1" latinLnBrk="0" hangingPunct="1">
+        <a:defRPr sz="1800" kern="1200">
+          <a:solidFill>
+            <a:schemeClr val="tx1"/>
+          </a:solidFill>
+          <a:latin typeface="+mn-lt"/>
+          <a:ea typeface="+mn-ea"/>
+          <a:cs typeface="+mn-cs"/>
+        </a:defRPr>
+      </a:lvl7pPr>
+      <a:lvl8pPr marL="3200400" algn="l" defTabSz="914400" rtl="0" eaLnBrk="1" latinLnBrk="0" hangingPunct="1">
+        <a:defRPr sz="1800" kern="1200">
+          <a:solidFill>
+            <a:schemeClr val="tx1"/>
+          </a:solidFill>
+          <a:latin typeface="+mn-lt"/>
+          <a:ea typeface="+mn-ea"/>
+          <a:cs typeface="+mn-cs"/>
+        </a:defRPr>
+      </a:lvl8pPr>
+      <a:lvl9pPr marL="3657600" algn="l" defTabSz="914400" rtl="0" eaLnBrk="1" latinLnBrk="0" hangingPunct="1">
+        <a:defRPr sz="1800" kern="1200">
+          <a:solidFill>
+            <a:schemeClr val="tx1"/>
+          </a:solidFill>
+          <a:latin typeface="+mn-lt"/>
+          <a:ea typeface="+mn-ea"/>
+          <a:cs typeface="+mn-cs"/>
+        </a:defRPr>
+      </a:lvl9pPr>
+    </p:otherStyle>
+  </p:txStyles>
 </p:sldMaster>
 </file>
 
 <file path=ppt/slides/slide1.xml><?xml version="1.0" encoding="utf-8"?>
-<p:sld xmlns:a="http://schemas.openxmlformats.org/drawingml/2006/main" xmlns:p="http://schemas.openxmlformats.org/presentationml/2006/main" xmlns:r="http://schemas.openxmlformats.org/officeDocument/2006/relationships">
+<p:sld xmlns:a="http://schemas.openxmlformats.org/drawingml/2006/main" xmlns:r="http://schemas.openxmlformats.org/officeDocument/2006/relationships" xmlns:p="http://schemas.openxmlformats.org/presentationml/2006/main">
   <p:cSld>
     <p:spTree>
       <p:nvGrpSpPr>
@@ -6205,7 +8097,8 @@
           </a:prstGeom>
         </p:spPr>
         <p:txBody>
-          <a:bodyPr lIns="90000" rIns="90000" tIns="45000" bIns="45000"/>
+          <a:bodyPr lIns="90000" tIns="45000" rIns="90000" bIns="45000"/>
+          <a:lstStyle/>
           <a:p>
             <a:pPr algn="ctr">
               <a:lnSpc>
@@ -6215,7 +8108,7 @@
             <a:r>
               <a:rPr lang="de-DE" sz="3600">
                 <a:solidFill>
-                  <a:srgbClr val="006c30"/>
+                  <a:srgbClr val="006C30"/>
                 </a:solidFill>
                 <a:latin typeface="LMU CompatilFact"/>
                 <a:ea typeface="MS PGothic"/>
@@ -6242,7 +8135,8 @@
           </a:prstGeom>
         </p:spPr>
         <p:txBody>
-          <a:bodyPr lIns="90000" rIns="90000" tIns="45000" bIns="45000"/>
+          <a:bodyPr lIns="90000" tIns="45000" rIns="90000" bIns="45000"/>
+          <a:lstStyle/>
           <a:p>
             <a:pPr algn="ctr">
               <a:lnSpc>
@@ -6252,7 +8146,7 @@
             <a:r>
               <a:rPr lang="de-DE" sz="2400">
                 <a:solidFill>
-                  <a:srgbClr val="006c30"/>
+                  <a:srgbClr val="006C30"/>
                 </a:solidFill>
                 <a:latin typeface="LMU CompatilFact"/>
                 <a:ea typeface="MS PGothic"/>
@@ -6278,7 +8172,7 @@
             <a:r>
               <a:rPr lang="de-DE" sz="2400">
                 <a:solidFill>
-                  <a:srgbClr val="006c30"/>
+                  <a:srgbClr val="006C30"/>
                 </a:solidFill>
                 <a:latin typeface="LMU CompatilFact"/>
                 <a:ea typeface="MS PGothic"/>
@@ -6296,7 +8190,7 @@
             <a:r>
               <a:rPr lang="de-DE" sz="2400">
                 <a:solidFill>
-                  <a:srgbClr val="006c30"/>
+                  <a:srgbClr val="006C30"/>
                 </a:solidFill>
                 <a:latin typeface="LMU CompatilFact"/>
                 <a:ea typeface="MS PGothic"/>
@@ -6314,7 +8208,7 @@
             <a:r>
               <a:rPr lang="de-DE" sz="2400">
                 <a:solidFill>
-                  <a:srgbClr val="006c30"/>
+                  <a:srgbClr val="006C30"/>
                 </a:solidFill>
                 <a:latin typeface="LMU CompatilFact"/>
                 <a:ea typeface="MS PGothic"/>
@@ -6327,6 +8221,9 @@
       </p:sp>
     </p:spTree>
   </p:cSld>
+  <p:clrMapOvr>
+    <a:masterClrMapping/>
+  </p:clrMapOvr>
   <p:transition spd="med">
     <p:fade/>
   </p:transition>
@@ -6338,14 +8235,1538 @@
             <p:seq>
               <p:cTn id="2" nodeType="mainSeq"/>
               <p:prevCondLst>
-                <p:cond delay="0" evt="onPrev">
+                <p:cond evt="onPrev" delay="0">
                   <p:tgtEl>
                     <p:sldTgt/>
                   </p:tgtEl>
                 </p:cond>
               </p:prevCondLst>
               <p:nextCondLst>
-                <p:cond delay="0" evt="onNext">
+                <p:cond evt="onNext" delay="0">
+                  <p:tgtEl>
+                    <p:sldTgt/>
+                  </p:tgtEl>
+                </p:cond>
+              </p:nextCondLst>
+            </p:seq>
+          </p:childTnLst>
+        </p:cTn>
+      </p:par>
+    </p:tnLst>
+  </p:timing>
+</p:sld>
+</file>
+
+<file path=ppt/slides/slide10.xml><?xml version="1.0" encoding="utf-8"?>
+<p:sld xmlns:a="http://schemas.openxmlformats.org/drawingml/2006/main" xmlns:r="http://schemas.openxmlformats.org/officeDocument/2006/relationships" xmlns:p="http://schemas.openxmlformats.org/presentationml/2006/main">
+  <p:cSld>
+    <p:spTree>
+      <p:nvGrpSpPr>
+        <p:cNvPr id="1" name=""/>
+        <p:cNvGrpSpPr/>
+        <p:nvPr/>
+      </p:nvGrpSpPr>
+      <p:grpSpPr>
+        <a:xfrm>
+          <a:off x="0" y="0"/>
+          <a:ext cx="0" cy="0"/>
+          <a:chOff x="0" y="0"/>
+          <a:chExt cx="0" cy="0"/>
+        </a:xfrm>
+      </p:grpSpPr>
+      <p:sp>
+        <p:nvSpPr>
+          <p:cNvPr id="237" name="TextShape 1"/>
+          <p:cNvSpPr txBox="1"/>
+          <p:nvPr/>
+        </p:nvSpPr>
+        <p:spPr>
+          <a:xfrm>
+            <a:off x="1951200" y="649440"/>
+            <a:ext cx="5140800" cy="359640"/>
+          </a:xfrm>
+          <a:prstGeom prst="rect">
+            <a:avLst/>
+          </a:prstGeom>
+        </p:spPr>
+        <p:txBody>
+          <a:bodyPr lIns="90000" tIns="45000" rIns="90000" bIns="45000"/>
+          <a:lstStyle/>
+          <a:p>
+            <a:pPr>
+              <a:lnSpc>
+                <a:spcPct val="100000"/>
+              </a:lnSpc>
+            </a:pPr>
+            <a:r>
+              <a:rPr lang="de-DE" sz="1600" dirty="0">
+                <a:solidFill>
+                  <a:srgbClr val="606060"/>
+                </a:solidFill>
+                <a:latin typeface="LMU CompatilFact"/>
+                <a:ea typeface="MS PGothic"/>
+              </a:rPr>
+              <a:t>Ergebnisse</a:t>
+            </a:r>
+            <a:endParaRPr dirty="0"/>
+          </a:p>
+        </p:txBody>
+      </p:sp>
+      <p:sp>
+        <p:nvSpPr>
+          <p:cNvPr id="238" name="TextShape 2"/>
+          <p:cNvSpPr txBox="1"/>
+          <p:nvPr/>
+        </p:nvSpPr>
+        <p:spPr>
+          <a:xfrm>
+            <a:off x="250920" y="1268280"/>
+            <a:ext cx="8642160" cy="5040720"/>
+          </a:xfrm>
+          <a:prstGeom prst="rect">
+            <a:avLst/>
+          </a:prstGeom>
+        </p:spPr>
+        <p:txBody>
+          <a:bodyPr lIns="90000" tIns="45000" rIns="90000" bIns="45000"/>
+          <a:lstStyle/>
+          <a:p>
+            <a:pPr>
+              <a:lnSpc>
+                <a:spcPct val="100000"/>
+              </a:lnSpc>
+            </a:pPr>
+            <a:r>
+              <a:rPr lang="de-DE" sz="2400" u="sng" dirty="0">
+                <a:solidFill>
+                  <a:srgbClr val="006C30"/>
+                </a:solidFill>
+                <a:latin typeface="LMU CompatilFact"/>
+                <a:ea typeface="MS PGothic"/>
+              </a:rPr>
+              <a:t>Ergebnisse</a:t>
+            </a:r>
+          </a:p>
+          <a:p>
+            <a:pPr>
+              <a:lnSpc>
+                <a:spcPct val="100000"/>
+              </a:lnSpc>
+            </a:pPr>
+            <a:endParaRPr lang="de-DE" sz="2400" u="sng" dirty="0">
+              <a:solidFill>
+                <a:srgbClr val="006C30"/>
+              </a:solidFill>
+              <a:latin typeface="LMU CompatilFact"/>
+              <a:ea typeface="MS PGothic"/>
+            </a:endParaRPr>
+          </a:p>
+          <a:p>
+            <a:pPr>
+              <a:lnSpc>
+                <a:spcPct val="100000"/>
+              </a:lnSpc>
+            </a:pPr>
+            <a:r>
+              <a:rPr lang="de-DE" sz="2400" dirty="0">
+                <a:solidFill>
+                  <a:srgbClr val="006C30"/>
+                </a:solidFill>
+                <a:latin typeface="LMU CompatilFact"/>
+                <a:ea typeface="MS PGothic"/>
+              </a:rPr>
+              <a:t>Aus 496 gesammelten Briefe Texte mit 20666 Wörtern:</a:t>
+            </a:r>
+            <a:endParaRPr lang="de-DE" sz="2400" u="sng" dirty="0">
+              <a:solidFill>
+                <a:srgbClr val="006C30"/>
+              </a:solidFill>
+              <a:latin typeface="LMU CompatilFact"/>
+              <a:ea typeface="MS PGothic"/>
+            </a:endParaRPr>
+          </a:p>
+          <a:p>
+            <a:pPr marL="342900" indent="-342900">
+              <a:lnSpc>
+                <a:spcPct val="100000"/>
+              </a:lnSpc>
+              <a:buFont typeface="Arial" panose="020B0604020202020204" pitchFamily="34" charset="0"/>
+              <a:buChar char="•"/>
+            </a:pPr>
+            <a:r>
+              <a:rPr lang="de-DE" sz="2400" b="1" dirty="0">
+                <a:solidFill>
+                  <a:srgbClr val="006C30"/>
+                </a:solidFill>
+                <a:latin typeface="LMU CompatilFact"/>
+                <a:ea typeface="MS PGothic"/>
+              </a:rPr>
+              <a:t>4592</a:t>
+            </a:r>
+            <a:r>
+              <a:rPr lang="de-DE" sz="2400" dirty="0">
+                <a:solidFill>
+                  <a:srgbClr val="006C30"/>
+                </a:solidFill>
+                <a:latin typeface="LMU CompatilFact"/>
+                <a:ea typeface="MS PGothic"/>
+              </a:rPr>
+              <a:t> Neue Wörter im Vergleich zur Witt-Lexikon sind extrahiert</a:t>
+            </a:r>
+          </a:p>
+          <a:p>
+            <a:pPr marL="342900" indent="-342900">
+              <a:lnSpc>
+                <a:spcPct val="100000"/>
+              </a:lnSpc>
+              <a:buFont typeface="Arial" panose="020B0604020202020204" pitchFamily="34" charset="0"/>
+              <a:buChar char="•"/>
+            </a:pPr>
+            <a:r>
+              <a:rPr lang="de-DE" sz="2400" b="1" dirty="0">
+                <a:solidFill>
+                  <a:srgbClr val="006C30"/>
+                </a:solidFill>
+                <a:latin typeface="LMU CompatilFact"/>
+                <a:ea typeface="MS PGothic"/>
+              </a:rPr>
+              <a:t>1384</a:t>
+            </a:r>
+            <a:r>
+              <a:rPr lang="de-DE" sz="2400" dirty="0">
+                <a:solidFill>
+                  <a:srgbClr val="006C30"/>
+                </a:solidFill>
+                <a:latin typeface="LMU CompatilFact"/>
+                <a:ea typeface="MS PGothic"/>
+              </a:rPr>
+              <a:t> ausländische Wörter als problematische Wörter ausgesiebt</a:t>
+            </a:r>
+          </a:p>
+          <a:p>
+            <a:pPr marL="342900" indent="-342900">
+              <a:lnSpc>
+                <a:spcPct val="100000"/>
+              </a:lnSpc>
+              <a:buFont typeface="Arial" panose="020B0604020202020204" pitchFamily="34" charset="0"/>
+              <a:buChar char="•"/>
+            </a:pPr>
+            <a:r>
+              <a:rPr lang="de-DE" sz="2400" b="1" dirty="0">
+                <a:solidFill>
+                  <a:srgbClr val="006C30"/>
+                </a:solidFill>
+                <a:latin typeface="LMU CompatilFact"/>
+                <a:ea typeface="MS PGothic"/>
+              </a:rPr>
+              <a:t>1377</a:t>
+            </a:r>
+            <a:r>
+              <a:rPr lang="de-DE" sz="2400" dirty="0">
+                <a:solidFill>
+                  <a:srgbClr val="006C30"/>
+                </a:solidFill>
+                <a:latin typeface="LMU CompatilFact"/>
+                <a:ea typeface="MS PGothic"/>
+              </a:rPr>
+              <a:t> Abkürzungen als </a:t>
+            </a:r>
+          </a:p>
+          <a:p>
+            <a:pPr>
+              <a:lnSpc>
+                <a:spcPct val="100000"/>
+              </a:lnSpc>
+            </a:pPr>
+            <a:r>
+              <a:rPr lang="de-DE" sz="2400" dirty="0">
+                <a:solidFill>
+                  <a:srgbClr val="006C30"/>
+                </a:solidFill>
+                <a:latin typeface="LMU CompatilFact"/>
+                <a:ea typeface="MS PGothic"/>
+              </a:rPr>
+              <a:t>     nicht wichtige Wörter ausgesiebt</a:t>
+            </a:r>
+          </a:p>
+          <a:p>
+            <a:pPr marL="342900" indent="-342900">
+              <a:lnSpc>
+                <a:spcPct val="100000"/>
+              </a:lnSpc>
+              <a:buFont typeface="Arial" panose="020B0604020202020204" pitchFamily="34" charset="0"/>
+              <a:buChar char="•"/>
+            </a:pPr>
+            <a:endParaRPr lang="de-DE" sz="2400" dirty="0">
+              <a:solidFill>
+                <a:srgbClr val="006C30"/>
+              </a:solidFill>
+              <a:latin typeface="LMU CompatilFact"/>
+              <a:ea typeface="MS PGothic"/>
+            </a:endParaRPr>
+          </a:p>
+          <a:p>
+            <a:pPr marL="342900" indent="-342900">
+              <a:lnSpc>
+                <a:spcPct val="100000"/>
+              </a:lnSpc>
+              <a:buFont typeface="Arial" panose="020B0604020202020204" pitchFamily="34" charset="0"/>
+              <a:buChar char="•"/>
+            </a:pPr>
+            <a:r>
+              <a:rPr lang="de-DE" sz="2400" dirty="0">
+                <a:solidFill>
+                  <a:srgbClr val="006C30"/>
+                </a:solidFill>
+                <a:latin typeface="LMU CompatilFact"/>
+                <a:ea typeface="MS PGothic"/>
+              </a:rPr>
+              <a:t>Danach noch </a:t>
+            </a:r>
+            <a:r>
+              <a:rPr lang="de-DE" sz="2400" b="1" dirty="0">
+                <a:solidFill>
+                  <a:srgbClr val="006C30"/>
+                </a:solidFill>
+                <a:latin typeface="LMU CompatilFact"/>
+                <a:ea typeface="MS PGothic"/>
+              </a:rPr>
+              <a:t>4432</a:t>
+            </a:r>
+            <a:r>
+              <a:rPr lang="de-DE" sz="2400" dirty="0">
+                <a:solidFill>
+                  <a:srgbClr val="006C30"/>
+                </a:solidFill>
+                <a:latin typeface="LMU CompatilFact"/>
+                <a:ea typeface="MS PGothic"/>
+              </a:rPr>
+              <a:t> neue Wörter. </a:t>
+            </a:r>
+          </a:p>
+          <a:p>
+            <a:pPr>
+              <a:lnSpc>
+                <a:spcPct val="100000"/>
+              </a:lnSpc>
+            </a:pPr>
+            <a:r>
+              <a:rPr lang="de-DE" sz="2400" dirty="0">
+                <a:solidFill>
+                  <a:srgbClr val="006C30"/>
+                </a:solidFill>
+                <a:latin typeface="LMU CompatilFact"/>
+                <a:ea typeface="MS PGothic"/>
+              </a:rPr>
+              <a:t>     </a:t>
+            </a:r>
+          </a:p>
+          <a:p>
+            <a:pPr>
+              <a:lnSpc>
+                <a:spcPct val="100000"/>
+              </a:lnSpc>
+            </a:pPr>
+            <a:r>
+              <a:rPr lang="de-DE" sz="2400" dirty="0">
+                <a:solidFill>
+                  <a:srgbClr val="006C30"/>
+                </a:solidFill>
+                <a:latin typeface="LMU CompatilFact"/>
+                <a:ea typeface="MS PGothic"/>
+              </a:rPr>
+              <a:t>     </a:t>
+            </a:r>
+            <a:r>
+              <a:rPr lang="en-US" altLang="zh-CN" sz="2400" dirty="0">
+                <a:solidFill>
+                  <a:srgbClr val="006C30"/>
+                </a:solidFill>
+                <a:latin typeface="LMU CompatilFact"/>
+                <a:ea typeface="MS PGothic"/>
+              </a:rPr>
+              <a:t>-&gt; </a:t>
+            </a:r>
+            <a:r>
+              <a:rPr lang="de-DE" sz="2400" dirty="0">
+                <a:solidFill>
+                  <a:srgbClr val="006C30"/>
+                </a:solidFill>
+                <a:latin typeface="LMU CompatilFact"/>
+                <a:ea typeface="MS PGothic"/>
+              </a:rPr>
+              <a:t>Die Aufteilung von deutsche- </a:t>
+            </a:r>
+          </a:p>
+          <a:p>
+            <a:pPr>
+              <a:lnSpc>
+                <a:spcPct val="100000"/>
+              </a:lnSpc>
+            </a:pPr>
+            <a:r>
+              <a:rPr lang="de-DE" sz="2400" dirty="0">
+                <a:solidFill>
+                  <a:srgbClr val="006C30"/>
+                </a:solidFill>
+                <a:latin typeface="LMU CompatilFact"/>
+                <a:ea typeface="MS PGothic"/>
+              </a:rPr>
+              <a:t>          und englischen Wörter: </a:t>
+            </a:r>
+          </a:p>
+        </p:txBody>
+      </p:sp>
+      <p:graphicFrame>
+        <p:nvGraphicFramePr>
+          <p:cNvPr id="5" name="图表 4">
+            <a:extLst>
+              <a:ext uri="{FF2B5EF4-FFF2-40B4-BE49-F238E27FC236}">
+                <a16:creationId xmlns:a16="http://schemas.microsoft.com/office/drawing/2014/main" id="{F69220DB-0142-49BB-B114-BFD06179E7BD}"/>
+              </a:ext>
+            </a:extLst>
+          </p:cNvPr>
+          <p:cNvGraphicFramePr/>
+          <p:nvPr>
+            <p:extLst>
+              <p:ext uri="{D42A27DB-BD31-4B8C-83A1-F6EECF244321}">
+                <p14:modId xmlns:p14="http://schemas.microsoft.com/office/powerpoint/2010/main" val="3913723606"/>
+              </p:ext>
+            </p:extLst>
+          </p:nvPr>
+        </p:nvGraphicFramePr>
+        <p:xfrm>
+          <a:off x="3671599" y="2794000"/>
+          <a:ext cx="6096000" cy="4064000"/>
+        </p:xfrm>
+        <a:graphic>
+          <a:graphicData uri="http://schemas.openxmlformats.org/drawingml/2006/chart">
+            <c:chart xmlns:c="http://schemas.openxmlformats.org/drawingml/2006/chart" xmlns:r="http://schemas.openxmlformats.org/officeDocument/2006/relationships" r:id="rId2"/>
+          </a:graphicData>
+        </a:graphic>
+      </p:graphicFrame>
+    </p:spTree>
+    <p:extLst>
+      <p:ext uri="{BB962C8B-B14F-4D97-AF65-F5344CB8AC3E}">
+        <p14:creationId xmlns:p14="http://schemas.microsoft.com/office/powerpoint/2010/main" val="1158037724"/>
+      </p:ext>
+    </p:extLst>
+  </p:cSld>
+  <p:clrMapOvr>
+    <a:masterClrMapping/>
+  </p:clrMapOvr>
+  <p:transition spd="med">
+    <p:fade/>
+  </p:transition>
+  <p:timing>
+    <p:tnLst>
+      <p:par>
+        <p:cTn id="1" dur="indefinite" restart="never" nodeType="tmRoot">
+          <p:childTnLst>
+            <p:seq>
+              <p:cTn id="2" nodeType="mainSeq"/>
+              <p:prevCondLst>
+                <p:cond evt="onPrev" delay="0">
+                  <p:tgtEl>
+                    <p:sldTgt/>
+                  </p:tgtEl>
+                </p:cond>
+              </p:prevCondLst>
+              <p:nextCondLst>
+                <p:cond evt="onNext" delay="0">
+                  <p:tgtEl>
+                    <p:sldTgt/>
+                  </p:tgtEl>
+                </p:cond>
+              </p:nextCondLst>
+            </p:seq>
+          </p:childTnLst>
+        </p:cTn>
+      </p:par>
+    </p:tnLst>
+  </p:timing>
+</p:sld>
+</file>
+
+<file path=ppt/slides/slide11.xml><?xml version="1.0" encoding="utf-8"?>
+<p:sld xmlns:a="http://schemas.openxmlformats.org/drawingml/2006/main" xmlns:r="http://schemas.openxmlformats.org/officeDocument/2006/relationships" xmlns:p="http://schemas.openxmlformats.org/presentationml/2006/main">
+  <p:cSld>
+    <p:spTree>
+      <p:nvGrpSpPr>
+        <p:cNvPr id="1" name=""/>
+        <p:cNvGrpSpPr/>
+        <p:nvPr/>
+      </p:nvGrpSpPr>
+      <p:grpSpPr>
+        <a:xfrm>
+          <a:off x="0" y="0"/>
+          <a:ext cx="0" cy="0"/>
+          <a:chOff x="0" y="0"/>
+          <a:chExt cx="0" cy="0"/>
+        </a:xfrm>
+      </p:grpSpPr>
+      <p:sp>
+        <p:nvSpPr>
+          <p:cNvPr id="230" name="TextShape 1"/>
+          <p:cNvSpPr txBox="1"/>
+          <p:nvPr/>
+        </p:nvSpPr>
+        <p:spPr>
+          <a:xfrm>
+            <a:off x="1951200" y="649440"/>
+            <a:ext cx="5140800" cy="359640"/>
+          </a:xfrm>
+          <a:prstGeom prst="rect">
+            <a:avLst/>
+          </a:prstGeom>
+        </p:spPr>
+        <p:txBody>
+          <a:bodyPr lIns="90000" tIns="45000" rIns="90000" bIns="45000"/>
+          <a:lstStyle/>
+          <a:p>
+            <a:pPr>
+              <a:lnSpc>
+                <a:spcPct val="100000"/>
+              </a:lnSpc>
+            </a:pPr>
+            <a:r>
+              <a:rPr lang="de-DE" altLang="zh-CN" sz="1600" dirty="0">
+                <a:solidFill>
+                  <a:srgbClr val="606060"/>
+                </a:solidFill>
+                <a:latin typeface="LMU CompatilFact"/>
+                <a:ea typeface="MS PGothic"/>
+              </a:rPr>
+              <a:t>Ergebnisse</a:t>
+            </a:r>
+            <a:endParaRPr lang="de-DE" altLang="zh-CN" sz="1600" dirty="0"/>
+          </a:p>
+        </p:txBody>
+      </p:sp>
+      <p:sp>
+        <p:nvSpPr>
+          <p:cNvPr id="231" name="TextShape 2"/>
+          <p:cNvSpPr txBox="1"/>
+          <p:nvPr/>
+        </p:nvSpPr>
+        <p:spPr>
+          <a:xfrm>
+            <a:off x="250920" y="1268280"/>
+            <a:ext cx="7766029" cy="5040720"/>
+          </a:xfrm>
+          <a:prstGeom prst="rect">
+            <a:avLst/>
+          </a:prstGeom>
+        </p:spPr>
+        <p:txBody>
+          <a:bodyPr lIns="90000" tIns="45000" rIns="90000" bIns="45000"/>
+          <a:lstStyle/>
+          <a:p>
+            <a:pPr marL="342900" indent="-342900">
+              <a:lnSpc>
+                <a:spcPct val="100000"/>
+              </a:lnSpc>
+              <a:buFont typeface="Arial" panose="020B0604020202020204" pitchFamily="34" charset="0"/>
+              <a:buChar char="•"/>
+            </a:pPr>
+            <a:r>
+              <a:rPr lang="de-DE" sz="2400" dirty="0">
+                <a:solidFill>
+                  <a:srgbClr val="006C30"/>
+                </a:solidFill>
+                <a:latin typeface="LMU CompatilFact"/>
+                <a:ea typeface="MS PGothic"/>
+              </a:rPr>
+              <a:t>Aus den CIS-Lexikon sind 16967 Einträge ausgenommen und sortiert --&gt; Der Grundstein von neuen Einträgen</a:t>
+            </a:r>
+          </a:p>
+          <a:p>
+            <a:pPr marL="342900" indent="-342900">
+              <a:lnSpc>
+                <a:spcPct val="100000"/>
+              </a:lnSpc>
+              <a:buFont typeface="Arial" panose="020B0604020202020204" pitchFamily="34" charset="0"/>
+              <a:buChar char="•"/>
+            </a:pPr>
+            <a:r>
+              <a:rPr lang="de-DE" sz="2400" dirty="0">
+                <a:solidFill>
+                  <a:srgbClr val="006C30"/>
+                </a:solidFill>
+                <a:latin typeface="LMU CompatilFact"/>
+                <a:ea typeface="MS PGothic"/>
+              </a:rPr>
+              <a:t>Mit </a:t>
+            </a:r>
+            <a:r>
+              <a:rPr lang="de-DE" sz="2400" dirty="0" err="1">
+                <a:solidFill>
+                  <a:srgbClr val="006C30"/>
+                </a:solidFill>
+                <a:latin typeface="LMU CompatilFact"/>
+                <a:ea typeface="MS PGothic"/>
+              </a:rPr>
+              <a:t>TreeTagger</a:t>
+            </a:r>
+            <a:r>
+              <a:rPr lang="de-DE" sz="2400" dirty="0">
+                <a:solidFill>
+                  <a:srgbClr val="006C30"/>
+                </a:solidFill>
+                <a:latin typeface="LMU CompatilFact"/>
+                <a:ea typeface="MS PGothic"/>
+              </a:rPr>
+              <a:t> verarbeiteten Wörter schon bekommen:</a:t>
+            </a:r>
+          </a:p>
+          <a:p>
+            <a:pPr marL="342900" indent="-342900">
+              <a:lnSpc>
+                <a:spcPct val="100000"/>
+              </a:lnSpc>
+              <a:buFont typeface="Arial" panose="020B0604020202020204" pitchFamily="34" charset="0"/>
+              <a:buChar char="•"/>
+            </a:pPr>
+            <a:endParaRPr lang="de-DE" sz="2400" dirty="0">
+              <a:solidFill>
+                <a:srgbClr val="006C30"/>
+              </a:solidFill>
+              <a:latin typeface="LMU CompatilFact"/>
+              <a:ea typeface="MS PGothic"/>
+            </a:endParaRPr>
+          </a:p>
+          <a:p>
+            <a:pPr marL="342900" indent="-342900">
+              <a:lnSpc>
+                <a:spcPct val="100000"/>
+              </a:lnSpc>
+              <a:buFont typeface="Arial" panose="020B0604020202020204" pitchFamily="34" charset="0"/>
+              <a:buChar char="•"/>
+            </a:pPr>
+            <a:endParaRPr lang="de-DE" sz="2400" dirty="0">
+              <a:solidFill>
+                <a:srgbClr val="006C30"/>
+              </a:solidFill>
+              <a:latin typeface="LMU CompatilFact"/>
+              <a:ea typeface="MS PGothic"/>
+            </a:endParaRPr>
+          </a:p>
+          <a:p>
+            <a:pPr marL="342900" indent="-342900">
+              <a:lnSpc>
+                <a:spcPct val="100000"/>
+              </a:lnSpc>
+              <a:buFont typeface="Arial" panose="020B0604020202020204" pitchFamily="34" charset="0"/>
+              <a:buChar char="•"/>
+            </a:pPr>
+            <a:endParaRPr lang="de-DE" sz="2400" dirty="0">
+              <a:solidFill>
+                <a:srgbClr val="006C30"/>
+              </a:solidFill>
+              <a:latin typeface="LMU CompatilFact"/>
+              <a:ea typeface="MS PGothic"/>
+            </a:endParaRPr>
+          </a:p>
+          <a:p>
+            <a:pPr marL="342900" indent="-342900">
+              <a:lnSpc>
+                <a:spcPct val="100000"/>
+              </a:lnSpc>
+              <a:buFont typeface="Arial" panose="020B0604020202020204" pitchFamily="34" charset="0"/>
+              <a:buChar char="•"/>
+            </a:pPr>
+            <a:endParaRPr lang="de-DE" sz="2400" dirty="0">
+              <a:solidFill>
+                <a:srgbClr val="006C30"/>
+              </a:solidFill>
+              <a:latin typeface="LMU CompatilFact"/>
+              <a:ea typeface="MS PGothic"/>
+            </a:endParaRPr>
+          </a:p>
+          <a:p>
+            <a:pPr marL="342900" indent="-342900">
+              <a:lnSpc>
+                <a:spcPct val="100000"/>
+              </a:lnSpc>
+              <a:buFont typeface="Arial" panose="020B0604020202020204" pitchFamily="34" charset="0"/>
+              <a:buChar char="•"/>
+            </a:pPr>
+            <a:endParaRPr lang="de-DE" sz="2400" dirty="0">
+              <a:solidFill>
+                <a:srgbClr val="006C30"/>
+              </a:solidFill>
+              <a:latin typeface="LMU CompatilFact"/>
+              <a:ea typeface="MS PGothic"/>
+            </a:endParaRPr>
+          </a:p>
+          <a:p>
+            <a:pPr marL="342900" indent="-342900">
+              <a:lnSpc>
+                <a:spcPct val="100000"/>
+              </a:lnSpc>
+              <a:buFont typeface="Arial" panose="020B0604020202020204" pitchFamily="34" charset="0"/>
+              <a:buChar char="•"/>
+            </a:pPr>
+            <a:endParaRPr lang="de-DE" sz="2400" dirty="0">
+              <a:solidFill>
+                <a:srgbClr val="006C30"/>
+              </a:solidFill>
+              <a:latin typeface="LMU CompatilFact"/>
+              <a:ea typeface="MS PGothic"/>
+            </a:endParaRPr>
+          </a:p>
+          <a:p>
+            <a:pPr marL="342900" indent="-342900">
+              <a:lnSpc>
+                <a:spcPct val="100000"/>
+              </a:lnSpc>
+              <a:buFont typeface="Arial" panose="020B0604020202020204" pitchFamily="34" charset="0"/>
+              <a:buChar char="•"/>
+            </a:pPr>
+            <a:endParaRPr lang="de-DE" sz="2400" dirty="0">
+              <a:solidFill>
+                <a:srgbClr val="006C30"/>
+              </a:solidFill>
+              <a:latin typeface="LMU CompatilFact"/>
+              <a:ea typeface="MS PGothic"/>
+            </a:endParaRPr>
+          </a:p>
+          <a:p>
+            <a:pPr marL="342900" indent="-342900">
+              <a:lnSpc>
+                <a:spcPct val="100000"/>
+              </a:lnSpc>
+              <a:buFont typeface="Arial" panose="020B0604020202020204" pitchFamily="34" charset="0"/>
+              <a:buChar char="•"/>
+            </a:pPr>
+            <a:endParaRPr lang="de-DE" sz="2400" dirty="0">
+              <a:solidFill>
+                <a:srgbClr val="006C30"/>
+              </a:solidFill>
+              <a:latin typeface="LMU CompatilFact"/>
+              <a:ea typeface="MS PGothic"/>
+            </a:endParaRPr>
+          </a:p>
+          <a:p>
+            <a:pPr marL="342900" indent="-342900">
+              <a:lnSpc>
+                <a:spcPct val="100000"/>
+              </a:lnSpc>
+              <a:buFont typeface="Arial" panose="020B0604020202020204" pitchFamily="34" charset="0"/>
+              <a:buChar char="•"/>
+            </a:pPr>
+            <a:r>
+              <a:rPr lang="de-DE" sz="2400" dirty="0">
+                <a:solidFill>
+                  <a:srgbClr val="006C30"/>
+                </a:solidFill>
+                <a:latin typeface="LMU CompatilFact"/>
+                <a:ea typeface="MS PGothic"/>
+              </a:rPr>
+              <a:t>Per </a:t>
+            </a:r>
+            <a:r>
+              <a:rPr lang="de-DE" sz="2400" dirty="0" err="1">
+                <a:solidFill>
+                  <a:srgbClr val="006C30"/>
+                </a:solidFill>
+                <a:latin typeface="LMU CompatilFact"/>
+                <a:ea typeface="MS PGothic"/>
+              </a:rPr>
+              <a:t>Stemming</a:t>
+            </a:r>
+            <a:r>
+              <a:rPr lang="de-DE" sz="2400" dirty="0">
+                <a:solidFill>
+                  <a:srgbClr val="006C30"/>
+                </a:solidFill>
+                <a:latin typeface="LMU CompatilFact"/>
+                <a:ea typeface="MS PGothic"/>
+              </a:rPr>
+              <a:t> sortierte 2 Wörter Liste bekommen:</a:t>
+            </a:r>
+          </a:p>
+          <a:p>
+            <a:pPr lvl="1"/>
+            <a:r>
+              <a:rPr lang="de-DE" sz="2000" dirty="0">
+                <a:solidFill>
+                  <a:srgbClr val="006C30"/>
+                </a:solidFill>
+                <a:latin typeface="LMU CompatilFact"/>
+                <a:ea typeface="MS PGothic"/>
+              </a:rPr>
+              <a:t>-Ein Form des neuen Wort existiert schon in der Lexikon;</a:t>
+            </a:r>
+          </a:p>
+          <a:p>
+            <a:pPr lvl="1"/>
+            <a:r>
+              <a:rPr lang="de-DE" sz="2000" dirty="0">
+                <a:solidFill>
+                  <a:srgbClr val="006C30"/>
+                </a:solidFill>
+                <a:latin typeface="LMU CompatilFact"/>
+                <a:ea typeface="MS PGothic"/>
+              </a:rPr>
+              <a:t>-Das neue Wort ist komplett neu für die Lexikon</a:t>
+            </a:r>
+            <a:r>
+              <a:rPr lang="de-DE" sz="2400" dirty="0">
+                <a:solidFill>
+                  <a:srgbClr val="006C30"/>
+                </a:solidFill>
+                <a:latin typeface="LMU CompatilFact"/>
+                <a:ea typeface="MS PGothic"/>
+              </a:rPr>
+              <a:t>.</a:t>
+            </a:r>
+          </a:p>
+          <a:p>
+            <a:pPr>
+              <a:lnSpc>
+                <a:spcPct val="100000"/>
+              </a:lnSpc>
+            </a:pPr>
+            <a:endParaRPr dirty="0"/>
+          </a:p>
+        </p:txBody>
+      </p:sp>
+      <p:pic>
+        <p:nvPicPr>
+          <p:cNvPr id="4" name="图片 3">
+            <a:extLst>
+              <a:ext uri="{FF2B5EF4-FFF2-40B4-BE49-F238E27FC236}">
+                <a16:creationId xmlns:a16="http://schemas.microsoft.com/office/drawing/2014/main" id="{B57CE85E-90CD-40B9-BBF6-95F45B15FC02}"/>
+              </a:ext>
+            </a:extLst>
+          </p:cNvPr>
+          <p:cNvPicPr>
+            <a:picLocks noChangeAspect="1"/>
+          </p:cNvPicPr>
+          <p:nvPr/>
+        </p:nvPicPr>
+        <p:blipFill rotWithShape="1">
+          <a:blip r:embed="rId2">
+            <a:extLst>
+              <a:ext uri="{28A0092B-C50C-407E-A947-70E740481C1C}">
+                <a14:useLocalDpi xmlns:a14="http://schemas.microsoft.com/office/drawing/2010/main" val="0"/>
+              </a:ext>
+            </a:extLst>
+          </a:blip>
+          <a:srcRect r="9202" b="19801"/>
+          <a:stretch/>
+        </p:blipFill>
+        <p:spPr>
+          <a:xfrm>
+            <a:off x="1951200" y="2641352"/>
+            <a:ext cx="4647414" cy="2592288"/>
+          </a:xfrm>
+          <a:prstGeom prst="rect">
+            <a:avLst/>
+          </a:prstGeom>
+        </p:spPr>
+      </p:pic>
+    </p:spTree>
+    <p:extLst>
+      <p:ext uri="{BB962C8B-B14F-4D97-AF65-F5344CB8AC3E}">
+        <p14:creationId xmlns:p14="http://schemas.microsoft.com/office/powerpoint/2010/main" val="992438512"/>
+      </p:ext>
+    </p:extLst>
+  </p:cSld>
+  <p:clrMapOvr>
+    <a:masterClrMapping/>
+  </p:clrMapOvr>
+  <p:transition spd="med">
+    <p:fade/>
+  </p:transition>
+  <p:timing>
+    <p:tnLst>
+      <p:par>
+        <p:cTn id="1" dur="indefinite" restart="never" nodeType="tmRoot">
+          <p:childTnLst>
+            <p:seq>
+              <p:cTn id="2" nodeType="mainSeq"/>
+              <p:prevCondLst>
+                <p:cond evt="onPrev" delay="0">
+                  <p:tgtEl>
+                    <p:sldTgt/>
+                  </p:tgtEl>
+                </p:cond>
+              </p:prevCondLst>
+              <p:nextCondLst>
+                <p:cond evt="onNext" delay="0">
+                  <p:tgtEl>
+                    <p:sldTgt/>
+                  </p:tgtEl>
+                </p:cond>
+              </p:nextCondLst>
+            </p:seq>
+          </p:childTnLst>
+        </p:cTn>
+      </p:par>
+    </p:tnLst>
+  </p:timing>
+</p:sld>
+</file>
+
+<file path=ppt/slides/slide12.xml><?xml version="1.0" encoding="utf-8"?>
+<p:sld xmlns:a="http://schemas.openxmlformats.org/drawingml/2006/main" xmlns:r="http://schemas.openxmlformats.org/officeDocument/2006/relationships" xmlns:p="http://schemas.openxmlformats.org/presentationml/2006/main">
+  <p:cSld>
+    <p:spTree>
+      <p:nvGrpSpPr>
+        <p:cNvPr id="1" name=""/>
+        <p:cNvGrpSpPr/>
+        <p:nvPr/>
+      </p:nvGrpSpPr>
+      <p:grpSpPr>
+        <a:xfrm>
+          <a:off x="0" y="0"/>
+          <a:ext cx="0" cy="0"/>
+          <a:chOff x="0" y="0"/>
+          <a:chExt cx="0" cy="0"/>
+        </a:xfrm>
+      </p:grpSpPr>
+      <p:sp>
+        <p:nvSpPr>
+          <p:cNvPr id="230" name="TextShape 1"/>
+          <p:cNvSpPr txBox="1"/>
+          <p:nvPr/>
+        </p:nvSpPr>
+        <p:spPr>
+          <a:xfrm>
+            <a:off x="1951200" y="649440"/>
+            <a:ext cx="5140800" cy="359640"/>
+          </a:xfrm>
+          <a:prstGeom prst="rect">
+            <a:avLst/>
+          </a:prstGeom>
+        </p:spPr>
+        <p:txBody>
+          <a:bodyPr lIns="90000" tIns="45000" rIns="90000" bIns="45000"/>
+          <a:lstStyle/>
+          <a:p>
+            <a:pPr>
+              <a:lnSpc>
+                <a:spcPct val="100000"/>
+              </a:lnSpc>
+            </a:pPr>
+            <a:r>
+              <a:rPr lang="de-DE" sz="1600" dirty="0">
+                <a:solidFill>
+                  <a:srgbClr val="606060"/>
+                </a:solidFill>
+                <a:latin typeface="LMU CompatilFact"/>
+                <a:ea typeface="MS PGothic"/>
+              </a:rPr>
+              <a:t>Schwierigkeiten &amp; </a:t>
+            </a:r>
+            <a:r>
+              <a:rPr lang="de-DE" sz="1600" dirty="0" err="1">
+                <a:solidFill>
+                  <a:srgbClr val="606060"/>
+                </a:solidFill>
+                <a:latin typeface="LMU CompatilFact"/>
+                <a:ea typeface="MS PGothic"/>
+              </a:rPr>
+              <a:t>Problme</a:t>
+            </a:r>
+            <a:endParaRPr dirty="0"/>
+          </a:p>
+        </p:txBody>
+      </p:sp>
+      <p:sp>
+        <p:nvSpPr>
+          <p:cNvPr id="231" name="TextShape 2"/>
+          <p:cNvSpPr txBox="1"/>
+          <p:nvPr/>
+        </p:nvSpPr>
+        <p:spPr>
+          <a:xfrm>
+            <a:off x="313741" y="1265562"/>
+            <a:ext cx="7797927" cy="5040720"/>
+          </a:xfrm>
+          <a:prstGeom prst="rect">
+            <a:avLst/>
+          </a:prstGeom>
+        </p:spPr>
+        <p:txBody>
+          <a:bodyPr lIns="90000" tIns="45000" rIns="90000" bIns="45000"/>
+          <a:lstStyle/>
+          <a:p>
+            <a:pPr>
+              <a:lnSpc>
+                <a:spcPct val="100000"/>
+              </a:lnSpc>
+            </a:pPr>
+            <a:r>
+              <a:rPr lang="de-DE" sz="2400" u="sng" dirty="0">
+                <a:solidFill>
+                  <a:srgbClr val="006C30"/>
+                </a:solidFill>
+                <a:latin typeface="LMU CompatilFact"/>
+                <a:ea typeface="MS PGothic"/>
+              </a:rPr>
+              <a:t>Schwierigkeiten &amp; </a:t>
+            </a:r>
+            <a:r>
+              <a:rPr lang="de-DE" sz="2400" u="sng" dirty="0" err="1">
+                <a:solidFill>
+                  <a:srgbClr val="006C30"/>
+                </a:solidFill>
+                <a:latin typeface="LMU CompatilFact"/>
+                <a:ea typeface="MS PGothic"/>
+              </a:rPr>
+              <a:t>Problme</a:t>
+            </a:r>
+            <a:endParaRPr lang="de-DE" sz="2400" u="sng" dirty="0">
+              <a:solidFill>
+                <a:srgbClr val="006C30"/>
+              </a:solidFill>
+              <a:latin typeface="LMU CompatilFact"/>
+              <a:ea typeface="MS PGothic"/>
+            </a:endParaRPr>
+          </a:p>
+          <a:p>
+            <a:pPr>
+              <a:lnSpc>
+                <a:spcPct val="100000"/>
+              </a:lnSpc>
+            </a:pPr>
+            <a:endParaRPr lang="de-DE" sz="2400" u="sng" dirty="0">
+              <a:solidFill>
+                <a:srgbClr val="006C30"/>
+              </a:solidFill>
+              <a:latin typeface="LMU CompatilFact"/>
+              <a:ea typeface="MS PGothic"/>
+            </a:endParaRPr>
+          </a:p>
+          <a:p>
+            <a:pPr marL="457200" indent="-457200">
+              <a:lnSpc>
+                <a:spcPct val="100000"/>
+              </a:lnSpc>
+              <a:spcBef>
+                <a:spcPts val="600"/>
+              </a:spcBef>
+              <a:buFont typeface="+mj-lt"/>
+              <a:buAutoNum type="arabicPeriod"/>
+            </a:pPr>
+            <a:r>
+              <a:rPr lang="de-DE" sz="2400" dirty="0">
+                <a:solidFill>
+                  <a:srgbClr val="006C30"/>
+                </a:solidFill>
+                <a:latin typeface="LMU CompatilFact"/>
+                <a:ea typeface="MS PGothic"/>
+              </a:rPr>
+              <a:t>Zu riesige Anzahl von Wörter: manuell Methode nicht möglich</a:t>
+            </a:r>
+          </a:p>
+          <a:p>
+            <a:pPr marL="457200" indent="-457200">
+              <a:lnSpc>
+                <a:spcPct val="100000"/>
+              </a:lnSpc>
+              <a:spcBef>
+                <a:spcPts val="600"/>
+              </a:spcBef>
+              <a:buFont typeface="+mj-lt"/>
+              <a:buAutoNum type="arabicPeriod"/>
+            </a:pPr>
+            <a:r>
+              <a:rPr lang="de-DE" sz="2400" dirty="0">
+                <a:solidFill>
+                  <a:srgbClr val="006C30"/>
+                </a:solidFill>
+                <a:latin typeface="LMU CompatilFact"/>
+                <a:ea typeface="MS PGothic"/>
+              </a:rPr>
+              <a:t>Mehrsprachige Kontexte:</a:t>
+            </a:r>
+          </a:p>
+          <a:p>
+            <a:pPr lvl="1">
+              <a:spcBef>
+                <a:spcPts val="600"/>
+              </a:spcBef>
+            </a:pPr>
+            <a:r>
+              <a:rPr lang="de-DE" sz="2000" dirty="0">
+                <a:solidFill>
+                  <a:srgbClr val="006C30"/>
+                </a:solidFill>
+                <a:latin typeface="LMU CompatilFact"/>
+                <a:ea typeface="MS PGothic"/>
+              </a:rPr>
+              <a:t>deutsche Wörter in fremdsprachige Briefen/ fremdsprachige Wörter in deutsche Briefen</a:t>
+            </a:r>
+          </a:p>
+          <a:p>
+            <a:pPr lvl="1">
+              <a:spcBef>
+                <a:spcPts val="600"/>
+              </a:spcBef>
+            </a:pPr>
+            <a:endParaRPr lang="de-DE" sz="2000" dirty="0">
+              <a:solidFill>
+                <a:srgbClr val="006C30"/>
+              </a:solidFill>
+              <a:latin typeface="LMU CompatilFact"/>
+              <a:ea typeface="MS PGothic"/>
+            </a:endParaRPr>
+          </a:p>
+          <a:p>
+            <a:pPr marL="457200" indent="-457200">
+              <a:lnSpc>
+                <a:spcPct val="100000"/>
+              </a:lnSpc>
+              <a:spcBef>
+                <a:spcPts val="600"/>
+              </a:spcBef>
+              <a:buFont typeface="+mj-lt"/>
+              <a:buAutoNum type="arabicPeriod"/>
+            </a:pPr>
+            <a:r>
+              <a:rPr lang="de-DE" sz="2400" dirty="0">
+                <a:solidFill>
+                  <a:srgbClr val="006C30"/>
+                </a:solidFill>
+                <a:latin typeface="LMU CompatilFact"/>
+                <a:ea typeface="MS PGothic"/>
+              </a:rPr>
+              <a:t>Viele Abkürzungen bzw. unklare Wörter/Rechtschreibungsfehler</a:t>
+            </a:r>
+          </a:p>
+          <a:p>
+            <a:pPr marL="457200" indent="-457200">
+              <a:lnSpc>
+                <a:spcPct val="100000"/>
+              </a:lnSpc>
+              <a:spcBef>
+                <a:spcPts val="600"/>
+              </a:spcBef>
+              <a:buFont typeface="+mj-lt"/>
+              <a:buAutoNum type="arabicPeriod"/>
+            </a:pPr>
+            <a:endParaRPr lang="de-DE" sz="2400" dirty="0">
+              <a:solidFill>
+                <a:srgbClr val="006C30"/>
+              </a:solidFill>
+              <a:latin typeface="LMU CompatilFact"/>
+              <a:ea typeface="MS PGothic"/>
+            </a:endParaRPr>
+          </a:p>
+          <a:p>
+            <a:pPr marL="457200" indent="-457200">
+              <a:lnSpc>
+                <a:spcPct val="100000"/>
+              </a:lnSpc>
+              <a:spcBef>
+                <a:spcPts val="600"/>
+              </a:spcBef>
+              <a:buFont typeface="+mj-lt"/>
+              <a:buAutoNum type="arabicPeriod"/>
+            </a:pPr>
+            <a:r>
+              <a:rPr lang="de-DE" sz="2400" dirty="0">
+                <a:solidFill>
+                  <a:srgbClr val="006C30"/>
+                </a:solidFill>
+                <a:latin typeface="LMU CompatilFact"/>
+                <a:ea typeface="MS PGothic"/>
+              </a:rPr>
+              <a:t>Schwierig ohne Kontexte die Wortbedeutung und Rechtschreibung zu bestimmen </a:t>
+            </a:r>
+          </a:p>
+          <a:p>
+            <a:pPr>
+              <a:lnSpc>
+                <a:spcPct val="100000"/>
+              </a:lnSpc>
+            </a:pPr>
+            <a:endParaRPr dirty="0"/>
+          </a:p>
+          <a:p>
+            <a:pPr>
+              <a:lnSpc>
+                <a:spcPct val="100000"/>
+              </a:lnSpc>
+            </a:pPr>
+            <a:endParaRPr dirty="0"/>
+          </a:p>
+        </p:txBody>
+      </p:sp>
+    </p:spTree>
+    <p:extLst>
+      <p:ext uri="{BB962C8B-B14F-4D97-AF65-F5344CB8AC3E}">
+        <p14:creationId xmlns:p14="http://schemas.microsoft.com/office/powerpoint/2010/main" val="1213576663"/>
+      </p:ext>
+    </p:extLst>
+  </p:cSld>
+  <p:clrMapOvr>
+    <a:masterClrMapping/>
+  </p:clrMapOvr>
+  <p:transition spd="med">
+    <p:fade/>
+  </p:transition>
+  <p:timing>
+    <p:tnLst>
+      <p:par>
+        <p:cTn id="1" dur="indefinite" restart="never" nodeType="tmRoot">
+          <p:childTnLst>
+            <p:seq>
+              <p:cTn id="2" nodeType="mainSeq"/>
+              <p:prevCondLst>
+                <p:cond evt="onPrev" delay="0">
+                  <p:tgtEl>
+                    <p:sldTgt/>
+                  </p:tgtEl>
+                </p:cond>
+              </p:prevCondLst>
+              <p:nextCondLst>
+                <p:cond evt="onNext" delay="0">
+                  <p:tgtEl>
+                    <p:sldTgt/>
+                  </p:tgtEl>
+                </p:cond>
+              </p:nextCondLst>
+            </p:seq>
+          </p:childTnLst>
+        </p:cTn>
+      </p:par>
+    </p:tnLst>
+  </p:timing>
+</p:sld>
+</file>
+
+<file path=ppt/slides/slide13.xml><?xml version="1.0" encoding="utf-8"?>
+<p:sld xmlns:a="http://schemas.openxmlformats.org/drawingml/2006/main" xmlns:r="http://schemas.openxmlformats.org/officeDocument/2006/relationships" xmlns:p="http://schemas.openxmlformats.org/presentationml/2006/main">
+  <p:cSld>
+    <p:spTree>
+      <p:nvGrpSpPr>
+        <p:cNvPr id="1" name=""/>
+        <p:cNvGrpSpPr/>
+        <p:nvPr/>
+      </p:nvGrpSpPr>
+      <p:grpSpPr>
+        <a:xfrm>
+          <a:off x="0" y="0"/>
+          <a:ext cx="0" cy="0"/>
+          <a:chOff x="0" y="0"/>
+          <a:chExt cx="0" cy="0"/>
+        </a:xfrm>
+      </p:grpSpPr>
+      <p:sp>
+        <p:nvSpPr>
+          <p:cNvPr id="230" name="TextShape 1"/>
+          <p:cNvSpPr txBox="1"/>
+          <p:nvPr/>
+        </p:nvSpPr>
+        <p:spPr>
+          <a:xfrm>
+            <a:off x="1919302" y="649440"/>
+            <a:ext cx="5140800" cy="359640"/>
+          </a:xfrm>
+          <a:prstGeom prst="rect">
+            <a:avLst/>
+          </a:prstGeom>
+        </p:spPr>
+        <p:txBody>
+          <a:bodyPr lIns="90000" tIns="45000" rIns="90000" bIns="45000"/>
+          <a:lstStyle/>
+          <a:p>
+            <a:pPr>
+              <a:lnSpc>
+                <a:spcPct val="100000"/>
+              </a:lnSpc>
+            </a:pPr>
+            <a:r>
+              <a:rPr lang="de-DE" sz="1600" dirty="0" err="1">
+                <a:solidFill>
+                  <a:srgbClr val="606060"/>
+                </a:solidFill>
+                <a:latin typeface="LMU CompatilFact"/>
+                <a:ea typeface="MS PGothic"/>
+              </a:rPr>
+              <a:t>Zuerfüllende</a:t>
+            </a:r>
+            <a:r>
+              <a:rPr lang="de-DE" sz="1600" dirty="0">
+                <a:solidFill>
+                  <a:srgbClr val="606060"/>
+                </a:solidFill>
+                <a:latin typeface="LMU CompatilFact"/>
+                <a:ea typeface="MS PGothic"/>
+              </a:rPr>
+              <a:t> Aufgaben</a:t>
+            </a:r>
+            <a:endParaRPr dirty="0"/>
+          </a:p>
+        </p:txBody>
+      </p:sp>
+      <p:sp>
+        <p:nvSpPr>
+          <p:cNvPr id="231" name="TextShape 2"/>
+          <p:cNvSpPr txBox="1"/>
+          <p:nvPr/>
+        </p:nvSpPr>
+        <p:spPr>
+          <a:xfrm>
+            <a:off x="390706" y="1317141"/>
+            <a:ext cx="8362588" cy="5040720"/>
+          </a:xfrm>
+          <a:prstGeom prst="rect">
+            <a:avLst/>
+          </a:prstGeom>
+        </p:spPr>
+        <p:txBody>
+          <a:bodyPr lIns="90000" tIns="45000" rIns="90000" bIns="45000"/>
+          <a:lstStyle/>
+          <a:p>
+            <a:pPr>
+              <a:lnSpc>
+                <a:spcPct val="100000"/>
+              </a:lnSpc>
+            </a:pPr>
+            <a:r>
+              <a:rPr lang="de-DE" sz="2400" u="sng" dirty="0" err="1">
+                <a:solidFill>
+                  <a:srgbClr val="006C30"/>
+                </a:solidFill>
+                <a:latin typeface="LMU CompatilFact"/>
+                <a:ea typeface="MS PGothic"/>
+              </a:rPr>
+              <a:t>Zuerfüllende</a:t>
+            </a:r>
+            <a:r>
+              <a:rPr lang="de-DE" sz="2400" u="sng" dirty="0">
+                <a:solidFill>
+                  <a:srgbClr val="006C30"/>
+                </a:solidFill>
+                <a:latin typeface="LMU CompatilFact"/>
+                <a:ea typeface="MS PGothic"/>
+              </a:rPr>
+              <a:t> Aufgaben</a:t>
+            </a:r>
+          </a:p>
+          <a:p>
+            <a:pPr>
+              <a:lnSpc>
+                <a:spcPct val="100000"/>
+              </a:lnSpc>
+            </a:pPr>
+            <a:endParaRPr dirty="0"/>
+          </a:p>
+          <a:p>
+            <a:pPr marL="342900" indent="-342900">
+              <a:lnSpc>
+                <a:spcPct val="100000"/>
+              </a:lnSpc>
+              <a:buFont typeface="Arial" panose="020B0604020202020204" pitchFamily="34" charset="0"/>
+              <a:buChar char="•"/>
+            </a:pPr>
+            <a:r>
+              <a:rPr lang="de-DE" sz="2400" dirty="0">
+                <a:solidFill>
+                  <a:srgbClr val="006C30"/>
+                </a:solidFill>
+                <a:latin typeface="LMU CompatilFact"/>
+                <a:ea typeface="MS PGothic"/>
+              </a:rPr>
+              <a:t>Die schon in den CIS-Lexikon existierende Einträge auszuwählen</a:t>
+            </a:r>
+          </a:p>
+          <a:p>
+            <a:pPr>
+              <a:lnSpc>
+                <a:spcPct val="100000"/>
+              </a:lnSpc>
+            </a:pPr>
+            <a:endParaRPr lang="de-DE" sz="2400" dirty="0">
+              <a:solidFill>
+                <a:srgbClr val="006C30"/>
+              </a:solidFill>
+              <a:latin typeface="LMU CompatilFact"/>
+              <a:ea typeface="MS PGothic"/>
+            </a:endParaRPr>
+          </a:p>
+          <a:p>
+            <a:pPr marL="342900" indent="-342900">
+              <a:lnSpc>
+                <a:spcPct val="100000"/>
+              </a:lnSpc>
+              <a:buFont typeface="Arial" panose="020B0604020202020204" pitchFamily="34" charset="0"/>
+              <a:buChar char="•"/>
+            </a:pPr>
+            <a:r>
+              <a:rPr lang="de-DE" sz="2400" dirty="0">
+                <a:solidFill>
+                  <a:srgbClr val="006C30"/>
+                </a:solidFill>
+                <a:latin typeface="LMU CompatilFact"/>
+                <a:ea typeface="MS PGothic"/>
+              </a:rPr>
+              <a:t>Die morphologische Informationen der Wörter zu bestimmen</a:t>
+            </a:r>
+          </a:p>
+          <a:p>
+            <a:pPr>
+              <a:lnSpc>
+                <a:spcPct val="100000"/>
+              </a:lnSpc>
+            </a:pPr>
+            <a:endParaRPr lang="de-DE" sz="2400" dirty="0">
+              <a:solidFill>
+                <a:srgbClr val="006C30"/>
+              </a:solidFill>
+              <a:latin typeface="LMU CompatilFact"/>
+              <a:ea typeface="MS PGothic"/>
+            </a:endParaRPr>
+          </a:p>
+          <a:p>
+            <a:pPr marL="342900" indent="-342900">
+              <a:lnSpc>
+                <a:spcPct val="100000"/>
+              </a:lnSpc>
+              <a:buFont typeface="Arial" panose="020B0604020202020204" pitchFamily="34" charset="0"/>
+              <a:buChar char="•"/>
+            </a:pPr>
+            <a:r>
+              <a:rPr lang="de-DE" sz="2400">
+                <a:solidFill>
+                  <a:srgbClr val="006C30"/>
+                </a:solidFill>
+                <a:latin typeface="LMU CompatilFact"/>
+                <a:ea typeface="MS PGothic"/>
+              </a:rPr>
+              <a:t>Die Wörter </a:t>
+            </a:r>
+            <a:r>
+              <a:rPr lang="de-DE" sz="2400" dirty="0">
+                <a:solidFill>
+                  <a:srgbClr val="006C30"/>
+                </a:solidFill>
+                <a:latin typeface="LMU CompatilFact"/>
+                <a:ea typeface="MS PGothic"/>
+              </a:rPr>
+              <a:t>zu korrigieren:</a:t>
+            </a:r>
+          </a:p>
+          <a:p>
+            <a:pPr lvl="1"/>
+            <a:r>
+              <a:rPr lang="de-DE" sz="2000" dirty="0">
+                <a:solidFill>
+                  <a:srgbClr val="006C30"/>
+                </a:solidFill>
+                <a:latin typeface="LMU CompatilFact"/>
+                <a:ea typeface="MS PGothic"/>
+              </a:rPr>
+              <a:t>Die mit Spellchecker verarbeiteten Wörter sind nicht ganz richtig wegen Mangel des Kontexte</a:t>
+            </a:r>
+          </a:p>
+          <a:p>
+            <a:pPr lvl="1"/>
+            <a:endParaRPr lang="de-DE" sz="2000" dirty="0">
+              <a:solidFill>
+                <a:srgbClr val="006C30"/>
+              </a:solidFill>
+              <a:latin typeface="LMU CompatilFact"/>
+              <a:ea typeface="MS PGothic"/>
+            </a:endParaRPr>
+          </a:p>
+          <a:p>
+            <a:pPr marL="342900" indent="-342900">
+              <a:lnSpc>
+                <a:spcPct val="100000"/>
+              </a:lnSpc>
+              <a:buFont typeface="Arial" panose="020B0604020202020204" pitchFamily="34" charset="0"/>
+              <a:buChar char="•"/>
+            </a:pPr>
+            <a:r>
+              <a:rPr lang="de-DE" sz="2400" dirty="0">
+                <a:solidFill>
+                  <a:srgbClr val="006C30"/>
+                </a:solidFill>
+                <a:latin typeface="LMU CompatilFact"/>
+                <a:ea typeface="MS PGothic"/>
+              </a:rPr>
+              <a:t>Die neue Wörter in die Witt-Lexikon hinzufügen</a:t>
+            </a:r>
+          </a:p>
+          <a:p>
+            <a:pPr lvl="1"/>
+            <a:r>
+              <a:rPr lang="de-DE" sz="2000" dirty="0">
+                <a:solidFill>
+                  <a:srgbClr val="006C30"/>
+                </a:solidFill>
+                <a:latin typeface="LMU CompatilFact"/>
+                <a:ea typeface="MS PGothic"/>
+              </a:rPr>
+              <a:t>Die richtige Wörter nach dem </a:t>
+            </a:r>
+            <a:r>
+              <a:rPr lang="de-DE" sz="2000" dirty="0" err="1">
+                <a:solidFill>
+                  <a:srgbClr val="006C30"/>
+                </a:solidFill>
+                <a:latin typeface="LMU CompatilFact"/>
+                <a:ea typeface="MS PGothic"/>
+              </a:rPr>
+              <a:t>Dela</a:t>
+            </a:r>
+            <a:r>
+              <a:rPr lang="de-DE" sz="2000" dirty="0">
+                <a:solidFill>
+                  <a:srgbClr val="006C30"/>
+                </a:solidFill>
+                <a:latin typeface="LMU CompatilFact"/>
+                <a:ea typeface="MS PGothic"/>
+              </a:rPr>
+              <a:t>-Dictionary Format hinzufügen </a:t>
+            </a:r>
+          </a:p>
+          <a:p>
+            <a:pPr>
+              <a:lnSpc>
+                <a:spcPct val="100000"/>
+              </a:lnSpc>
+            </a:pPr>
+            <a:endParaRPr dirty="0"/>
+          </a:p>
+        </p:txBody>
+      </p:sp>
+    </p:spTree>
+    <p:extLst>
+      <p:ext uri="{BB962C8B-B14F-4D97-AF65-F5344CB8AC3E}">
+        <p14:creationId xmlns:p14="http://schemas.microsoft.com/office/powerpoint/2010/main" val="64683171"/>
+      </p:ext>
+    </p:extLst>
+  </p:cSld>
+  <p:clrMapOvr>
+    <a:masterClrMapping/>
+  </p:clrMapOvr>
+  <p:transition spd="med">
+    <p:fade/>
+  </p:transition>
+  <p:timing>
+    <p:tnLst>
+      <p:par>
+        <p:cTn id="1" dur="indefinite" restart="never" nodeType="tmRoot">
+          <p:childTnLst>
+            <p:seq>
+              <p:cTn id="2" nodeType="mainSeq"/>
+              <p:prevCondLst>
+                <p:cond evt="onPrev" delay="0">
+                  <p:tgtEl>
+                    <p:sldTgt/>
+                  </p:tgtEl>
+                </p:cond>
+              </p:prevCondLst>
+              <p:nextCondLst>
+                <p:cond evt="onNext" delay="0">
                   <p:tgtEl>
                     <p:sldTgt/>
                   </p:tgtEl>
@@ -6361,7 +9782,7 @@
 </file>
 
 <file path=ppt/slides/slide2.xml><?xml version="1.0" encoding="utf-8"?>
-<p:sld xmlns:a="http://schemas.openxmlformats.org/drawingml/2006/main" xmlns:p="http://schemas.openxmlformats.org/presentationml/2006/main" xmlns:r="http://schemas.openxmlformats.org/officeDocument/2006/relationships">
+<p:sld xmlns:a="http://schemas.openxmlformats.org/drawingml/2006/main" xmlns:r="http://schemas.openxmlformats.org/officeDocument/2006/relationships" xmlns:p="http://schemas.openxmlformats.org/presentationml/2006/main">
   <p:cSld>
     <p:spTree>
       <p:nvGrpSpPr>
@@ -6393,7 +9814,8 @@
           </a:prstGeom>
         </p:spPr>
         <p:txBody>
-          <a:bodyPr lIns="90000" rIns="90000" tIns="45000" bIns="45000"/>
+          <a:bodyPr lIns="90000" tIns="45000" rIns="90000" bIns="45000"/>
+          <a:lstStyle/>
           <a:p>
             <a:pPr>
               <a:lnSpc>
@@ -6430,7 +9852,8 @@
           </a:prstGeom>
         </p:spPr>
         <p:txBody>
-          <a:bodyPr lIns="90000" rIns="90000" tIns="45000" bIns="45000"/>
+          <a:bodyPr lIns="90000" tIns="45000" rIns="90000" bIns="45000"/>
+          <a:lstStyle/>
           <a:p>
             <a:pPr>
               <a:lnSpc>
@@ -6442,7 +9865,7 @@
             <a:r>
               <a:rPr lang="de-DE" sz="2400">
                 <a:solidFill>
-                  <a:srgbClr val="006c30"/>
+                  <a:srgbClr val="006C30"/>
                 </a:solidFill>
                 <a:latin typeface="LMU CompatilFact"/>
                 <a:ea typeface="MS PGothic"/>
@@ -6462,7 +9885,7 @@
             <a:r>
               <a:rPr lang="de-DE" sz="2400">
                 <a:solidFill>
-                  <a:srgbClr val="006c30"/>
+                  <a:srgbClr val="006C30"/>
                 </a:solidFill>
                 <a:latin typeface="LMU CompatilFact"/>
                 <a:ea typeface="MS PGothic"/>
@@ -6482,7 +9905,7 @@
             <a:r>
               <a:rPr lang="de-DE" sz="2400">
                 <a:solidFill>
-                  <a:srgbClr val="006c30"/>
+                  <a:srgbClr val="006C30"/>
                 </a:solidFill>
                 <a:latin typeface="LMU CompatilFact"/>
                 <a:ea typeface="MS PGothic"/>
@@ -6502,7 +9925,7 @@
             <a:r>
               <a:rPr lang="de-DE" sz="2400">
                 <a:solidFill>
-                  <a:srgbClr val="006c30"/>
+                  <a:srgbClr val="006C30"/>
                 </a:solidFill>
                 <a:latin typeface="LMU CompatilFact"/>
                 <a:ea typeface="MS PGothic"/>
@@ -6523,25 +9946,28 @@
       </p:sp>
     </p:spTree>
   </p:cSld>
+  <p:clrMapOvr>
+    <a:masterClrMapping/>
+  </p:clrMapOvr>
   <p:transition spd="med">
     <p:fade/>
   </p:transition>
   <p:timing>
     <p:tnLst>
       <p:par>
-        <p:cTn id="3" dur="indefinite" restart="never" nodeType="tmRoot">
+        <p:cTn id="1" dur="indefinite" restart="never" nodeType="tmRoot">
           <p:childTnLst>
             <p:seq>
-              <p:cTn id="4" nodeType="mainSeq"/>
+              <p:cTn id="2" nodeType="mainSeq"/>
               <p:prevCondLst>
-                <p:cond delay="0" evt="onPrev">
+                <p:cond evt="onPrev" delay="0">
                   <p:tgtEl>
                     <p:sldTgt/>
                   </p:tgtEl>
                 </p:cond>
               </p:prevCondLst>
               <p:nextCondLst>
-                <p:cond delay="0" evt="onNext">
+                <p:cond evt="onNext" delay="0">
                   <p:tgtEl>
                     <p:sldTgt/>
                   </p:tgtEl>
@@ -6557,7 +9983,7 @@
 </file>
 
 <file path=ppt/slides/slide3.xml><?xml version="1.0" encoding="utf-8"?>
-<p:sld xmlns:a="http://schemas.openxmlformats.org/drawingml/2006/main" xmlns:p="http://schemas.openxmlformats.org/presentationml/2006/main" xmlns:r="http://schemas.openxmlformats.org/officeDocument/2006/relationships">
+<p:sld xmlns:a="http://schemas.openxmlformats.org/drawingml/2006/main" xmlns:r="http://schemas.openxmlformats.org/officeDocument/2006/relationships" xmlns:p="http://schemas.openxmlformats.org/presentationml/2006/main">
   <p:cSld>
     <p:spTree>
       <p:nvGrpSpPr>
@@ -6589,7 +10015,8 @@
           </a:prstGeom>
         </p:spPr>
         <p:txBody>
-          <a:bodyPr lIns="90000" rIns="90000" tIns="45000" bIns="45000"/>
+          <a:bodyPr lIns="90000" tIns="45000" rIns="90000" bIns="45000"/>
+          <a:lstStyle/>
           <a:p>
             <a:pPr>
               <a:lnSpc>
@@ -6626,14 +10053,15 @@
           </a:prstGeom>
         </p:spPr>
         <p:txBody>
-          <a:bodyPr lIns="90000" rIns="90000" tIns="45000" bIns="45000"/>
+          <a:bodyPr lIns="90000" tIns="45000" rIns="90000" bIns="45000"/>
+          <a:lstStyle/>
           <a:p>
             <a:pPr>
               <a:lnSpc>
                 <a:spcPct val="100000"/>
               </a:lnSpc>
             </a:pPr>
-            <a:endParaRPr/>
+            <a:endParaRPr dirty="0"/>
           </a:p>
           <a:p>
             <a:pPr>
@@ -6644,16 +10072,16 @@
               <a:buAutoNum type="arabicPeriod"/>
             </a:pPr>
             <a:r>
-              <a:rPr lang="de-DE" sz="2400">
+              <a:rPr lang="de-DE" sz="2400" dirty="0">
                 <a:solidFill>
-                  <a:srgbClr val="006c30"/>
+                  <a:srgbClr val="006C30"/>
                 </a:solidFill>
                 <a:latin typeface="LMU CompatilFact"/>
                 <a:ea typeface="MS PGothic"/>
               </a:rPr>
               <a:t>Lexikon aus dem Briefwechsel von Ludwig Wittgenstein</a:t>
             </a:r>
-            <a:endParaRPr/>
+            <a:endParaRPr dirty="0"/>
           </a:p>
           <a:p>
             <a:pPr>
@@ -6661,7 +10089,7 @@
                 <a:spcPct val="100000"/>
               </a:lnSpc>
             </a:pPr>
-            <a:endParaRPr/>
+            <a:endParaRPr dirty="0"/>
           </a:p>
           <a:p>
             <a:pPr>
@@ -6672,16 +10100,46 @@
               <a:buAutoNum type="arabicPeriod"/>
             </a:pPr>
             <a:r>
-              <a:rPr lang="de-DE" sz="2400">
+              <a:rPr lang="de-DE" sz="2400" dirty="0">
                 <a:solidFill>
-                  <a:srgbClr val="006c30"/>
+                  <a:srgbClr val="006C30"/>
                 </a:solidFill>
                 <a:latin typeface="LMU CompatilFact"/>
                 <a:ea typeface="MS PGothic"/>
               </a:rPr>
-              <a:t>Neues BriefLex wirkt ergänzend zum aktuellen WiTTLex</a:t>
+              <a:t>Neues </a:t>
             </a:r>
-            <a:endParaRPr/>
+            <a:r>
+              <a:rPr lang="de-DE" sz="2400" dirty="0" err="1">
+                <a:solidFill>
+                  <a:srgbClr val="006C30"/>
+                </a:solidFill>
+                <a:latin typeface="LMU CompatilFact"/>
+                <a:ea typeface="MS PGothic"/>
+              </a:rPr>
+              <a:t>BriefLex</a:t>
+            </a:r>
+            <a:r>
+              <a:rPr lang="de-DE" sz="2400" dirty="0">
+                <a:solidFill>
+                  <a:srgbClr val="006C30"/>
+                </a:solidFill>
+                <a:latin typeface="LMU CompatilFact"/>
+                <a:ea typeface="MS PGothic"/>
+              </a:rPr>
+              <a:t> wirkt ergänzend zum aktuellen </a:t>
+            </a:r>
+            <a:r>
+              <a:rPr lang="de-DE" sz="2400" dirty="0" err="1">
+                <a:solidFill>
+                  <a:srgbClr val="006C30"/>
+                </a:solidFill>
+                <a:latin typeface="LMU CompatilFact"/>
+                <a:ea typeface="MS PGothic"/>
+              </a:rPr>
+              <a:t>WiTTLex</a:t>
+            </a:r>
+            <a:endParaRPr dirty="0"/>
           </a:p>
           <a:p>
             <a:pPr>
@@ -6689,7 +10147,7 @@
                 <a:spcPct val="100000"/>
               </a:lnSpc>
             </a:pPr>
-            <a:endParaRPr/>
+            <a:endParaRPr dirty="0"/>
           </a:p>
           <a:p>
             <a:pPr>
@@ -6700,16 +10158,16 @@
               <a:buAutoNum type="arabicPeriod"/>
             </a:pPr>
             <a:r>
-              <a:rPr lang="de-DE" sz="2400">
+              <a:rPr lang="de-DE" sz="2400" dirty="0">
                 <a:solidFill>
-                  <a:srgbClr val="006c30"/>
+                  <a:srgbClr val="006C30"/>
                 </a:solidFill>
                 <a:latin typeface="LMU CompatilFact"/>
                 <a:ea typeface="MS PGothic"/>
               </a:rPr>
               <a:t>Nur Rechte an Teil der Briefe (von Wittgenstein versendet?)</a:t>
             </a:r>
-            <a:endParaRPr/>
+            <a:endParaRPr dirty="0"/>
           </a:p>
           <a:p>
             <a:pPr>
@@ -6717,7 +10175,7 @@
                 <a:spcPct val="100000"/>
               </a:lnSpc>
             </a:pPr>
-            <a:endParaRPr/>
+            <a:endParaRPr dirty="0"/>
           </a:p>
           <a:p>
             <a:pPr>
@@ -6728,16 +10186,16 @@
               <a:buAutoNum type="arabicPeriod"/>
             </a:pPr>
             <a:r>
-              <a:rPr lang="de-DE" sz="2400">
+              <a:rPr lang="de-DE" sz="2400" dirty="0">
                 <a:solidFill>
-                  <a:srgbClr val="006c30"/>
+                  <a:srgbClr val="006C30"/>
                 </a:solidFill>
                 <a:latin typeface="LMU CompatilFact"/>
                 <a:ea typeface="MS PGothic"/>
               </a:rPr>
               <a:t>Prozess beliebig wiederholbar mit neuen Briefen</a:t>
             </a:r>
-            <a:endParaRPr/>
+            <a:endParaRPr dirty="0"/>
           </a:p>
           <a:p>
             <a:pPr>
@@ -6745,31 +10203,34 @@
                 <a:spcPct val="100000"/>
               </a:lnSpc>
             </a:pPr>
-            <a:endParaRPr/>
+            <a:endParaRPr dirty="0"/>
           </a:p>
         </p:txBody>
       </p:sp>
     </p:spTree>
   </p:cSld>
+  <p:clrMapOvr>
+    <a:masterClrMapping/>
+  </p:clrMapOvr>
   <p:transition spd="med">
     <p:fade/>
   </p:transition>
   <p:timing>
     <p:tnLst>
       <p:par>
-        <p:cTn id="5" dur="indefinite" restart="never" nodeType="tmRoot">
+        <p:cTn id="1" dur="indefinite" restart="never" nodeType="tmRoot">
           <p:childTnLst>
             <p:seq>
-              <p:cTn id="6" nodeType="mainSeq"/>
+              <p:cTn id="2" nodeType="mainSeq"/>
               <p:prevCondLst>
-                <p:cond delay="0" evt="onPrev">
+                <p:cond evt="onPrev" delay="0">
                   <p:tgtEl>
                     <p:sldTgt/>
                   </p:tgtEl>
                 </p:cond>
               </p:prevCondLst>
               <p:nextCondLst>
-                <p:cond delay="0" evt="onNext">
+                <p:cond evt="onNext" delay="0">
                   <p:tgtEl>
                     <p:sldTgt/>
                   </p:tgtEl>
@@ -6785,7 +10246,7 @@
 </file>
 
 <file path=ppt/slides/slide4.xml><?xml version="1.0" encoding="utf-8"?>
-<p:sld xmlns:a="http://schemas.openxmlformats.org/drawingml/2006/main" xmlns:p="http://schemas.openxmlformats.org/presentationml/2006/main" xmlns:r="http://schemas.openxmlformats.org/officeDocument/2006/relationships">
+<p:sld xmlns:a="http://schemas.openxmlformats.org/drawingml/2006/main" xmlns:r="http://schemas.openxmlformats.org/officeDocument/2006/relationships" xmlns:p="http://schemas.openxmlformats.org/presentationml/2006/main">
   <p:cSld>
     <p:spTree>
       <p:nvGrpSpPr>
@@ -6817,7 +10278,8 @@
           </a:prstGeom>
         </p:spPr>
         <p:txBody>
-          <a:bodyPr lIns="90000" rIns="90000" tIns="45000" bIns="45000"/>
+          <a:bodyPr lIns="90000" tIns="45000" rIns="90000" bIns="45000"/>
+          <a:lstStyle/>
           <a:p>
             <a:pPr>
               <a:lnSpc>
@@ -6840,12 +10302,12 @@
       </p:sp>
       <p:pic>
         <p:nvPicPr>
-          <p:cNvPr id="222" name="Inhaltsplatzhalter 8" descr=""/>
+          <p:cNvPr id="222" name="Inhaltsplatzhalter 8"/>
           <p:cNvPicPr/>
           <p:nvPr/>
         </p:nvPicPr>
         <p:blipFill>
-          <a:blip r:embed="rId1"/>
+          <a:blip r:embed="rId2"/>
           <a:stretch>
             <a:fillRect/>
           </a:stretch>
@@ -6953,25 +10415,28 @@
       </p:sp>
     </p:spTree>
   </p:cSld>
+  <p:clrMapOvr>
+    <a:masterClrMapping/>
+  </p:clrMapOvr>
   <p:transition spd="med">
     <p:fade/>
   </p:transition>
   <p:timing>
     <p:tnLst>
       <p:par>
-        <p:cTn id="7" dur="indefinite" restart="never" nodeType="tmRoot">
+        <p:cTn id="1" dur="indefinite" restart="never" nodeType="tmRoot">
           <p:childTnLst>
             <p:seq>
-              <p:cTn id="8" nodeType="mainSeq"/>
+              <p:cTn id="2" nodeType="mainSeq"/>
               <p:prevCondLst>
-                <p:cond delay="0" evt="onPrev">
+                <p:cond evt="onPrev" delay="0">
                   <p:tgtEl>
                     <p:sldTgt/>
                   </p:tgtEl>
                 </p:cond>
               </p:prevCondLst>
               <p:nextCondLst>
-                <p:cond delay="0" evt="onNext">
+                <p:cond evt="onNext" delay="0">
                   <p:tgtEl>
                     <p:sldTgt/>
                   </p:tgtEl>
@@ -6987,7 +10452,7 @@
 </file>
 
 <file path=ppt/slides/slide5.xml><?xml version="1.0" encoding="utf-8"?>
-<p:sld xmlns:a="http://schemas.openxmlformats.org/drawingml/2006/main" xmlns:p="http://schemas.openxmlformats.org/presentationml/2006/main" xmlns:r="http://schemas.openxmlformats.org/officeDocument/2006/relationships">
+<p:sld xmlns:a="http://schemas.openxmlformats.org/drawingml/2006/main" xmlns:r="http://schemas.openxmlformats.org/officeDocument/2006/relationships" xmlns:p="http://schemas.openxmlformats.org/presentationml/2006/main">
   <p:cSld>
     <p:spTree>
       <p:nvGrpSpPr>
@@ -7019,7 +10484,8 @@
           </a:prstGeom>
         </p:spPr>
         <p:txBody>
-          <a:bodyPr lIns="90000" rIns="90000" tIns="45000" bIns="45000"/>
+          <a:bodyPr lIns="90000" tIns="45000" rIns="90000" bIns="45000"/>
+          <a:lstStyle/>
           <a:p>
             <a:pPr>
               <a:lnSpc>
@@ -7056,7 +10522,8 @@
           </a:prstGeom>
         </p:spPr>
         <p:txBody>
-          <a:bodyPr lIns="90000" rIns="90000" tIns="45000" bIns="45000"/>
+          <a:bodyPr lIns="90000" tIns="45000" rIns="90000" bIns="45000"/>
+          <a:lstStyle/>
           <a:p>
             <a:pPr>
               <a:lnSpc>
@@ -7066,7 +10533,7 @@
             <a:r>
               <a:rPr lang="de-DE" sz="2400" u="sng">
                 <a:solidFill>
-                  <a:srgbClr val="006c30"/>
+                  <a:srgbClr val="006C30"/>
                 </a:solidFill>
                 <a:latin typeface="LMU CompatilFact"/>
                 <a:ea typeface="MS PGothic"/>
@@ -7096,7 +10563,7 @@
             <a:r>
               <a:rPr lang="de-DE" sz="2400">
                 <a:solidFill>
-                  <a:srgbClr val="006c30"/>
+                  <a:srgbClr val="006C30"/>
                 </a:solidFill>
                 <a:latin typeface="LMU CompatilFact"/>
                 <a:ea typeface="MS PGothic"/>
@@ -7116,7 +10583,7 @@
             <a:r>
               <a:rPr lang="de-DE" sz="2400">
                 <a:solidFill>
-                  <a:srgbClr val="006c30"/>
+                  <a:srgbClr val="006C30"/>
                 </a:solidFill>
                 <a:latin typeface="LMU CompatilFact"/>
                 <a:ea typeface="MS PGothic"/>
@@ -7136,7 +10603,7 @@
             <a:r>
               <a:rPr lang="de-DE" sz="2400">
                 <a:solidFill>
-                  <a:srgbClr val="006c30"/>
+                  <a:srgbClr val="006C30"/>
                 </a:solidFill>
                 <a:latin typeface="LMU CompatilFact"/>
                 <a:ea typeface="MS PGothic"/>
@@ -7149,12 +10616,12 @@
       </p:sp>
       <p:pic>
         <p:nvPicPr>
-          <p:cNvPr id="229" name="Grafik 3" descr=""/>
+          <p:cNvPr id="229" name="Grafik 3"/>
           <p:cNvPicPr/>
           <p:nvPr/>
         </p:nvPicPr>
         <p:blipFill>
-          <a:blip r:embed="rId1"/>
+          <a:blip r:embed="rId2"/>
           <a:stretch>
             <a:fillRect/>
           </a:stretch>
@@ -7174,25 +10641,28 @@
       </p:pic>
     </p:spTree>
   </p:cSld>
+  <p:clrMapOvr>
+    <a:masterClrMapping/>
+  </p:clrMapOvr>
   <p:transition spd="med">
     <p:fade/>
   </p:transition>
   <p:timing>
     <p:tnLst>
       <p:par>
-        <p:cTn id="9" dur="indefinite" restart="never" nodeType="tmRoot">
+        <p:cTn id="1" dur="indefinite" restart="never" nodeType="tmRoot">
           <p:childTnLst>
             <p:seq>
-              <p:cTn id="10" nodeType="mainSeq"/>
+              <p:cTn id="2" nodeType="mainSeq"/>
               <p:prevCondLst>
-                <p:cond delay="0" evt="onPrev">
+                <p:cond evt="onPrev" delay="0">
                   <p:tgtEl>
                     <p:sldTgt/>
                   </p:tgtEl>
                 </p:cond>
               </p:prevCondLst>
               <p:nextCondLst>
-                <p:cond delay="0" evt="onNext">
+                <p:cond evt="onNext" delay="0">
                   <p:tgtEl>
                     <p:sldTgt/>
                   </p:tgtEl>
@@ -7208,7 +10678,7 @@
 </file>
 
 <file path=ppt/slides/slide6.xml><?xml version="1.0" encoding="utf-8"?>
-<p:sld xmlns:a="http://schemas.openxmlformats.org/drawingml/2006/main" xmlns:p="http://schemas.openxmlformats.org/presentationml/2006/main" xmlns:r="http://schemas.openxmlformats.org/officeDocument/2006/relationships">
+<p:sld xmlns:a="http://schemas.openxmlformats.org/drawingml/2006/main" xmlns:r="http://schemas.openxmlformats.org/officeDocument/2006/relationships" xmlns:p="http://schemas.openxmlformats.org/presentationml/2006/main">
   <p:cSld>
     <p:spTree>
       <p:nvGrpSpPr>
@@ -7240,7 +10710,8 @@
           </a:prstGeom>
         </p:spPr>
         <p:txBody>
-          <a:bodyPr lIns="90000" rIns="90000" tIns="45000" bIns="45000"/>
+          <a:bodyPr lIns="90000" tIns="45000" rIns="90000" bIns="45000"/>
+          <a:lstStyle/>
           <a:p>
             <a:pPr>
               <a:lnSpc>
@@ -7277,7 +10748,8 @@
           </a:prstGeom>
         </p:spPr>
         <p:txBody>
-          <a:bodyPr lIns="90000" rIns="90000" tIns="45000" bIns="45000"/>
+          <a:bodyPr lIns="90000" tIns="45000" rIns="90000" bIns="45000"/>
+          <a:lstStyle/>
           <a:p>
             <a:pPr>
               <a:lnSpc>
@@ -7287,7 +10759,7 @@
             <a:r>
               <a:rPr lang="de-DE" sz="2400" u="sng">
                 <a:solidFill>
-                  <a:srgbClr val="006c30"/>
+                  <a:srgbClr val="006C30"/>
                 </a:solidFill>
                 <a:latin typeface="LMU CompatilFact"/>
                 <a:ea typeface="MS PGothic"/>
@@ -7313,7 +10785,7 @@
             <a:r>
               <a:rPr lang="de-DE" sz="2400">
                 <a:solidFill>
-                  <a:srgbClr val="006c30"/>
+                  <a:srgbClr val="006C30"/>
                 </a:solidFill>
                 <a:latin typeface="LMU CompatilFact"/>
                 <a:ea typeface="MS PGothic"/>
@@ -7339,7 +10811,7 @@
             <a:r>
               <a:rPr lang="de-DE" sz="2400">
                 <a:solidFill>
-                  <a:srgbClr val="006c30"/>
+                  <a:srgbClr val="006C30"/>
                 </a:solidFill>
                 <a:latin typeface="LMU CompatilFact"/>
                 <a:ea typeface="MS PGothic"/>
@@ -7359,7 +10831,7 @@
             <a:r>
               <a:rPr lang="de-DE" sz="2400">
                 <a:solidFill>
-                  <a:srgbClr val="006c30"/>
+                  <a:srgbClr val="006C30"/>
                 </a:solidFill>
                 <a:latin typeface="LMU CompatilFact"/>
                 <a:ea typeface="MS PGothic"/>
@@ -7379,7 +10851,7 @@
             <a:r>
               <a:rPr lang="de-DE" sz="2400">
                 <a:solidFill>
-                  <a:srgbClr val="006c30"/>
+                  <a:srgbClr val="006C30"/>
                 </a:solidFill>
                 <a:latin typeface="LMU CompatilFact"/>
                 <a:ea typeface="MS PGothic"/>
@@ -7399,7 +10871,7 @@
             <a:r>
               <a:rPr lang="de-DE" sz="2400">
                 <a:solidFill>
-                  <a:srgbClr val="006c30"/>
+                  <a:srgbClr val="006C30"/>
                 </a:solidFill>
                 <a:latin typeface="LMU CompatilFact"/>
                 <a:ea typeface="MS PGothic"/>
@@ -7419,7 +10891,7 @@
             <a:r>
               <a:rPr lang="de-DE" sz="2400">
                 <a:solidFill>
-                  <a:srgbClr val="006c30"/>
+                  <a:srgbClr val="006C30"/>
                 </a:solidFill>
                 <a:latin typeface="LMU CompatilFact"/>
                 <a:ea typeface="MS PGothic"/>
@@ -7448,25 +10920,28 @@
       </p:sp>
     </p:spTree>
   </p:cSld>
+  <p:clrMapOvr>
+    <a:masterClrMapping/>
+  </p:clrMapOvr>
   <p:transition spd="med">
     <p:fade/>
   </p:transition>
   <p:timing>
     <p:tnLst>
       <p:par>
-        <p:cTn id="11" dur="indefinite" restart="never" nodeType="tmRoot">
+        <p:cTn id="1" dur="indefinite" restart="never" nodeType="tmRoot">
           <p:childTnLst>
             <p:seq>
-              <p:cTn id="12" nodeType="mainSeq"/>
+              <p:cTn id="2" nodeType="mainSeq"/>
               <p:prevCondLst>
-                <p:cond delay="0" evt="onPrev">
+                <p:cond evt="onPrev" delay="0">
                   <p:tgtEl>
                     <p:sldTgt/>
                   </p:tgtEl>
                 </p:cond>
               </p:prevCondLst>
               <p:nextCondLst>
-                <p:cond delay="0" evt="onNext">
+                <p:cond evt="onNext" delay="0">
                   <p:tgtEl>
                     <p:sldTgt/>
                   </p:tgtEl>
@@ -7482,7 +10957,7 @@
 </file>
 
 <file path=ppt/slides/slide7.xml><?xml version="1.0" encoding="utf-8"?>
-<p:sld xmlns:a="http://schemas.openxmlformats.org/drawingml/2006/main" xmlns:p="http://schemas.openxmlformats.org/presentationml/2006/main" xmlns:r="http://schemas.openxmlformats.org/officeDocument/2006/relationships">
+<p:sld xmlns:a="http://schemas.openxmlformats.org/drawingml/2006/main" xmlns:r="http://schemas.openxmlformats.org/officeDocument/2006/relationships" xmlns:p="http://schemas.openxmlformats.org/presentationml/2006/main">
   <p:cSld>
     <p:spTree>
       <p:nvGrpSpPr>
@@ -7514,7 +10989,8 @@
           </a:prstGeom>
         </p:spPr>
         <p:txBody>
-          <a:bodyPr lIns="90000" rIns="90000" tIns="45000" bIns="45000"/>
+          <a:bodyPr lIns="90000" tIns="45000" rIns="90000" bIns="45000"/>
+          <a:lstStyle/>
           <a:p>
             <a:pPr>
               <a:lnSpc>
@@ -7551,7 +11027,8 @@
           </a:prstGeom>
         </p:spPr>
         <p:txBody>
-          <a:bodyPr lIns="90000" rIns="90000" tIns="45000" bIns="45000"/>
+          <a:bodyPr lIns="90000" tIns="45000" rIns="90000" bIns="45000"/>
+          <a:lstStyle/>
           <a:p>
             <a:pPr>
               <a:lnSpc>
@@ -7561,7 +11038,7 @@
             <a:r>
               <a:rPr lang="de-DE" sz="2400" u="sng">
                 <a:solidFill>
-                  <a:srgbClr val="006c30"/>
+                  <a:srgbClr val="006C30"/>
                 </a:solidFill>
                 <a:latin typeface="LMU CompatilFact"/>
                 <a:ea typeface="MS PGothic"/>
@@ -7587,7 +11064,7 @@
             <a:r>
               <a:rPr lang="de-DE" sz="2400">
                 <a:solidFill>
-                  <a:srgbClr val="006c30"/>
+                  <a:srgbClr val="006C30"/>
                 </a:solidFill>
                 <a:latin typeface="LMU CompatilFact"/>
                 <a:ea typeface="MS PGothic"/>
@@ -7605,7 +11082,7 @@
             <a:r>
               <a:rPr lang="de-DE" sz="2400">
                 <a:solidFill>
-                  <a:srgbClr val="006c30"/>
+                  <a:srgbClr val="006C30"/>
                 </a:solidFill>
                 <a:latin typeface="LMU CompatilFact"/>
                 <a:ea typeface="MS PGothic"/>
@@ -7631,7 +11108,7 @@
             <a:r>
               <a:rPr lang="de-DE" sz="2200">
                 <a:solidFill>
-                  <a:srgbClr val="006c30"/>
+                  <a:srgbClr val="006C30"/>
                 </a:solidFill>
                 <a:latin typeface="LMU CompatilFact"/>
                 <a:ea typeface="MS PGothic"/>
@@ -7644,25 +11121,28 @@
       </p:sp>
     </p:spTree>
   </p:cSld>
+  <p:clrMapOvr>
+    <a:masterClrMapping/>
+  </p:clrMapOvr>
   <p:transition spd="med">
     <p:fade/>
   </p:transition>
   <p:timing>
     <p:tnLst>
       <p:par>
-        <p:cTn id="13" dur="indefinite" restart="never" nodeType="tmRoot">
+        <p:cTn id="1" dur="indefinite" restart="never" nodeType="tmRoot">
           <p:childTnLst>
             <p:seq>
-              <p:cTn id="14" nodeType="mainSeq"/>
+              <p:cTn id="2" nodeType="mainSeq"/>
               <p:prevCondLst>
-                <p:cond delay="0" evt="onPrev">
+                <p:cond evt="onPrev" delay="0">
                   <p:tgtEl>
                     <p:sldTgt/>
                   </p:tgtEl>
                 </p:cond>
               </p:prevCondLst>
               <p:nextCondLst>
-                <p:cond delay="0" evt="onNext">
+                <p:cond evt="onNext" delay="0">
                   <p:tgtEl>
                     <p:sldTgt/>
                   </p:tgtEl>
@@ -7678,7 +11158,7 @@
 </file>
 
 <file path=ppt/slides/slide8.xml><?xml version="1.0" encoding="utf-8"?>
-<p:sld xmlns:a="http://schemas.openxmlformats.org/drawingml/2006/main" xmlns:p="http://schemas.openxmlformats.org/presentationml/2006/main" xmlns:r="http://schemas.openxmlformats.org/officeDocument/2006/relationships">
+<p:sld xmlns:a="http://schemas.openxmlformats.org/drawingml/2006/main" xmlns:r="http://schemas.openxmlformats.org/officeDocument/2006/relationships" xmlns:p="http://schemas.openxmlformats.org/presentationml/2006/main">
   <p:cSld>
     <p:spTree>
       <p:nvGrpSpPr>
@@ -7710,7 +11190,8 @@
           </a:prstGeom>
         </p:spPr>
         <p:txBody>
-          <a:bodyPr lIns="90000" rIns="90000" tIns="45000" bIns="45000"/>
+          <a:bodyPr lIns="90000" tIns="45000" rIns="90000" bIns="45000"/>
+          <a:lstStyle/>
           <a:p>
             <a:pPr>
               <a:lnSpc>
@@ -7747,7 +11228,8 @@
           </a:prstGeom>
         </p:spPr>
         <p:txBody>
-          <a:bodyPr lIns="90000" rIns="90000" tIns="45000" bIns="45000"/>
+          <a:bodyPr lIns="90000" tIns="45000" rIns="90000" bIns="45000"/>
+          <a:lstStyle/>
           <a:p>
             <a:pPr>
               <a:lnSpc>
@@ -7757,7 +11239,7 @@
             <a:r>
               <a:rPr lang="de-DE" sz="2400" u="sng">
                 <a:solidFill>
-                  <a:srgbClr val="006c30"/>
+                  <a:srgbClr val="006C30"/>
                 </a:solidFill>
                 <a:latin typeface="LMU CompatilFact"/>
                 <a:ea typeface="MS PGothic"/>
@@ -7783,7 +11265,7 @@
             <a:r>
               <a:rPr lang="de-DE" sz="2400">
                 <a:solidFill>
-                  <a:srgbClr val="006c30"/>
+                  <a:srgbClr val="006C30"/>
                 </a:solidFill>
                 <a:latin typeface="LMU CompatilFact"/>
                 <a:ea typeface="MS PGothic"/>
@@ -7801,7 +11283,7 @@
             <a:r>
               <a:rPr lang="de-DE" sz="2400">
                 <a:solidFill>
-                  <a:srgbClr val="006c30"/>
+                  <a:srgbClr val="006C30"/>
                 </a:solidFill>
                 <a:latin typeface="LMU CompatilFact"/>
                 <a:ea typeface="MS PGothic"/>
@@ -7827,7 +11309,7 @@
             <a:r>
               <a:rPr lang="de-DE" sz="2400">
                 <a:solidFill>
-                  <a:srgbClr val="006c30"/>
+                  <a:srgbClr val="006C30"/>
                 </a:solidFill>
                 <a:latin typeface="LMU CompatilFact"/>
                 <a:ea typeface="MS PGothic"/>
@@ -7856,12 +11338,12 @@
       </p:sp>
       <p:pic>
         <p:nvPicPr>
-          <p:cNvPr id="236" name="Grafik 3" descr=""/>
+          <p:cNvPr id="236" name="Grafik 3"/>
           <p:cNvPicPr/>
           <p:nvPr/>
         </p:nvPicPr>
         <p:blipFill>
-          <a:blip r:embed="rId1"/>
+          <a:blip r:embed="rId2"/>
           <a:stretch>
             <a:fillRect/>
           </a:stretch>
@@ -7881,25 +11363,28 @@
       </p:pic>
     </p:spTree>
   </p:cSld>
+  <p:clrMapOvr>
+    <a:masterClrMapping/>
+  </p:clrMapOvr>
   <p:transition spd="med">
     <p:fade/>
   </p:transition>
   <p:timing>
     <p:tnLst>
       <p:par>
-        <p:cTn id="15" dur="indefinite" restart="never" nodeType="tmRoot">
+        <p:cTn id="1" dur="indefinite" restart="never" nodeType="tmRoot">
           <p:childTnLst>
             <p:seq>
-              <p:cTn id="16" nodeType="mainSeq"/>
+              <p:cTn id="2" nodeType="mainSeq"/>
               <p:prevCondLst>
-                <p:cond delay="0" evt="onPrev">
+                <p:cond evt="onPrev" delay="0">
                   <p:tgtEl>
                     <p:sldTgt/>
                   </p:tgtEl>
                 </p:cond>
               </p:prevCondLst>
               <p:nextCondLst>
-                <p:cond delay="0" evt="onNext">
+                <p:cond evt="onNext" delay="0">
                   <p:tgtEl>
                     <p:sldTgt/>
                   </p:tgtEl>
@@ -7915,7 +11400,7 @@
 </file>
 
 <file path=ppt/slides/slide9.xml><?xml version="1.0" encoding="utf-8"?>
-<p:sld xmlns:a="http://schemas.openxmlformats.org/drawingml/2006/main" xmlns:p="http://schemas.openxmlformats.org/presentationml/2006/main" xmlns:r="http://schemas.openxmlformats.org/officeDocument/2006/relationships">
+<p:sld xmlns:a="http://schemas.openxmlformats.org/drawingml/2006/main" xmlns:r="http://schemas.openxmlformats.org/officeDocument/2006/relationships" xmlns:p="http://schemas.openxmlformats.org/presentationml/2006/main">
   <p:cSld>
     <p:spTree>
       <p:nvGrpSpPr>
@@ -7947,7 +11432,8 @@
           </a:prstGeom>
         </p:spPr>
         <p:txBody>
-          <a:bodyPr lIns="90000" rIns="90000" tIns="45000" bIns="45000"/>
+          <a:bodyPr lIns="90000" tIns="45000" rIns="90000" bIns="45000"/>
+          <a:lstStyle/>
           <a:p>
             <a:pPr>
               <a:lnSpc>
@@ -7984,7 +11470,8 @@
           </a:prstGeom>
         </p:spPr>
         <p:txBody>
-          <a:bodyPr lIns="90000" rIns="90000" tIns="45000" bIns="45000"/>
+          <a:bodyPr lIns="90000" tIns="45000" rIns="90000" bIns="45000"/>
+          <a:lstStyle/>
           <a:p>
             <a:pPr>
               <a:lnSpc>
@@ -7992,16 +11479,22 @@
               </a:lnSpc>
             </a:pPr>
             <a:r>
-              <a:rPr lang="de-DE" sz="2400" u="sng">
+              <a:rPr lang="de-DE" sz="2400" u="sng" dirty="0" err="1">
                 <a:solidFill>
-                  <a:srgbClr val="006c30"/>
+                  <a:srgbClr val="006C30"/>
                 </a:solidFill>
                 <a:latin typeface="LMU CompatilFact"/>
                 <a:ea typeface="MS PGothic"/>
               </a:rPr>
               <a:t>Wictionary</a:t>
             </a:r>
-            <a:endParaRPr/>
+            <a:endParaRPr lang="de-DE" sz="2400" u="sng" dirty="0">
+              <a:solidFill>
+                <a:srgbClr val="006C30"/>
+              </a:solidFill>
+              <a:latin typeface="LMU CompatilFact"/>
+              <a:ea typeface="MS PGothic"/>
+            </a:endParaRPr>
           </a:p>
           <a:p>
             <a:pPr>
@@ -8009,7 +11502,13 @@
                 <a:spcPct val="100000"/>
               </a:lnSpc>
             </a:pPr>
-            <a:endParaRPr/>
+            <a:endParaRPr lang="de-DE" altLang="zh-CN" sz="2400" u="sng" dirty="0">
+              <a:solidFill>
+                <a:srgbClr val="006C30"/>
+              </a:solidFill>
+              <a:latin typeface="LMU CompatilFact"/>
+              <a:ea typeface="MS PGothic"/>
+            </a:endParaRPr>
           </a:p>
           <a:p>
             <a:pPr>
@@ -8017,49 +11516,99 @@
                 <a:spcPct val="100000"/>
               </a:lnSpc>
             </a:pPr>
-            <a:endParaRPr/>
-          </a:p>
-          <a:p>
-            <a:pPr>
-              <a:lnSpc>
-                <a:spcPct val="100000"/>
-              </a:lnSpc>
-            </a:pPr>
             <a:r>
-              <a:rPr lang="de-DE" sz="2400">
+              <a:rPr lang="de-DE" sz="2400" dirty="0">
                 <a:solidFill>
-                  <a:srgbClr val="006c30"/>
+                  <a:srgbClr val="006C30"/>
                 </a:solidFill>
                 <a:latin typeface="LMU CompatilFact"/>
                 <a:ea typeface="MS PGothic"/>
               </a:rPr>
-              <a:t>Di -&gt;</a:t>
+              <a:t>Die grammatische Informationen aus den Wiktionary Page per zu extrahieren --- das Wortart, </a:t>
             </a:r>
-            <a:endParaRPr/>
+            <a:r>
+              <a:rPr lang="en-US" altLang="zh-CN" sz="2400" dirty="0">
+                <a:solidFill>
+                  <a:srgbClr val="006C30"/>
+                </a:solidFill>
+                <a:latin typeface="LMU CompatilFact"/>
+                <a:ea typeface="MS PGothic"/>
+              </a:rPr>
+              <a:t>Genus, </a:t>
+            </a:r>
+            <a:r>
+              <a:rPr lang="en-US" altLang="zh-CN" sz="2400" dirty="0" err="1">
+                <a:solidFill>
+                  <a:srgbClr val="006C30"/>
+                </a:solidFill>
+                <a:latin typeface="LMU CompatilFact"/>
+                <a:ea typeface="MS PGothic"/>
+              </a:rPr>
+              <a:t>Kasus</a:t>
+            </a:r>
+            <a:endParaRPr dirty="0"/>
           </a:p>
         </p:txBody>
       </p:sp>
+      <p:pic>
+        <p:nvPicPr>
+          <p:cNvPr id="3" name="图片 2">
+            <a:extLst>
+              <a:ext uri="{FF2B5EF4-FFF2-40B4-BE49-F238E27FC236}">
+                <a16:creationId xmlns:a16="http://schemas.microsoft.com/office/drawing/2014/main" id="{E85E6F54-2E99-4BD2-82B3-133E396B1D93}"/>
+              </a:ext>
+            </a:extLst>
+          </p:cNvPr>
+          <p:cNvPicPr>
+            <a:picLocks noChangeAspect="1"/>
+          </p:cNvPicPr>
+          <p:nvPr/>
+        </p:nvPicPr>
+        <p:blipFill rotWithShape="1">
+          <a:blip r:embed="rId2">
+            <a:extLst>
+              <a:ext uri="{28A0092B-C50C-407E-A947-70E740481C1C}">
+                <a14:useLocalDpi xmlns:a14="http://schemas.microsoft.com/office/drawing/2010/main" val="0"/>
+              </a:ext>
+            </a:extLst>
+          </a:blip>
+          <a:srcRect t="1185"/>
+          <a:stretch/>
+        </p:blipFill>
+        <p:spPr>
+          <a:xfrm>
+            <a:off x="0" y="3113148"/>
+            <a:ext cx="9144000" cy="2744701"/>
+          </a:xfrm>
+          <a:prstGeom prst="rect">
+            <a:avLst/>
+          </a:prstGeom>
+        </p:spPr>
+      </p:pic>
     </p:spTree>
   </p:cSld>
+  <p:clrMapOvr>
+    <a:masterClrMapping/>
+  </p:clrMapOvr>
   <p:transition spd="med">
     <p:fade/>
   </p:transition>
   <p:timing>
     <p:tnLst>
       <p:par>
-        <p:cTn id="17" dur="indefinite" restart="never" nodeType="tmRoot">
+        <p:cTn id="1" dur="indefinite" restart="never" nodeType="tmRoot">
           <p:childTnLst>
             <p:seq>
-              <p:cTn id="18" nodeType="mainSeq"/>
+              <p:cTn id="2" nodeType="mainSeq"/>
               <p:prevCondLst>
-                <p:cond delay="0" evt="onPrev">
+                <p:cond evt="onPrev" delay="0">
                   <p:tgtEl>
                     <p:sldTgt/>
                   </p:tgtEl>
                 </p:cond>
               </p:prevCondLst>
               <p:nextCondLst>
-                <p:cond delay="0" evt="onNext">
+                <p:cond evt="onNext" delay="0">
                   <p:tgtEl>
                     <p:sldTgt/>
                   </p:tgtEl>
@@ -8294,6 +11843,8 @@
       </a:bgFillStyleLst>
     </a:fmtScheme>
   </a:themeElements>
+  <a:objectDefaults/>
+  <a:extraClrSchemeLst/>
 </a:theme>
 </file>
 
@@ -8517,6 +12068,8 @@
       </a:bgFillStyleLst>
     </a:fmtScheme>
   </a:themeElements>
+  <a:objectDefaults/>
+  <a:extraClrSchemeLst/>
 </a:theme>
 </file>
 
@@ -8740,5 +12293,7 @@
       </a:bgFillStyleLst>
     </a:fmtScheme>
   </a:themeElements>
+  <a:objectDefaults/>
+  <a:extraClrSchemeLst/>
 </a:theme>
 </file>
--- a/L_lex/Vortrag.pptx
+++ b/L_lex/Vortrag.pptx
@@ -429,7 +429,7 @@
                   <c:v>Deu.</c:v>
                 </c:pt>
                 <c:pt idx="1">
-                  <c:v>Deu.</c:v>
+                  <c:v>Eng.</c:v>
                 </c:pt>
               </c:strCache>
             </c:strRef>
@@ -441,10 +441,10 @@
                 <c:formatCode>General</c:formatCode>
                 <c:ptCount val="2"/>
                 <c:pt idx="0">
-                  <c:v>2573</c:v>
+                  <c:v>2381</c:v>
                 </c:pt>
                 <c:pt idx="1">
-                  <c:v>1859</c:v>
+                  <c:v>1500</c:v>
                 </c:pt>
               </c:numCache>
             </c:numRef>
@@ -476,6 +476,16 @@
     </c:plotArea>
     <c:legend>
       <c:legendPos val="b"/>
+      <c:layout>
+        <c:manualLayout>
+          <c:xMode val="edge"/>
+          <c:yMode val="edge"/>
+          <c:x val="0.41379199475065614"/>
+          <c:y val="0.88051131889763778"/>
+          <c:w val="0.18491601049868767"/>
+          <c:h val="6.0113681102362204E-2"/>
+        </c:manualLayout>
+      </c:layout>
       <c:overlay val="0"/>
       <c:spPr>
         <a:noFill/>
@@ -8630,13 +8640,13 @@
           <p:nvPr>
             <p:extLst>
               <p:ext uri="{D42A27DB-BD31-4B8C-83A1-F6EECF244321}">
-                <p14:modId xmlns:p14="http://schemas.microsoft.com/office/powerpoint/2010/main" val="3913723606"/>
+                <p14:modId xmlns:p14="http://schemas.microsoft.com/office/powerpoint/2010/main" val="2281887259"/>
               </p:ext>
             </p:extLst>
           </p:nvPr>
         </p:nvGraphicFramePr>
         <p:xfrm>
-          <a:off x="3671599" y="2794000"/>
+          <a:off x="3615758" y="2870781"/>
           <a:ext cx="6096000" cy="4064000"/>
         </p:xfrm>
         <a:graphic>

--- a/L_lex/Vortrag.pptx
+++ b/L_lex/Vortrag.pptx
@@ -6,7 +6,7 @@
     <p:sldMasterId id="2147483661" r:id="rId2"/>
   </p:sldMasterIdLst>
   <p:notesMasterIdLst>
-    <p:notesMasterId r:id="rId16"/>
+    <p:notesMasterId r:id="rId17"/>
   </p:notesMasterIdLst>
   <p:sldIdLst>
     <p:sldId id="256" r:id="rId3"/>
@@ -20,8 +20,9 @@
     <p:sldId id="264" r:id="rId11"/>
     <p:sldId id="269" r:id="rId12"/>
     <p:sldId id="270" r:id="rId13"/>
-    <p:sldId id="271" r:id="rId14"/>
-    <p:sldId id="272" r:id="rId15"/>
+    <p:sldId id="273" r:id="rId14"/>
+    <p:sldId id="271" r:id="rId15"/>
+    <p:sldId id="272" r:id="rId16"/>
   </p:sldIdLst>
   <p:sldSz cx="9144000" cy="6858000" type="screen4x3"/>
   <p:notesSz cx="6797675" cy="9926638"/>
@@ -142,45 +143,7 @@
     </mc:Fallback>
   </mc:AlternateContent>
   <c:chart>
-    <c:title>
-      <c:layout>
-        <c:manualLayout>
-          <c:xMode val="edge"/>
-          <c:yMode val="edge"/>
-          <c:x val="0.36830200131233598"/>
-          <c:y val="8.1250000000000003E-2"/>
-        </c:manualLayout>
-      </c:layout>
-      <c:overlay val="0"/>
-      <c:spPr>
-        <a:noFill/>
-        <a:ln>
-          <a:noFill/>
-        </a:ln>
-        <a:effectLst/>
-      </c:spPr>
-      <c:txPr>
-        <a:bodyPr rot="0" spcFirstLastPara="1" vertOverflow="ellipsis" vert="horz" wrap="square" anchor="ctr" anchorCtr="1"/>
-        <a:lstStyle/>
-        <a:p>
-          <a:pPr>
-            <a:defRPr sz="1862" b="0" i="0" u="none" strike="noStrike" kern="1200" spc="0" baseline="0">
-              <a:solidFill>
-                <a:schemeClr val="tx1">
-                  <a:lumMod val="65000"/>
-                  <a:lumOff val="35000"/>
-                </a:schemeClr>
-              </a:solidFill>
-              <a:latin typeface="+mn-lt"/>
-              <a:ea typeface="+mn-ea"/>
-              <a:cs typeface="+mn-cs"/>
-            </a:defRPr>
-          </a:pPr>
-          <a:endParaRPr lang="zh-CN"/>
-        </a:p>
-      </c:txPr>
-    </c:title>
-    <c:autoTitleDeleted val="0"/>
+    <c:autoTitleDeleted val="1"/>
     <c:plotArea>
       <c:layout/>
       <c:pieChart>
@@ -480,10 +443,10 @@
         <c:manualLayout>
           <c:xMode val="edge"/>
           <c:yMode val="edge"/>
-          <c:x val="0.41379199475065614"/>
-          <c:y val="0.88051131889763778"/>
-          <c:w val="0.18491601049868767"/>
-          <c:h val="6.0113681102362204E-2"/>
+          <c:x val="0.37191720083030633"/>
+          <c:y val="0.85733370111643736"/>
+          <c:w val="0.23307185816407733"/>
+          <c:h val="9.984685553267629E-2"/>
         </c:manualLayout>
       </c:layout>
       <c:overlay val="0"/>
@@ -8578,7 +8541,7 @@
               </a:lnSpc>
             </a:pPr>
             <a:r>
-              <a:rPr lang="de-DE" sz="2400" dirty="0">
+              <a:rPr lang="de-DE" sz="2000" dirty="0">
                 <a:solidFill>
                   <a:srgbClr val="006C30"/>
                 </a:solidFill>
@@ -8588,7 +8551,7 @@
               <a:t>     </a:t>
             </a:r>
             <a:r>
-              <a:rPr lang="en-US" altLang="zh-CN" sz="2400" dirty="0">
+              <a:rPr lang="en-US" altLang="zh-CN" sz="2000" dirty="0">
                 <a:solidFill>
                   <a:srgbClr val="006C30"/>
                 </a:solidFill>
@@ -8598,7 +8561,7 @@
               <a:t>-&gt; </a:t>
             </a:r>
             <a:r>
-              <a:rPr lang="de-DE" sz="2400" dirty="0">
+              <a:rPr lang="de-DE" sz="2000" dirty="0">
                 <a:solidFill>
                   <a:srgbClr val="006C30"/>
                 </a:solidFill>
@@ -8615,7 +8578,7 @@
               </a:lnSpc>
             </a:pPr>
             <a:r>
-              <a:rPr lang="de-DE" sz="2400" dirty="0">
+              <a:rPr lang="de-DE" sz="2000" dirty="0">
                 <a:solidFill>
                   <a:srgbClr val="006C30"/>
                 </a:solidFill>
@@ -8640,14 +8603,14 @@
           <p:nvPr>
             <p:extLst>
               <p:ext uri="{D42A27DB-BD31-4B8C-83A1-F6EECF244321}">
-                <p14:modId xmlns:p14="http://schemas.microsoft.com/office/powerpoint/2010/main" val="2281887259"/>
+                <p14:modId xmlns:p14="http://schemas.microsoft.com/office/powerpoint/2010/main" val="3020783622"/>
               </p:ext>
             </p:extLst>
           </p:nvPr>
         </p:nvGraphicFramePr>
         <p:xfrm>
-          <a:off x="3615758" y="2870781"/>
-          <a:ext cx="6096000" cy="4064000"/>
+          <a:off x="3545957" y="3022406"/>
+          <a:ext cx="6065713" cy="3835594"/>
         </p:xfrm>
         <a:graphic>
           <a:graphicData uri="http://schemas.openxmlformats.org/drawingml/2006/chart">
@@ -8787,25 +8750,6 @@
                 <a:latin typeface="LMU CompatilFact"/>
                 <a:ea typeface="MS PGothic"/>
               </a:rPr>
-              <a:t>Aus den CIS-Lexikon sind 16967 Einträge ausgenommen und sortiert --&gt; Der Grundstein von neuen Einträgen</a:t>
-            </a:r>
-          </a:p>
-          <a:p>
-            <a:pPr marL="342900" indent="-342900">
-              <a:lnSpc>
-                <a:spcPct val="100000"/>
-              </a:lnSpc>
-              <a:buFont typeface="Arial" panose="020B0604020202020204" pitchFamily="34" charset="0"/>
-              <a:buChar char="•"/>
-            </a:pPr>
-            <a:r>
-              <a:rPr lang="de-DE" sz="2400" dirty="0">
-                <a:solidFill>
-                  <a:srgbClr val="006C30"/>
-                </a:solidFill>
-                <a:latin typeface="LMU CompatilFact"/>
-                <a:ea typeface="MS PGothic"/>
-              </a:rPr>
               <a:t>Mit </a:t>
             </a:r>
             <a:r>
@@ -8958,78 +8902,82 @@
             </a:endParaRPr>
           </a:p>
           <a:p>
-            <a:pPr marL="342900" indent="-342900">
-              <a:lnSpc>
-                <a:spcPct val="100000"/>
-              </a:lnSpc>
+            <a:pPr marL="342900" lvl="0" indent="-342900">
               <a:buFont typeface="Arial" panose="020B0604020202020204" pitchFamily="34" charset="0"/>
               <a:buChar char="•"/>
             </a:pPr>
-            <a:r>
-              <a:rPr lang="de-DE" sz="2400" dirty="0">
+            <a:endParaRPr lang="de-DE" altLang="zh-CN" sz="2400" dirty="0">
+              <a:solidFill>
+                <a:srgbClr val="006C30"/>
+              </a:solidFill>
+              <a:latin typeface="LMU CompatilFact"/>
+              <a:ea typeface="MS PGothic"/>
+            </a:endParaRPr>
+          </a:p>
+          <a:p>
+            <a:pPr marL="342900" lvl="0" indent="-342900">
+              <a:buFont typeface="Arial" panose="020B0604020202020204" pitchFamily="34" charset="0"/>
+              <a:buChar char="•"/>
+            </a:pPr>
+            <a:r>
+              <a:rPr lang="de-DE" altLang="zh-CN" sz="2400" dirty="0">
                 <a:solidFill>
                   <a:srgbClr val="006C30"/>
                 </a:solidFill>
                 <a:latin typeface="LMU CompatilFact"/>
                 <a:ea typeface="MS PGothic"/>
               </a:rPr>
-              <a:t>Per </a:t>
-            </a:r>
-            <a:r>
-              <a:rPr lang="de-DE" sz="2400" dirty="0" err="1">
+              <a:t>Wiktionary: mit </a:t>
+            </a:r>
+            <a:r>
+              <a:rPr lang="de-DE" altLang="zh-CN" sz="2400" dirty="0" err="1">
                 <a:solidFill>
                   <a:srgbClr val="006C30"/>
                 </a:solidFill>
                 <a:latin typeface="LMU CompatilFact"/>
                 <a:ea typeface="MS PGothic"/>
               </a:rPr>
-              <a:t>Stemming</a:t>
-            </a:r>
-            <a:r>
-              <a:rPr lang="de-DE" sz="2400" dirty="0">
+              <a:t>BeautifulSoup</a:t>
+            </a:r>
+            <a:r>
+              <a:rPr lang="de-DE" altLang="zh-CN" sz="2400" dirty="0">
                 <a:solidFill>
                   <a:srgbClr val="006C30"/>
                 </a:solidFill>
                 <a:latin typeface="LMU CompatilFact"/>
                 <a:ea typeface="MS PGothic"/>
               </a:rPr>
-              <a:t> sortierte 2 Wörter Liste bekommen:</a:t>
-            </a:r>
-          </a:p>
-          <a:p>
-            <a:pPr lvl="1"/>
-            <a:r>
-              <a:rPr lang="de-DE" sz="2000" dirty="0">
+              <a:t> die POS Informationen </a:t>
+            </a:r>
+            <a:r>
+              <a:rPr lang="en-US" altLang="zh-CN" sz="2400" dirty="0">
                 <a:solidFill>
                   <a:srgbClr val="006C30"/>
                 </a:solidFill>
                 <a:latin typeface="LMU CompatilFact"/>
                 <a:ea typeface="MS PGothic"/>
               </a:rPr>
-              <a:t>-Ein Form des neuen Wort existiert schon in der Lexikon;</a:t>
-            </a:r>
-          </a:p>
-          <a:p>
-            <a:pPr lvl="1"/>
-            <a:r>
-              <a:rPr lang="de-DE" sz="2000" dirty="0">
+              <a:t>von </a:t>
+            </a:r>
+            <a:r>
+              <a:rPr lang="en-US" altLang="zh-CN" sz="2400" b="1" dirty="0">
                 <a:solidFill>
                   <a:srgbClr val="006C30"/>
                 </a:solidFill>
                 <a:latin typeface="LMU CompatilFact"/>
                 <a:ea typeface="MS PGothic"/>
               </a:rPr>
-              <a:t>-Das neue Wort ist komplett neu für die Lexikon</a:t>
-            </a:r>
-            <a:r>
-              <a:rPr lang="de-DE" sz="2400" dirty="0">
+              <a:t>653</a:t>
+            </a:r>
+            <a:r>
+              <a:rPr lang="de-DE" altLang="zh-CN" sz="2400" dirty="0">
                 <a:solidFill>
                   <a:srgbClr val="006C30"/>
                 </a:solidFill>
                 <a:latin typeface="LMU CompatilFact"/>
                 <a:ea typeface="MS PGothic"/>
               </a:rPr>
-              <a:t>.</a:t>
+              <a:t> deutschen Wörter bekommen</a:t>
             </a:r>
           </a:p>
           <a:p>
@@ -9069,7 +9017,7 @@
         </p:blipFill>
         <p:spPr>
           <a:xfrm>
-            <a:off x="1951200" y="2641352"/>
+            <a:off x="2110373" y="2082940"/>
             <a:ext cx="4647414" cy="2592288"/>
           </a:xfrm>
           <a:prstGeom prst="rect">
@@ -9162,6 +9110,360 @@
               </a:lnSpc>
             </a:pPr>
             <a:r>
+              <a:rPr lang="de-DE" altLang="zh-CN" sz="1600" dirty="0">
+                <a:solidFill>
+                  <a:srgbClr val="606060"/>
+                </a:solidFill>
+                <a:latin typeface="LMU CompatilFact"/>
+                <a:ea typeface="MS PGothic"/>
+              </a:rPr>
+              <a:t>Ergebnisse</a:t>
+            </a:r>
+            <a:endParaRPr lang="de-DE" altLang="zh-CN" sz="1600" dirty="0"/>
+          </a:p>
+        </p:txBody>
+      </p:sp>
+      <p:sp>
+        <p:nvSpPr>
+          <p:cNvPr id="231" name="TextShape 2"/>
+          <p:cNvSpPr txBox="1"/>
+          <p:nvPr/>
+        </p:nvSpPr>
+        <p:spPr>
+          <a:xfrm>
+            <a:off x="250920" y="1268280"/>
+            <a:ext cx="7580811" cy="5040720"/>
+          </a:xfrm>
+          <a:prstGeom prst="rect">
+            <a:avLst/>
+          </a:prstGeom>
+        </p:spPr>
+        <p:txBody>
+          <a:bodyPr lIns="90000" tIns="45000" rIns="90000" bIns="45000"/>
+          <a:lstStyle/>
+          <a:p>
+            <a:pPr marL="342900" indent="-342900">
+              <a:buFont typeface="Arial" panose="020B0604020202020204" pitchFamily="34" charset="0"/>
+              <a:buChar char="•"/>
+            </a:pPr>
+            <a:r>
+              <a:rPr lang="de-DE" altLang="zh-CN" sz="2400" dirty="0">
+                <a:solidFill>
+                  <a:srgbClr val="006C30"/>
+                </a:solidFill>
+                <a:latin typeface="LMU CompatilFact"/>
+                <a:ea typeface="MS PGothic"/>
+              </a:rPr>
+              <a:t>Aus den CIS-Lexikon sind 16967 Einträge ausgenommen und sortiert  --&gt; Der Grundstein von neuen Einträgen</a:t>
+            </a:r>
+          </a:p>
+          <a:p>
+            <a:endParaRPr lang="de-DE" altLang="zh-CN" sz="2400" dirty="0">
+              <a:solidFill>
+                <a:srgbClr val="006C30"/>
+              </a:solidFill>
+              <a:latin typeface="LMU CompatilFact"/>
+              <a:ea typeface="MS PGothic"/>
+            </a:endParaRPr>
+          </a:p>
+          <a:p>
+            <a:endParaRPr lang="de-DE" altLang="zh-CN" sz="2400" dirty="0">
+              <a:solidFill>
+                <a:srgbClr val="006C30"/>
+              </a:solidFill>
+              <a:latin typeface="LMU CompatilFact"/>
+              <a:ea typeface="MS PGothic"/>
+            </a:endParaRPr>
+          </a:p>
+          <a:p>
+            <a:r>
+              <a:rPr lang="en-US" altLang="zh-CN" sz="2400" u="sng" dirty="0">
+                <a:solidFill>
+                  <a:srgbClr val="006C30"/>
+                </a:solidFill>
+                <a:latin typeface="LMU CompatilFact"/>
+                <a:ea typeface="MS PGothic"/>
+              </a:rPr>
+              <a:t>Optional </a:t>
+            </a:r>
+            <a:r>
+              <a:rPr lang="en-US" altLang="zh-CN" sz="2400" u="sng" dirty="0" err="1">
+                <a:solidFill>
+                  <a:srgbClr val="006C30"/>
+                </a:solidFill>
+                <a:latin typeface="LMU CompatilFact"/>
+                <a:ea typeface="MS PGothic"/>
+              </a:rPr>
+              <a:t>Proprocessing</a:t>
+            </a:r>
+            <a:endParaRPr lang="en-US" altLang="zh-CN" sz="2400" u="sng" dirty="0">
+              <a:solidFill>
+                <a:srgbClr val="006C30"/>
+              </a:solidFill>
+              <a:latin typeface="LMU CompatilFact"/>
+              <a:ea typeface="MS PGothic"/>
+            </a:endParaRPr>
+          </a:p>
+          <a:p>
+            <a:endParaRPr lang="de-DE" sz="2400" dirty="0">
+              <a:solidFill>
+                <a:srgbClr val="006C30"/>
+              </a:solidFill>
+              <a:latin typeface="LMU CompatilFact"/>
+              <a:ea typeface="MS PGothic"/>
+            </a:endParaRPr>
+          </a:p>
+          <a:p>
+            <a:pPr marL="342900" indent="-342900">
+              <a:lnSpc>
+                <a:spcPct val="100000"/>
+              </a:lnSpc>
+              <a:buFont typeface="Arial" panose="020B0604020202020204" pitchFamily="34" charset="0"/>
+              <a:buChar char="•"/>
+            </a:pPr>
+            <a:r>
+              <a:rPr lang="de-DE" sz="2400" dirty="0">
+                <a:solidFill>
+                  <a:srgbClr val="006C30"/>
+                </a:solidFill>
+                <a:latin typeface="LMU CompatilFact"/>
+                <a:ea typeface="MS PGothic"/>
+              </a:rPr>
+              <a:t>Rechtschreibung: mit </a:t>
+            </a:r>
+            <a:r>
+              <a:rPr lang="de-DE" sz="2400" dirty="0" err="1">
+                <a:solidFill>
+                  <a:srgbClr val="006C30"/>
+                </a:solidFill>
+                <a:latin typeface="LMU CompatilFact"/>
+                <a:ea typeface="MS PGothic"/>
+              </a:rPr>
+              <a:t>SpellChecker</a:t>
+            </a:r>
+            <a:r>
+              <a:rPr lang="de-DE" sz="2400" dirty="0">
+                <a:solidFill>
+                  <a:srgbClr val="006C30"/>
+                </a:solidFill>
+                <a:latin typeface="LMU CompatilFact"/>
+                <a:ea typeface="MS PGothic"/>
+              </a:rPr>
+              <a:t> </a:t>
+            </a:r>
+            <a:r>
+              <a:rPr lang="de-DE" sz="2400" b="1" dirty="0">
+                <a:solidFill>
+                  <a:srgbClr val="006C30"/>
+                </a:solidFill>
+                <a:latin typeface="LMU CompatilFact"/>
+                <a:ea typeface="MS PGothic"/>
+              </a:rPr>
+              <a:t>1597</a:t>
+            </a:r>
+            <a:r>
+              <a:rPr lang="de-DE" sz="2400" dirty="0">
+                <a:solidFill>
+                  <a:srgbClr val="006C30"/>
+                </a:solidFill>
+                <a:latin typeface="LMU CompatilFact"/>
+                <a:ea typeface="MS PGothic"/>
+              </a:rPr>
+              <a:t> möglich falsche Wörter ausgewählt</a:t>
+            </a:r>
+          </a:p>
+          <a:p>
+            <a:pPr>
+              <a:lnSpc>
+                <a:spcPct val="100000"/>
+              </a:lnSpc>
+            </a:pPr>
+            <a:endParaRPr lang="de-DE" sz="2400" dirty="0">
+              <a:solidFill>
+                <a:srgbClr val="006C30"/>
+              </a:solidFill>
+              <a:latin typeface="LMU CompatilFact"/>
+              <a:ea typeface="MS PGothic"/>
+            </a:endParaRPr>
+          </a:p>
+          <a:p>
+            <a:pPr marL="342900" indent="-342900">
+              <a:lnSpc>
+                <a:spcPct val="100000"/>
+              </a:lnSpc>
+              <a:buFont typeface="Arial" panose="020B0604020202020204" pitchFamily="34" charset="0"/>
+              <a:buChar char="•"/>
+            </a:pPr>
+            <a:r>
+              <a:rPr lang="de-DE" altLang="zh-CN" sz="2400" dirty="0">
+                <a:solidFill>
+                  <a:srgbClr val="006C30"/>
+                </a:solidFill>
+                <a:latin typeface="LMU CompatilFact"/>
+                <a:ea typeface="MS PGothic"/>
+              </a:rPr>
+              <a:t>Per </a:t>
+            </a:r>
+            <a:r>
+              <a:rPr lang="de-DE" altLang="zh-CN" sz="2400" dirty="0" err="1">
+                <a:solidFill>
+                  <a:srgbClr val="006C30"/>
+                </a:solidFill>
+                <a:latin typeface="LMU CompatilFact"/>
+                <a:ea typeface="MS PGothic"/>
+              </a:rPr>
+              <a:t>Stemming</a:t>
+            </a:r>
+            <a:r>
+              <a:rPr lang="de-DE" altLang="zh-CN" sz="2400" dirty="0">
+                <a:solidFill>
+                  <a:srgbClr val="006C30"/>
+                </a:solidFill>
+                <a:latin typeface="LMU CompatilFact"/>
+                <a:ea typeface="MS PGothic"/>
+              </a:rPr>
+              <a:t> sortierte 2 Wörter Liste bekommen:</a:t>
+            </a:r>
+          </a:p>
+          <a:p>
+            <a:pPr lvl="1"/>
+            <a:r>
+              <a:rPr lang="de-DE" altLang="zh-CN" sz="2000" dirty="0">
+                <a:solidFill>
+                  <a:srgbClr val="006C30"/>
+                </a:solidFill>
+                <a:latin typeface="LMU CompatilFact"/>
+                <a:ea typeface="MS PGothic"/>
+              </a:rPr>
+              <a:t>-Ein Form des Worts existiert schon in der Lexikon;</a:t>
+            </a:r>
+          </a:p>
+          <a:p>
+            <a:pPr lvl="1"/>
+            <a:r>
+              <a:rPr lang="de-DE" altLang="zh-CN" sz="2000" dirty="0">
+                <a:solidFill>
+                  <a:srgbClr val="006C30"/>
+                </a:solidFill>
+                <a:latin typeface="LMU CompatilFact"/>
+                <a:ea typeface="MS PGothic"/>
+              </a:rPr>
+              <a:t>-Das Wort ist komplett neu für die Lexikon</a:t>
+            </a:r>
+            <a:r>
+              <a:rPr lang="de-DE" altLang="zh-CN" sz="2400" dirty="0">
+                <a:solidFill>
+                  <a:srgbClr val="006C30"/>
+                </a:solidFill>
+                <a:latin typeface="LMU CompatilFact"/>
+                <a:ea typeface="MS PGothic"/>
+              </a:rPr>
+              <a:t>.</a:t>
+            </a:r>
+          </a:p>
+          <a:p>
+            <a:pPr marL="342900" indent="-342900">
+              <a:lnSpc>
+                <a:spcPct val="100000"/>
+              </a:lnSpc>
+              <a:buFont typeface="Arial" panose="020B0604020202020204" pitchFamily="34" charset="0"/>
+              <a:buChar char="•"/>
+            </a:pPr>
+            <a:endParaRPr lang="de-DE" sz="2400" dirty="0">
+              <a:solidFill>
+                <a:srgbClr val="006C30"/>
+              </a:solidFill>
+              <a:latin typeface="LMU CompatilFact"/>
+              <a:ea typeface="MS PGothic"/>
+            </a:endParaRPr>
+          </a:p>
+        </p:txBody>
+      </p:sp>
+    </p:spTree>
+    <p:extLst>
+      <p:ext uri="{BB962C8B-B14F-4D97-AF65-F5344CB8AC3E}">
+        <p14:creationId xmlns:p14="http://schemas.microsoft.com/office/powerpoint/2010/main" val="268446770"/>
+      </p:ext>
+    </p:extLst>
+  </p:cSld>
+  <p:clrMapOvr>
+    <a:masterClrMapping/>
+  </p:clrMapOvr>
+  <p:transition spd="med">
+    <p:fade/>
+  </p:transition>
+  <p:timing>
+    <p:tnLst>
+      <p:par>
+        <p:cTn id="1" dur="indefinite" restart="never" nodeType="tmRoot">
+          <p:childTnLst>
+            <p:seq>
+              <p:cTn id="2" nodeType="mainSeq"/>
+              <p:prevCondLst>
+                <p:cond evt="onPrev" delay="0">
+                  <p:tgtEl>
+                    <p:sldTgt/>
+                  </p:tgtEl>
+                </p:cond>
+              </p:prevCondLst>
+              <p:nextCondLst>
+                <p:cond evt="onNext" delay="0">
+                  <p:tgtEl>
+                    <p:sldTgt/>
+                  </p:tgtEl>
+                </p:cond>
+              </p:nextCondLst>
+            </p:seq>
+          </p:childTnLst>
+        </p:cTn>
+      </p:par>
+    </p:tnLst>
+  </p:timing>
+</p:sld>
+</file>
+
+<file path=ppt/slides/slide13.xml><?xml version="1.0" encoding="utf-8"?>
+<p:sld xmlns:a="http://schemas.openxmlformats.org/drawingml/2006/main" xmlns:r="http://schemas.openxmlformats.org/officeDocument/2006/relationships" xmlns:p="http://schemas.openxmlformats.org/presentationml/2006/main">
+  <p:cSld>
+    <p:spTree>
+      <p:nvGrpSpPr>
+        <p:cNvPr id="1" name=""/>
+        <p:cNvGrpSpPr/>
+        <p:nvPr/>
+      </p:nvGrpSpPr>
+      <p:grpSpPr>
+        <a:xfrm>
+          <a:off x="0" y="0"/>
+          <a:ext cx="0" cy="0"/>
+          <a:chOff x="0" y="0"/>
+          <a:chExt cx="0" cy="0"/>
+        </a:xfrm>
+      </p:grpSpPr>
+      <p:sp>
+        <p:nvSpPr>
+          <p:cNvPr id="230" name="TextShape 1"/>
+          <p:cNvSpPr txBox="1"/>
+          <p:nvPr/>
+        </p:nvSpPr>
+        <p:spPr>
+          <a:xfrm>
+            <a:off x="1951200" y="649440"/>
+            <a:ext cx="5140800" cy="359640"/>
+          </a:xfrm>
+          <a:prstGeom prst="rect">
+            <a:avLst/>
+          </a:prstGeom>
+        </p:spPr>
+        <p:txBody>
+          <a:bodyPr lIns="90000" tIns="45000" rIns="90000" bIns="45000"/>
+          <a:lstStyle/>
+          <a:p>
+            <a:pPr>
+              <a:lnSpc>
+                <a:spcPct val="100000"/>
+              </a:lnSpc>
+            </a:pPr>
+            <a:r>
               <a:rPr lang="de-DE" sz="1600" dirty="0">
                 <a:solidFill>
                   <a:srgbClr val="606060"/>
@@ -9345,7 +9647,37 @@
                 <a:latin typeface="LMU CompatilFact"/>
                 <a:ea typeface="MS PGothic"/>
               </a:rPr>
-              <a:t>Viele Abkürzungen bzw. unklare Wörter/Rechtschreibungsfehler</a:t>
+              <a:t>Viele Abkürzungen</a:t>
+            </a:r>
+            <a:r>
+              <a:rPr lang="en-US" sz="2400" dirty="0">
+                <a:solidFill>
+                  <a:srgbClr val="006C30"/>
+                </a:solidFill>
+                <a:latin typeface="LMU CompatilFact"/>
+                <a:ea typeface="MS PGothic"/>
+              </a:rPr>
+              <a:t>,</a:t>
+            </a:r>
+            <a:r>
+              <a:rPr lang="zh-CN" altLang="en-US" sz="2400" dirty="0">
+                <a:solidFill>
+                  <a:srgbClr val="006C30"/>
+                </a:solidFill>
+                <a:latin typeface="LMU CompatilFact"/>
+                <a:ea typeface="MS PGothic"/>
+              </a:rPr>
+              <a:t> </a:t>
+            </a:r>
+            <a:r>
+              <a:rPr lang="de-DE" sz="2400" dirty="0">
+                <a:solidFill>
+                  <a:srgbClr val="006C30"/>
+                </a:solidFill>
+                <a:latin typeface="LMU CompatilFact"/>
+                <a:ea typeface="MS PGothic"/>
+              </a:rPr>
+              <a:t>unklare Wörter bzw. Rechtschreibungsfehler</a:t>
             </a:r>
           </a:p>
           <a:p>
@@ -9450,7 +9782,7 @@
 </p:sld>
 </file>
 
-<file path=ppt/slides/slide13.xml><?xml version="1.0" encoding="utf-8"?>
+<file path=ppt/slides/slide14.xml><?xml version="1.0" encoding="utf-8"?>
 <p:sld xmlns:a="http://schemas.openxmlformats.org/drawingml/2006/main" xmlns:r="http://schemas.openxmlformats.org/officeDocument/2006/relationships" xmlns:p="http://schemas.openxmlformats.org/presentationml/2006/main">
   <p:cSld>
     <p:spTree>
